--- a/Resources/Twitter_vs_Stock_Market_v.02.pptx
+++ b/Resources/Twitter_vs_Stock_Market_v.02.pptx
@@ -1,33 +1,33 @@
 
 <file path=ppt/presentation.xml><?xml version="1.0" encoding="utf-8"?>
-<p:presentation xmlns:a="http://schemas.openxmlformats.org/drawingml/2006/main" xmlns:r="http://schemas.openxmlformats.org/officeDocument/2006/relationships" xmlns:mc="http://schemas.openxmlformats.org/markup-compatibility/2006" xmlns:mv="urn:schemas-microsoft-com:mac:vml" xmlns:p="http://schemas.openxmlformats.org/presentationml/2006/main" xmlns:c="http://schemas.openxmlformats.org/drawingml/2006/chart" xmlns:dgm="http://schemas.openxmlformats.org/drawingml/2006/diagram" xmlns:o="urn:schemas-microsoft-com:office:office" xmlns:v="urn:schemas-microsoft-com:vml" xmlns:pvml="urn:schemas-microsoft-com:office:powerpoint" xmlns:com="http://schemas.openxmlformats.org/drawingml/2006/compatibility" xmlns:p14="http://schemas.microsoft.com/office/powerpoint/2010/main" xmlns:p15="http://schemas.microsoft.com/office/powerpoint/2012/main" xmlns:ahyp="http://schemas.microsoft.com/office/drawing/2018/hyperlinkcolor" autoCompressPictures="0" strictFirstAndLastChars="0" saveSubsetFonts="1">
+<p:presentation xmlns:a="http://schemas.openxmlformats.org/drawingml/2006/main" xmlns:r="http://schemas.openxmlformats.org/officeDocument/2006/relationships" xmlns:p="http://schemas.openxmlformats.org/presentationml/2006/main" strictFirstAndLastChars="0" saveSubsetFonts="1" autoCompressPictures="0">
   <p:sldMasterIdLst>
-    <p:sldMasterId id="2147483659" r:id="rId4"/>
+    <p:sldMasterId id="2147483659" r:id="rId1"/>
   </p:sldMasterIdLst>
   <p:notesMasterIdLst>
-    <p:notesMasterId r:id="rId5"/>
+    <p:notesMasterId r:id="rId17"/>
   </p:notesMasterIdLst>
   <p:sldIdLst>
-    <p:sldId id="256" r:id="rId6"/>
-    <p:sldId id="257" r:id="rId7"/>
-    <p:sldId id="258" r:id="rId8"/>
-    <p:sldId id="259" r:id="rId9"/>
-    <p:sldId id="260" r:id="rId10"/>
-    <p:sldId id="261" r:id="rId11"/>
-    <p:sldId id="262" r:id="rId12"/>
-    <p:sldId id="263" r:id="rId13"/>
-    <p:sldId id="264" r:id="rId14"/>
-    <p:sldId id="265" r:id="rId15"/>
-    <p:sldId id="266" r:id="rId16"/>
-    <p:sldId id="267" r:id="rId17"/>
-    <p:sldId id="268" r:id="rId18"/>
-    <p:sldId id="269" r:id="rId19"/>
-    <p:sldId id="270" r:id="rId20"/>
+    <p:sldId id="256" r:id="rId2"/>
+    <p:sldId id="257" r:id="rId3"/>
+    <p:sldId id="258" r:id="rId4"/>
+    <p:sldId id="259" r:id="rId5"/>
+    <p:sldId id="260" r:id="rId6"/>
+    <p:sldId id="261" r:id="rId7"/>
+    <p:sldId id="262" r:id="rId8"/>
+    <p:sldId id="263" r:id="rId9"/>
+    <p:sldId id="264" r:id="rId10"/>
+    <p:sldId id="265" r:id="rId11"/>
+    <p:sldId id="266" r:id="rId12"/>
+    <p:sldId id="267" r:id="rId13"/>
+    <p:sldId id="268" r:id="rId14"/>
+    <p:sldId id="269" r:id="rId15"/>
+    <p:sldId id="270" r:id="rId16"/>
   </p:sldIdLst>
-  <p:sldSz cy="5143500" cx="9144000"/>
+  <p:sldSz cx="9144000" cy="5143500" type="screen16x9"/>
   <p:notesSz cx="6858000" cy="9144000"/>
   <p:defaultTextStyle>
-    <a:defPPr lvl="0" marR="0" rtl="0" algn="l">
+    <a:defPPr marR="0" lvl="0" algn="l" rtl="0">
       <a:lnSpc>
         <a:spcPct val="100000"/>
       </a:lnSpc>
@@ -38,7 +38,7 @@
         <a:spcPts val="0"/>
       </a:spcAft>
     </a:defPPr>
-    <a:lvl1pPr lvl="0" marR="0" rtl="0" algn="l">
+    <a:lvl1pPr marR="0" lvl="0" algn="l" rtl="0">
       <a:lnSpc>
         <a:spcPct val="100000"/>
       </a:lnSpc>
@@ -52,7 +52,7 @@
         <a:srgbClr val="000000"/>
       </a:buClr>
       <a:buFont typeface="Arial"/>
-      <a:defRPr b="0" i="0" sz="1400" u="none" cap="none" strike="noStrike">
+      <a:defRPr sz="1400" b="0" i="0" u="none" strike="noStrike" cap="none">
         <a:solidFill>
           <a:srgbClr val="000000"/>
         </a:solidFill>
@@ -62,7 +62,7 @@
         <a:sym typeface="Arial"/>
       </a:defRPr>
     </a:lvl1pPr>
-    <a:lvl2pPr lvl="1" marR="0" rtl="0" algn="l">
+    <a:lvl2pPr marR="0" lvl="1" algn="l" rtl="0">
       <a:lnSpc>
         <a:spcPct val="100000"/>
       </a:lnSpc>
@@ -76,7 +76,7 @@
         <a:srgbClr val="000000"/>
       </a:buClr>
       <a:buFont typeface="Arial"/>
-      <a:defRPr b="0" i="0" sz="1400" u="none" cap="none" strike="noStrike">
+      <a:defRPr sz="1400" b="0" i="0" u="none" strike="noStrike" cap="none">
         <a:solidFill>
           <a:srgbClr val="000000"/>
         </a:solidFill>
@@ -86,7 +86,7 @@
         <a:sym typeface="Arial"/>
       </a:defRPr>
     </a:lvl2pPr>
-    <a:lvl3pPr lvl="2" marR="0" rtl="0" algn="l">
+    <a:lvl3pPr marR="0" lvl="2" algn="l" rtl="0">
       <a:lnSpc>
         <a:spcPct val="100000"/>
       </a:lnSpc>
@@ -100,7 +100,7 @@
         <a:srgbClr val="000000"/>
       </a:buClr>
       <a:buFont typeface="Arial"/>
-      <a:defRPr b="0" i="0" sz="1400" u="none" cap="none" strike="noStrike">
+      <a:defRPr sz="1400" b="0" i="0" u="none" strike="noStrike" cap="none">
         <a:solidFill>
           <a:srgbClr val="000000"/>
         </a:solidFill>
@@ -110,7 +110,7 @@
         <a:sym typeface="Arial"/>
       </a:defRPr>
     </a:lvl3pPr>
-    <a:lvl4pPr lvl="3" marR="0" rtl="0" algn="l">
+    <a:lvl4pPr marR="0" lvl="3" algn="l" rtl="0">
       <a:lnSpc>
         <a:spcPct val="100000"/>
       </a:lnSpc>
@@ -124,7 +124,7 @@
         <a:srgbClr val="000000"/>
       </a:buClr>
       <a:buFont typeface="Arial"/>
-      <a:defRPr b="0" i="0" sz="1400" u="none" cap="none" strike="noStrike">
+      <a:defRPr sz="1400" b="0" i="0" u="none" strike="noStrike" cap="none">
         <a:solidFill>
           <a:srgbClr val="000000"/>
         </a:solidFill>
@@ -134,7 +134,7 @@
         <a:sym typeface="Arial"/>
       </a:defRPr>
     </a:lvl4pPr>
-    <a:lvl5pPr lvl="4" marR="0" rtl="0" algn="l">
+    <a:lvl5pPr marR="0" lvl="4" algn="l" rtl="0">
       <a:lnSpc>
         <a:spcPct val="100000"/>
       </a:lnSpc>
@@ -148,7 +148,7 @@
         <a:srgbClr val="000000"/>
       </a:buClr>
       <a:buFont typeface="Arial"/>
-      <a:defRPr b="0" i="0" sz="1400" u="none" cap="none" strike="noStrike">
+      <a:defRPr sz="1400" b="0" i="0" u="none" strike="noStrike" cap="none">
         <a:solidFill>
           <a:srgbClr val="000000"/>
         </a:solidFill>
@@ -158,7 +158,7 @@
         <a:sym typeface="Arial"/>
       </a:defRPr>
     </a:lvl5pPr>
-    <a:lvl6pPr lvl="5" marR="0" rtl="0" algn="l">
+    <a:lvl6pPr marR="0" lvl="5" algn="l" rtl="0">
       <a:lnSpc>
         <a:spcPct val="100000"/>
       </a:lnSpc>
@@ -172,7 +172,7 @@
         <a:srgbClr val="000000"/>
       </a:buClr>
       <a:buFont typeface="Arial"/>
-      <a:defRPr b="0" i="0" sz="1400" u="none" cap="none" strike="noStrike">
+      <a:defRPr sz="1400" b="0" i="0" u="none" strike="noStrike" cap="none">
         <a:solidFill>
           <a:srgbClr val="000000"/>
         </a:solidFill>
@@ -182,7 +182,7 @@
         <a:sym typeface="Arial"/>
       </a:defRPr>
     </a:lvl6pPr>
-    <a:lvl7pPr lvl="6" marR="0" rtl="0" algn="l">
+    <a:lvl7pPr marR="0" lvl="6" algn="l" rtl="0">
       <a:lnSpc>
         <a:spcPct val="100000"/>
       </a:lnSpc>
@@ -196,7 +196,7 @@
         <a:srgbClr val="000000"/>
       </a:buClr>
       <a:buFont typeface="Arial"/>
-      <a:defRPr b="0" i="0" sz="1400" u="none" cap="none" strike="noStrike">
+      <a:defRPr sz="1400" b="0" i="0" u="none" strike="noStrike" cap="none">
         <a:solidFill>
           <a:srgbClr val="000000"/>
         </a:solidFill>
@@ -206,7 +206,7 @@
         <a:sym typeface="Arial"/>
       </a:defRPr>
     </a:lvl7pPr>
-    <a:lvl8pPr lvl="7" marR="0" rtl="0" algn="l">
+    <a:lvl8pPr marR="0" lvl="7" algn="l" rtl="0">
       <a:lnSpc>
         <a:spcPct val="100000"/>
       </a:lnSpc>
@@ -220,7 +220,7 @@
         <a:srgbClr val="000000"/>
       </a:buClr>
       <a:buFont typeface="Arial"/>
-      <a:defRPr b="0" i="0" sz="1400" u="none" cap="none" strike="noStrike">
+      <a:defRPr sz="1400" b="0" i="0" u="none" strike="noStrike" cap="none">
         <a:solidFill>
           <a:srgbClr val="000000"/>
         </a:solidFill>
@@ -230,7 +230,7 @@
         <a:sym typeface="Arial"/>
       </a:defRPr>
     </a:lvl8pPr>
-    <a:lvl9pPr lvl="8" marR="0" rtl="0" algn="l">
+    <a:lvl9pPr marR="0" lvl="8" algn="l" rtl="0">
       <a:lnSpc>
         <a:spcPct val="100000"/>
       </a:lnSpc>
@@ -244,7 +244,7 @@
         <a:srgbClr val="000000"/>
       </a:buClr>
       <a:buFont typeface="Arial"/>
-      <a:defRPr b="0" i="0" sz="1400" u="none" cap="none" strike="noStrike">
+      <a:defRPr sz="1400" b="0" i="0" u="none" strike="noStrike" cap="none">
         <a:solidFill>
           <a:srgbClr val="000000"/>
         </a:solidFill>
@@ -257,7 +257,7 @@
   </p:defaultTextStyle>
   <p:extLst>
     <p:ext uri="{EFAFB233-063F-42B5-8137-9DF3F51BA10A}">
-      <p15:sldGuideLst>
+      <p15:sldGuideLst xmlns:p15="http://schemas.microsoft.com/office/powerpoint/2012/main">
         <p15:guide id="1" orient="horz" pos="1620">
           <p15:clr>
             <a:srgbClr val="A4A3A4"/>
@@ -275,11 +275,16 @@
 </file>
 
 <file path=ppt/notesMasters/notesMaster1.xml><?xml version="1.0" encoding="utf-8"?>
-<p:notesMaster xmlns:a="http://schemas.openxmlformats.org/drawingml/2006/main" xmlns:r="http://schemas.openxmlformats.org/officeDocument/2006/relationships" xmlns:mc="http://schemas.openxmlformats.org/markup-compatibility/2006" xmlns:mv="urn:schemas-microsoft-com:mac:vml" xmlns:p="http://schemas.openxmlformats.org/presentationml/2006/main" xmlns:c="http://schemas.openxmlformats.org/drawingml/2006/chart" xmlns:dgm="http://schemas.openxmlformats.org/drawingml/2006/diagram" xmlns:o="urn:schemas-microsoft-com:office:office" xmlns:v="urn:schemas-microsoft-com:vml" xmlns:pvml="urn:schemas-microsoft-com:office:powerpoint" xmlns:com="http://schemas.openxmlformats.org/drawingml/2006/compatibility" xmlns:p14="http://schemas.microsoft.com/office/powerpoint/2010/main" xmlns:p15="http://schemas.microsoft.com/office/powerpoint/2012/main" xmlns:ahyp="http://schemas.microsoft.com/office/drawing/2018/hyperlinkcolor">
+<p:notesMaster xmlns:a="http://schemas.openxmlformats.org/drawingml/2006/main" xmlns:r="http://schemas.openxmlformats.org/officeDocument/2006/relationships" xmlns:p="http://schemas.openxmlformats.org/presentationml/2006/main">
   <p:cSld>
+    <p:bg>
+      <p:bgRef idx="1001">
+        <a:schemeClr val="bg1"/>
+      </p:bgRef>
+    </p:bg>
     <p:spTree>
       <p:nvGrpSpPr>
-        <p:cNvPr id="2" name="Shape 2"/>
+        <p:cNvPr id="1" name="Shape 2"/>
         <p:cNvGrpSpPr/>
         <p:nvPr/>
       </p:nvGrpSpPr>
@@ -294,9 +299,11 @@
       <p:sp>
         <p:nvSpPr>
           <p:cNvPr id="3" name="Google Shape;3;n"/>
-          <p:cNvSpPr/>
+          <p:cNvSpPr>
+            <a:spLocks noGrp="1" noRot="1" noChangeAspect="1"/>
+          </p:cNvSpPr>
           <p:nvPr>
-            <p:ph idx="2" type="sldImg"/>
+            <p:ph type="sldImg" idx="2"/>
           </p:nvPr>
         </p:nvSpPr>
         <p:spPr>
@@ -305,9 +312,13 @@
             <a:ext cx="6096075" cy="3429000"/>
           </a:xfrm>
           <a:custGeom>
-            <a:rect b="b" l="l" r="r" t="t"/>
+            <a:avLst/>
+            <a:gdLst/>
+            <a:ahLst/>
+            <a:cxnLst/>
+            <a:rect l="l" t="t" r="r" b="b"/>
             <a:pathLst>
-              <a:path extrusionOk="0" h="120000" w="120000">
+              <a:path w="120000" h="120000" extrusionOk="0">
                 <a:moveTo>
                   <a:pt x="0" y="0"/>
                 </a:moveTo>
@@ -325,23 +336,25 @@
             </a:pathLst>
           </a:custGeom>
           <a:noFill/>
-          <a:ln cap="flat" cmpd="sng" w="9525">
+          <a:ln w="9525" cap="flat" cmpd="sng">
             <a:solidFill>
               <a:srgbClr val="000000"/>
             </a:solidFill>
             <a:prstDash val="solid"/>
             <a:round/>
-            <a:headEnd len="sm" w="sm" type="none"/>
-            <a:tailEnd len="sm" w="sm" type="none"/>
+            <a:headEnd type="none" w="sm" len="sm"/>
+            <a:tailEnd type="none" w="sm" len="sm"/>
           </a:ln>
         </p:spPr>
       </p:sp>
       <p:sp>
         <p:nvSpPr>
           <p:cNvPr id="4" name="Google Shape;4;n"/>
-          <p:cNvSpPr txBox="1"/>
+          <p:cNvSpPr txBox="1">
+            <a:spLocks noGrp="1"/>
+          </p:cNvSpPr>
           <p:nvPr>
-            <p:ph idx="1" type="body"/>
+            <p:ph type="body" idx="1"/>
           </p:nvPr>
         </p:nvSpPr>
         <p:spPr>
@@ -358,11 +371,11 @@
           </a:ln>
         </p:spPr>
         <p:txBody>
-          <a:bodyPr anchorCtr="0" anchor="t" bIns="91425" lIns="91425" spcFirstLastPara="1" rIns="91425" wrap="square" tIns="91425">
+          <a:bodyPr spcFirstLastPara="1" wrap="square" lIns="91425" tIns="91425" rIns="91425" bIns="91425" anchor="t" anchorCtr="0">
             <a:noAutofit/>
           </a:bodyPr>
           <a:lstStyle>
-            <a:lvl1pPr indent="-298450" lvl="0" marL="457200">
+            <a:lvl1pPr marL="457200" lvl="0" indent="-298450">
               <a:spcBef>
                 <a:spcPts val="0"/>
               </a:spcBef>
@@ -373,7 +386,7 @@
               <a:buChar char="●"/>
               <a:defRPr sz="1100"/>
             </a:lvl1pPr>
-            <a:lvl2pPr indent="-298450" lvl="1" marL="914400">
+            <a:lvl2pPr marL="914400" lvl="1" indent="-298450">
               <a:spcBef>
                 <a:spcPts val="0"/>
               </a:spcBef>
@@ -384,7 +397,7 @@
               <a:buChar char="○"/>
               <a:defRPr sz="1100"/>
             </a:lvl2pPr>
-            <a:lvl3pPr indent="-298450" lvl="2" marL="1371600">
+            <a:lvl3pPr marL="1371600" lvl="2" indent="-298450">
               <a:spcBef>
                 <a:spcPts val="0"/>
               </a:spcBef>
@@ -395,7 +408,7 @@
               <a:buChar char="■"/>
               <a:defRPr sz="1100"/>
             </a:lvl3pPr>
-            <a:lvl4pPr indent="-298450" lvl="3" marL="1828800">
+            <a:lvl4pPr marL="1828800" lvl="3" indent="-298450">
               <a:spcBef>
                 <a:spcPts val="0"/>
               </a:spcBef>
@@ -406,7 +419,7 @@
               <a:buChar char="●"/>
               <a:defRPr sz="1100"/>
             </a:lvl4pPr>
-            <a:lvl5pPr indent="-298450" lvl="4" marL="2286000">
+            <a:lvl5pPr marL="2286000" lvl="4" indent="-298450">
               <a:spcBef>
                 <a:spcPts val="0"/>
               </a:spcBef>
@@ -417,7 +430,7 @@
               <a:buChar char="○"/>
               <a:defRPr sz="1100"/>
             </a:lvl5pPr>
-            <a:lvl6pPr indent="-298450" lvl="5" marL="2743200">
+            <a:lvl6pPr marL="2743200" lvl="5" indent="-298450">
               <a:spcBef>
                 <a:spcPts val="0"/>
               </a:spcBef>
@@ -428,7 +441,7 @@
               <a:buChar char="■"/>
               <a:defRPr sz="1100"/>
             </a:lvl6pPr>
-            <a:lvl7pPr indent="-298450" lvl="6" marL="3200400">
+            <a:lvl7pPr marL="3200400" lvl="6" indent="-298450">
               <a:spcBef>
                 <a:spcPts val="0"/>
               </a:spcBef>
@@ -439,7 +452,7 @@
               <a:buChar char="●"/>
               <a:defRPr sz="1100"/>
             </a:lvl7pPr>
-            <a:lvl8pPr indent="-298450" lvl="7" marL="3657600">
+            <a:lvl8pPr marL="3657600" lvl="7" indent="-298450">
               <a:spcBef>
                 <a:spcPts val="0"/>
               </a:spcBef>
@@ -450,7 +463,7 @@
               <a:buChar char="○"/>
               <a:defRPr sz="1100"/>
             </a:lvl8pPr>
-            <a:lvl9pPr indent="-298450" lvl="8" marL="4114800">
+            <a:lvl9pPr marL="4114800" lvl="8" indent="-298450">
               <a:spcBef>
                 <a:spcPts val="0"/>
               </a:spcBef>
@@ -462,14 +475,16 @@
               <a:defRPr sz="1100"/>
             </a:lvl9pPr>
           </a:lstStyle>
-          <a:p/>
+          <a:p>
+            <a:endParaRPr/>
+          </a:p>
         </p:txBody>
       </p:sp>
     </p:spTree>
   </p:cSld>
-  <p:clrMap accent1="accent1" accent2="accent2" accent3="accent3" accent4="accent4" accent5="accent5" accent6="accent6" bg1="lt1" bg2="dk2" tx1="dk1" tx2="lt2" folHlink="folHlink" hlink="hlink"/>
+  <p:clrMap bg1="lt1" tx1="dk1" bg2="dk2" tx2="lt2" accent1="accent1" accent2="accent2" accent3="accent3" accent4="accent4" accent5="accent5" accent6="accent6" hlink="hlink" folHlink="folHlink"/>
   <p:notesStyle>
-    <a:defPPr lvl="0" marR="0" rtl="0" algn="l">
+    <a:defPPr marR="0" lvl="0" algn="l" rtl="0">
       <a:lnSpc>
         <a:spcPct val="100000"/>
       </a:lnSpc>
@@ -480,7 +495,7 @@
         <a:spcPts val="0"/>
       </a:spcAft>
     </a:defPPr>
-    <a:lvl1pPr lvl="0" marR="0" rtl="0" algn="l">
+    <a:lvl1pPr marR="0" lvl="0" algn="l" rtl="0">
       <a:lnSpc>
         <a:spcPct val="100000"/>
       </a:lnSpc>
@@ -494,7 +509,7 @@
         <a:srgbClr val="000000"/>
       </a:buClr>
       <a:buFont typeface="Arial"/>
-      <a:defRPr b="0" i="0" sz="1400" u="none" cap="none" strike="noStrike">
+      <a:defRPr sz="1400" b="0" i="0" u="none" strike="noStrike" cap="none">
         <a:solidFill>
           <a:srgbClr val="000000"/>
         </a:solidFill>
@@ -504,7 +519,7 @@
         <a:sym typeface="Arial"/>
       </a:defRPr>
     </a:lvl1pPr>
-    <a:lvl2pPr lvl="1" marR="0" rtl="0" algn="l">
+    <a:lvl2pPr marR="0" lvl="1" algn="l" rtl="0">
       <a:lnSpc>
         <a:spcPct val="100000"/>
       </a:lnSpc>
@@ -518,7 +533,7 @@
         <a:srgbClr val="000000"/>
       </a:buClr>
       <a:buFont typeface="Arial"/>
-      <a:defRPr b="0" i="0" sz="1400" u="none" cap="none" strike="noStrike">
+      <a:defRPr sz="1400" b="0" i="0" u="none" strike="noStrike" cap="none">
         <a:solidFill>
           <a:srgbClr val="000000"/>
         </a:solidFill>
@@ -528,7 +543,7 @@
         <a:sym typeface="Arial"/>
       </a:defRPr>
     </a:lvl2pPr>
-    <a:lvl3pPr lvl="2" marR="0" rtl="0" algn="l">
+    <a:lvl3pPr marR="0" lvl="2" algn="l" rtl="0">
       <a:lnSpc>
         <a:spcPct val="100000"/>
       </a:lnSpc>
@@ -542,7 +557,7 @@
         <a:srgbClr val="000000"/>
       </a:buClr>
       <a:buFont typeface="Arial"/>
-      <a:defRPr b="0" i="0" sz="1400" u="none" cap="none" strike="noStrike">
+      <a:defRPr sz="1400" b="0" i="0" u="none" strike="noStrike" cap="none">
         <a:solidFill>
           <a:srgbClr val="000000"/>
         </a:solidFill>
@@ -552,7 +567,7 @@
         <a:sym typeface="Arial"/>
       </a:defRPr>
     </a:lvl3pPr>
-    <a:lvl4pPr lvl="3" marR="0" rtl="0" algn="l">
+    <a:lvl4pPr marR="0" lvl="3" algn="l" rtl="0">
       <a:lnSpc>
         <a:spcPct val="100000"/>
       </a:lnSpc>
@@ -566,7 +581,7 @@
         <a:srgbClr val="000000"/>
       </a:buClr>
       <a:buFont typeface="Arial"/>
-      <a:defRPr b="0" i="0" sz="1400" u="none" cap="none" strike="noStrike">
+      <a:defRPr sz="1400" b="0" i="0" u="none" strike="noStrike" cap="none">
         <a:solidFill>
           <a:srgbClr val="000000"/>
         </a:solidFill>
@@ -576,7 +591,7 @@
         <a:sym typeface="Arial"/>
       </a:defRPr>
     </a:lvl4pPr>
-    <a:lvl5pPr lvl="4" marR="0" rtl="0" algn="l">
+    <a:lvl5pPr marR="0" lvl="4" algn="l" rtl="0">
       <a:lnSpc>
         <a:spcPct val="100000"/>
       </a:lnSpc>
@@ -590,7 +605,7 @@
         <a:srgbClr val="000000"/>
       </a:buClr>
       <a:buFont typeface="Arial"/>
-      <a:defRPr b="0" i="0" sz="1400" u="none" cap="none" strike="noStrike">
+      <a:defRPr sz="1400" b="0" i="0" u="none" strike="noStrike" cap="none">
         <a:solidFill>
           <a:srgbClr val="000000"/>
         </a:solidFill>
@@ -600,7 +615,7 @@
         <a:sym typeface="Arial"/>
       </a:defRPr>
     </a:lvl5pPr>
-    <a:lvl6pPr lvl="5" marR="0" rtl="0" algn="l">
+    <a:lvl6pPr marR="0" lvl="5" algn="l" rtl="0">
       <a:lnSpc>
         <a:spcPct val="100000"/>
       </a:lnSpc>
@@ -614,7 +629,7 @@
         <a:srgbClr val="000000"/>
       </a:buClr>
       <a:buFont typeface="Arial"/>
-      <a:defRPr b="0" i="0" sz="1400" u="none" cap="none" strike="noStrike">
+      <a:defRPr sz="1400" b="0" i="0" u="none" strike="noStrike" cap="none">
         <a:solidFill>
           <a:srgbClr val="000000"/>
         </a:solidFill>
@@ -624,7 +639,7 @@
         <a:sym typeface="Arial"/>
       </a:defRPr>
     </a:lvl6pPr>
-    <a:lvl7pPr lvl="6" marR="0" rtl="0" algn="l">
+    <a:lvl7pPr marR="0" lvl="6" algn="l" rtl="0">
       <a:lnSpc>
         <a:spcPct val="100000"/>
       </a:lnSpc>
@@ -638,7 +653,7 @@
         <a:srgbClr val="000000"/>
       </a:buClr>
       <a:buFont typeface="Arial"/>
-      <a:defRPr b="0" i="0" sz="1400" u="none" cap="none" strike="noStrike">
+      <a:defRPr sz="1400" b="0" i="0" u="none" strike="noStrike" cap="none">
         <a:solidFill>
           <a:srgbClr val="000000"/>
         </a:solidFill>
@@ -648,7 +663,7 @@
         <a:sym typeface="Arial"/>
       </a:defRPr>
     </a:lvl7pPr>
-    <a:lvl8pPr lvl="7" marR="0" rtl="0" algn="l">
+    <a:lvl8pPr marR="0" lvl="7" algn="l" rtl="0">
       <a:lnSpc>
         <a:spcPct val="100000"/>
       </a:lnSpc>
@@ -662,7 +677,7 @@
         <a:srgbClr val="000000"/>
       </a:buClr>
       <a:buFont typeface="Arial"/>
-      <a:defRPr b="0" i="0" sz="1400" u="none" cap="none" strike="noStrike">
+      <a:defRPr sz="1400" b="0" i="0" u="none" strike="noStrike" cap="none">
         <a:solidFill>
           <a:srgbClr val="000000"/>
         </a:solidFill>
@@ -672,7 +687,7 @@
         <a:sym typeface="Arial"/>
       </a:defRPr>
     </a:lvl8pPr>
-    <a:lvl9pPr lvl="8" marR="0" rtl="0" algn="l">
+    <a:lvl9pPr marR="0" lvl="8" algn="l" rtl="0">
       <a:lnSpc>
         <a:spcPct val="100000"/>
       </a:lnSpc>
@@ -686,7 +701,7 @@
         <a:srgbClr val="000000"/>
       </a:buClr>
       <a:buFont typeface="Arial"/>
-      <a:defRPr b="0" i="0" sz="1400" u="none" cap="none" strike="noStrike">
+      <a:defRPr sz="1400" b="0" i="0" u="none" strike="noStrike" cap="none">
         <a:solidFill>
           <a:srgbClr val="000000"/>
         </a:solidFill>
@@ -701,11 +716,11 @@
 </file>
 
 <file path=ppt/notesSlides/notesSlide1.xml><?xml version="1.0" encoding="utf-8"?>
-<p:notes xmlns:a="http://schemas.openxmlformats.org/drawingml/2006/main" xmlns:r="http://schemas.openxmlformats.org/officeDocument/2006/relationships" xmlns:mc="http://schemas.openxmlformats.org/markup-compatibility/2006" xmlns:mv="urn:schemas-microsoft-com:mac:vml" xmlns:p="http://schemas.openxmlformats.org/presentationml/2006/main" xmlns:c="http://schemas.openxmlformats.org/drawingml/2006/chart" xmlns:dgm="http://schemas.openxmlformats.org/drawingml/2006/diagram" xmlns:o="urn:schemas-microsoft-com:office:office" xmlns:v="urn:schemas-microsoft-com:vml" xmlns:pvml="urn:schemas-microsoft-com:office:powerpoint" xmlns:com="http://schemas.openxmlformats.org/drawingml/2006/compatibility" xmlns:p14="http://schemas.microsoft.com/office/powerpoint/2010/main" xmlns:p15="http://schemas.microsoft.com/office/powerpoint/2012/main" xmlns:ahyp="http://schemas.microsoft.com/office/drawing/2018/hyperlinkcolor" showMasterPhAnim="0" showMasterSp="0">
+<p:notes xmlns:a="http://schemas.openxmlformats.org/drawingml/2006/main" xmlns:r="http://schemas.openxmlformats.org/officeDocument/2006/relationships" xmlns:p="http://schemas.openxmlformats.org/presentationml/2006/main" showMasterSp="0" showMasterPhAnim="0">
   <p:cSld>
     <p:spTree>
       <p:nvGrpSpPr>
-        <p:cNvPr id="50" name="Shape 50"/>
+        <p:cNvPr id="1" name="Shape 50"/>
         <p:cNvGrpSpPr/>
         <p:nvPr/>
       </p:nvGrpSpPr>
@@ -720,9 +735,11 @@
       <p:sp>
         <p:nvSpPr>
           <p:cNvPr id="51" name="Google Shape;51;p:notes"/>
-          <p:cNvSpPr/>
+          <p:cNvSpPr>
+            <a:spLocks noGrp="1" noRot="1" noChangeAspect="1"/>
+          </p:cNvSpPr>
           <p:nvPr>
-            <p:ph idx="2" type="sldImg"/>
+            <p:ph type="sldImg" idx="2"/>
           </p:nvPr>
         </p:nvSpPr>
         <p:spPr>
@@ -731,9 +748,13 @@
             <a:ext cx="6096075" cy="3429000"/>
           </a:xfrm>
           <a:custGeom>
-            <a:rect b="b" l="l" r="r" t="t"/>
+            <a:avLst/>
+            <a:gdLst/>
+            <a:ahLst/>
+            <a:cxnLst/>
+            <a:rect l="l" t="t" r="r" b="b"/>
             <a:pathLst>
-              <a:path extrusionOk="0" h="120000" w="120000">
+              <a:path w="120000" h="120000" extrusionOk="0">
                 <a:moveTo>
                   <a:pt x="0" y="0"/>
                 </a:moveTo>
@@ -755,9 +776,11 @@
       <p:sp>
         <p:nvSpPr>
           <p:cNvPr id="52" name="Google Shape;52;p:notes"/>
-          <p:cNvSpPr txBox="1"/>
+          <p:cNvSpPr txBox="1">
+            <a:spLocks noGrp="1"/>
+          </p:cNvSpPr>
           <p:nvPr>
-            <p:ph idx="1" type="body"/>
+            <p:ph type="body" idx="1"/>
           </p:nvPr>
         </p:nvSpPr>
         <p:spPr>
@@ -770,12 +793,12 @@
           </a:prstGeom>
         </p:spPr>
         <p:txBody>
-          <a:bodyPr anchorCtr="0" anchor="t" bIns="91425" lIns="91425" spcFirstLastPara="1" rIns="91425" wrap="square" tIns="91425">
+          <a:bodyPr spcFirstLastPara="1" wrap="square" lIns="91425" tIns="91425" rIns="91425" bIns="91425" anchor="t" anchorCtr="0">
             <a:noAutofit/>
           </a:bodyPr>
           <a:lstStyle/>
           <a:p>
-            <a:pPr indent="0" lvl="0" marL="0" rtl="0" algn="l">
+            <a:pPr marL="0" lvl="0" indent="0" algn="l" rtl="0">
               <a:spcBef>
                 <a:spcPts val="0"/>
               </a:spcBef>
@@ -784,9 +807,6 @@
               </a:spcAft>
               <a:buNone/>
             </a:pPr>
-            <a:r>
-              <a:t/>
-            </a:r>
             <a:endParaRPr/>
           </a:p>
         </p:txBody>
@@ -800,11 +820,11 @@
 </file>
 
 <file path=ppt/notesSlides/notesSlide10.xml><?xml version="1.0" encoding="utf-8"?>
-<p:notes xmlns:a="http://schemas.openxmlformats.org/drawingml/2006/main" xmlns:r="http://schemas.openxmlformats.org/officeDocument/2006/relationships" xmlns:mc="http://schemas.openxmlformats.org/markup-compatibility/2006" xmlns:mv="urn:schemas-microsoft-com:mac:vml" xmlns:p="http://schemas.openxmlformats.org/presentationml/2006/main" xmlns:c="http://schemas.openxmlformats.org/drawingml/2006/chart" xmlns:dgm="http://schemas.openxmlformats.org/drawingml/2006/diagram" xmlns:o="urn:schemas-microsoft-com:office:office" xmlns:v="urn:schemas-microsoft-com:vml" xmlns:pvml="urn:schemas-microsoft-com:office:powerpoint" xmlns:com="http://schemas.openxmlformats.org/drawingml/2006/compatibility" xmlns:p14="http://schemas.microsoft.com/office/powerpoint/2010/main" xmlns:p15="http://schemas.microsoft.com/office/powerpoint/2012/main" xmlns:ahyp="http://schemas.microsoft.com/office/drawing/2018/hyperlinkcolor" showMasterPhAnim="0" showMasterSp="0">
+<p:notes xmlns:a="http://schemas.openxmlformats.org/drawingml/2006/main" xmlns:r="http://schemas.openxmlformats.org/officeDocument/2006/relationships" xmlns:p="http://schemas.openxmlformats.org/presentationml/2006/main" showMasterSp="0" showMasterPhAnim="0">
   <p:cSld>
     <p:spTree>
       <p:nvGrpSpPr>
-        <p:cNvPr id="110" name="Shape 110"/>
+        <p:cNvPr id="1" name="Shape 110"/>
         <p:cNvGrpSpPr/>
         <p:nvPr/>
       </p:nvGrpSpPr>
@@ -819,9 +839,11 @@
       <p:sp>
         <p:nvSpPr>
           <p:cNvPr id="111" name="Google Shape;111;gedbc28c988_0_76:notes"/>
-          <p:cNvSpPr/>
+          <p:cNvSpPr>
+            <a:spLocks noGrp="1" noRot="1" noChangeAspect="1"/>
+          </p:cNvSpPr>
           <p:nvPr>
-            <p:ph idx="2" type="sldImg"/>
+            <p:ph type="sldImg" idx="2"/>
           </p:nvPr>
         </p:nvSpPr>
         <p:spPr>
@@ -830,9 +852,13 @@
             <a:ext cx="6096000" cy="3429000"/>
           </a:xfrm>
           <a:custGeom>
-            <a:rect b="b" l="l" r="r" t="t"/>
+            <a:avLst/>
+            <a:gdLst/>
+            <a:ahLst/>
+            <a:cxnLst/>
+            <a:rect l="l" t="t" r="r" b="b"/>
             <a:pathLst>
-              <a:path extrusionOk="0" h="120000" w="120000">
+              <a:path w="120000" h="120000" extrusionOk="0">
                 <a:moveTo>
                   <a:pt x="0" y="0"/>
                 </a:moveTo>
@@ -854,9 +880,11 @@
       <p:sp>
         <p:nvSpPr>
           <p:cNvPr id="112" name="Google Shape;112;gedbc28c988_0_76:notes"/>
-          <p:cNvSpPr txBox="1"/>
+          <p:cNvSpPr txBox="1">
+            <a:spLocks noGrp="1"/>
+          </p:cNvSpPr>
           <p:nvPr>
-            <p:ph idx="1" type="body"/>
+            <p:ph type="body" idx="1"/>
           </p:nvPr>
         </p:nvSpPr>
         <p:spPr>
@@ -869,12 +897,12 @@
           </a:prstGeom>
         </p:spPr>
         <p:txBody>
-          <a:bodyPr anchorCtr="0" anchor="t" bIns="91425" lIns="91425" spcFirstLastPara="1" rIns="91425" wrap="square" tIns="91425">
+          <a:bodyPr spcFirstLastPara="1" wrap="square" lIns="91425" tIns="91425" rIns="91425" bIns="91425" anchor="t" anchorCtr="0">
             <a:noAutofit/>
           </a:bodyPr>
           <a:lstStyle/>
           <a:p>
-            <a:pPr indent="0" lvl="0" marL="0" rtl="0" algn="l">
+            <a:pPr marL="0" lvl="0" indent="0" algn="l" rtl="0">
               <a:lnSpc>
                 <a:spcPct val="115000"/>
               </a:lnSpc>
@@ -906,7 +934,7 @@
             </a:endParaRPr>
           </a:p>
           <a:p>
-            <a:pPr indent="0" lvl="0" marL="0" rtl="0" algn="l">
+            <a:pPr marL="0" lvl="0" indent="0" algn="l" rtl="0">
               <a:spcBef>
                 <a:spcPts val="1200"/>
               </a:spcBef>
@@ -915,9 +943,6 @@
               </a:spcAft>
               <a:buNone/>
             </a:pPr>
-            <a:r>
-              <a:t/>
-            </a:r>
             <a:endParaRPr/>
           </a:p>
         </p:txBody>
@@ -931,11 +956,11 @@
 </file>
 
 <file path=ppt/notesSlides/notesSlide11.xml><?xml version="1.0" encoding="utf-8"?>
-<p:notes xmlns:a="http://schemas.openxmlformats.org/drawingml/2006/main" xmlns:r="http://schemas.openxmlformats.org/officeDocument/2006/relationships" xmlns:mc="http://schemas.openxmlformats.org/markup-compatibility/2006" xmlns:mv="urn:schemas-microsoft-com:mac:vml" xmlns:p="http://schemas.openxmlformats.org/presentationml/2006/main" xmlns:c="http://schemas.openxmlformats.org/drawingml/2006/chart" xmlns:dgm="http://schemas.openxmlformats.org/drawingml/2006/diagram" xmlns:o="urn:schemas-microsoft-com:office:office" xmlns:v="urn:schemas-microsoft-com:vml" xmlns:pvml="urn:schemas-microsoft-com:office:powerpoint" xmlns:com="http://schemas.openxmlformats.org/drawingml/2006/compatibility" xmlns:p14="http://schemas.microsoft.com/office/powerpoint/2010/main" xmlns:p15="http://schemas.microsoft.com/office/powerpoint/2012/main" xmlns:ahyp="http://schemas.microsoft.com/office/drawing/2018/hyperlinkcolor" showMasterPhAnim="0" showMasterSp="0">
+<p:notes xmlns:a="http://schemas.openxmlformats.org/drawingml/2006/main" xmlns:r="http://schemas.openxmlformats.org/officeDocument/2006/relationships" xmlns:p="http://schemas.openxmlformats.org/presentationml/2006/main" showMasterSp="0" showMasterPhAnim="0">
   <p:cSld>
     <p:spTree>
       <p:nvGrpSpPr>
-        <p:cNvPr id="117" name="Shape 117"/>
+        <p:cNvPr id="1" name="Shape 117"/>
         <p:cNvGrpSpPr/>
         <p:nvPr/>
       </p:nvGrpSpPr>
@@ -950,9 +975,11 @@
       <p:sp>
         <p:nvSpPr>
           <p:cNvPr id="118" name="Google Shape;118;gebadd49e99_0_37:notes"/>
-          <p:cNvSpPr/>
+          <p:cNvSpPr>
+            <a:spLocks noGrp="1" noRot="1" noChangeAspect="1"/>
+          </p:cNvSpPr>
           <p:nvPr>
-            <p:ph idx="2" type="sldImg"/>
+            <p:ph type="sldImg" idx="2"/>
           </p:nvPr>
         </p:nvSpPr>
         <p:spPr>
@@ -961,9 +988,13 @@
             <a:ext cx="6096000" cy="3429000"/>
           </a:xfrm>
           <a:custGeom>
-            <a:rect b="b" l="l" r="r" t="t"/>
+            <a:avLst/>
+            <a:gdLst/>
+            <a:ahLst/>
+            <a:cxnLst/>
+            <a:rect l="l" t="t" r="r" b="b"/>
             <a:pathLst>
-              <a:path extrusionOk="0" h="120000" w="120000">
+              <a:path w="120000" h="120000" extrusionOk="0">
                 <a:moveTo>
                   <a:pt x="0" y="0"/>
                 </a:moveTo>
@@ -985,9 +1016,11 @@
       <p:sp>
         <p:nvSpPr>
           <p:cNvPr id="119" name="Google Shape;119;gebadd49e99_0_37:notes"/>
-          <p:cNvSpPr txBox="1"/>
+          <p:cNvSpPr txBox="1">
+            <a:spLocks noGrp="1"/>
+          </p:cNvSpPr>
           <p:nvPr>
-            <p:ph idx="1" type="body"/>
+            <p:ph type="body" idx="1"/>
           </p:nvPr>
         </p:nvSpPr>
         <p:spPr>
@@ -1000,12 +1033,12 @@
           </a:prstGeom>
         </p:spPr>
         <p:txBody>
-          <a:bodyPr anchorCtr="0" anchor="t" bIns="91425" lIns="91425" spcFirstLastPara="1" rIns="91425" wrap="square" tIns="91425">
+          <a:bodyPr spcFirstLastPara="1" wrap="square" lIns="91425" tIns="91425" rIns="91425" bIns="91425" anchor="t" anchorCtr="0">
             <a:noAutofit/>
           </a:bodyPr>
           <a:lstStyle/>
           <a:p>
-            <a:pPr indent="0" lvl="0" marL="0" rtl="0" algn="l">
+            <a:pPr marL="0" lvl="0" indent="0" algn="l" rtl="0">
               <a:spcBef>
                 <a:spcPts val="0"/>
               </a:spcBef>
@@ -1014,9 +1047,6 @@
               </a:spcAft>
               <a:buNone/>
             </a:pPr>
-            <a:r>
-              <a:t/>
-            </a:r>
             <a:endParaRPr/>
           </a:p>
         </p:txBody>
@@ -1030,11 +1060,11 @@
 </file>
 
 <file path=ppt/notesSlides/notesSlide12.xml><?xml version="1.0" encoding="utf-8"?>
-<p:notes xmlns:a="http://schemas.openxmlformats.org/drawingml/2006/main" xmlns:r="http://schemas.openxmlformats.org/officeDocument/2006/relationships" xmlns:mc="http://schemas.openxmlformats.org/markup-compatibility/2006" xmlns:mv="urn:schemas-microsoft-com:mac:vml" xmlns:p="http://schemas.openxmlformats.org/presentationml/2006/main" xmlns:c="http://schemas.openxmlformats.org/drawingml/2006/chart" xmlns:dgm="http://schemas.openxmlformats.org/drawingml/2006/diagram" xmlns:o="urn:schemas-microsoft-com:office:office" xmlns:v="urn:schemas-microsoft-com:vml" xmlns:pvml="urn:schemas-microsoft-com:office:powerpoint" xmlns:com="http://schemas.openxmlformats.org/drawingml/2006/compatibility" xmlns:p14="http://schemas.microsoft.com/office/powerpoint/2010/main" xmlns:p15="http://schemas.microsoft.com/office/powerpoint/2012/main" xmlns:ahyp="http://schemas.microsoft.com/office/drawing/2018/hyperlinkcolor" showMasterPhAnim="0" showMasterSp="0">
+<p:notes xmlns:a="http://schemas.openxmlformats.org/drawingml/2006/main" xmlns:r="http://schemas.openxmlformats.org/officeDocument/2006/relationships" xmlns:p="http://schemas.openxmlformats.org/presentationml/2006/main" showMasterSp="0" showMasterPhAnim="0">
   <p:cSld>
     <p:spTree>
       <p:nvGrpSpPr>
-        <p:cNvPr id="124" name="Shape 124"/>
+        <p:cNvPr id="1" name="Shape 124"/>
         <p:cNvGrpSpPr/>
         <p:nvPr/>
       </p:nvGrpSpPr>
@@ -1049,9 +1079,11 @@
       <p:sp>
         <p:nvSpPr>
           <p:cNvPr id="125" name="Google Shape;125;gebadd49e99_0_32:notes"/>
-          <p:cNvSpPr/>
+          <p:cNvSpPr>
+            <a:spLocks noGrp="1" noRot="1" noChangeAspect="1"/>
+          </p:cNvSpPr>
           <p:nvPr>
-            <p:ph idx="2" type="sldImg"/>
+            <p:ph type="sldImg" idx="2"/>
           </p:nvPr>
         </p:nvSpPr>
         <p:spPr>
@@ -1060,9 +1092,13 @@
             <a:ext cx="6096000" cy="3429000"/>
           </a:xfrm>
           <a:custGeom>
-            <a:rect b="b" l="l" r="r" t="t"/>
+            <a:avLst/>
+            <a:gdLst/>
+            <a:ahLst/>
+            <a:cxnLst/>
+            <a:rect l="l" t="t" r="r" b="b"/>
             <a:pathLst>
-              <a:path extrusionOk="0" h="120000" w="120000">
+              <a:path w="120000" h="120000" extrusionOk="0">
                 <a:moveTo>
                   <a:pt x="0" y="0"/>
                 </a:moveTo>
@@ -1084,9 +1120,11 @@
       <p:sp>
         <p:nvSpPr>
           <p:cNvPr id="126" name="Google Shape;126;gebadd49e99_0_32:notes"/>
-          <p:cNvSpPr txBox="1"/>
+          <p:cNvSpPr txBox="1">
+            <a:spLocks noGrp="1"/>
+          </p:cNvSpPr>
           <p:nvPr>
-            <p:ph idx="1" type="body"/>
+            <p:ph type="body" idx="1"/>
           </p:nvPr>
         </p:nvSpPr>
         <p:spPr>
@@ -1099,12 +1137,12 @@
           </a:prstGeom>
         </p:spPr>
         <p:txBody>
-          <a:bodyPr anchorCtr="0" anchor="t" bIns="91425" lIns="91425" spcFirstLastPara="1" rIns="91425" wrap="square" tIns="91425">
+          <a:bodyPr spcFirstLastPara="1" wrap="square" lIns="91425" tIns="91425" rIns="91425" bIns="91425" anchor="t" anchorCtr="0">
             <a:noAutofit/>
           </a:bodyPr>
           <a:lstStyle/>
           <a:p>
-            <a:pPr indent="0" lvl="0" marL="0" rtl="0" algn="l">
+            <a:pPr marL="0" lvl="0" indent="0" algn="l" rtl="0">
               <a:spcBef>
                 <a:spcPts val="0"/>
               </a:spcBef>
@@ -1113,9 +1151,6 @@
               </a:spcAft>
               <a:buNone/>
             </a:pPr>
-            <a:r>
-              <a:t/>
-            </a:r>
             <a:endParaRPr/>
           </a:p>
         </p:txBody>
@@ -1129,11 +1164,11 @@
 </file>
 
 <file path=ppt/notesSlides/notesSlide13.xml><?xml version="1.0" encoding="utf-8"?>
-<p:notes xmlns:a="http://schemas.openxmlformats.org/drawingml/2006/main" xmlns:r="http://schemas.openxmlformats.org/officeDocument/2006/relationships" xmlns:mc="http://schemas.openxmlformats.org/markup-compatibility/2006" xmlns:mv="urn:schemas-microsoft-com:mac:vml" xmlns:p="http://schemas.openxmlformats.org/presentationml/2006/main" xmlns:c="http://schemas.openxmlformats.org/drawingml/2006/chart" xmlns:dgm="http://schemas.openxmlformats.org/drawingml/2006/diagram" xmlns:o="urn:schemas-microsoft-com:office:office" xmlns:v="urn:schemas-microsoft-com:vml" xmlns:pvml="urn:schemas-microsoft-com:office:powerpoint" xmlns:com="http://schemas.openxmlformats.org/drawingml/2006/compatibility" xmlns:p14="http://schemas.microsoft.com/office/powerpoint/2010/main" xmlns:p15="http://schemas.microsoft.com/office/powerpoint/2012/main" xmlns:ahyp="http://schemas.microsoft.com/office/drawing/2018/hyperlinkcolor" showMasterPhAnim="0" showMasterSp="0">
+<p:notes xmlns:a="http://schemas.openxmlformats.org/drawingml/2006/main" xmlns:r="http://schemas.openxmlformats.org/officeDocument/2006/relationships" xmlns:p="http://schemas.openxmlformats.org/presentationml/2006/main" showMasterSp="0" showMasterPhAnim="0">
   <p:cSld>
     <p:spTree>
       <p:nvGrpSpPr>
-        <p:cNvPr id="131" name="Shape 131"/>
+        <p:cNvPr id="1" name="Shape 131"/>
         <p:cNvGrpSpPr/>
         <p:nvPr/>
       </p:nvGrpSpPr>
@@ -1148,9 +1183,11 @@
       <p:sp>
         <p:nvSpPr>
           <p:cNvPr id="132" name="Google Shape;132;gedbc28c988_0_0:notes"/>
-          <p:cNvSpPr/>
+          <p:cNvSpPr>
+            <a:spLocks noGrp="1" noRot="1" noChangeAspect="1"/>
+          </p:cNvSpPr>
           <p:nvPr>
-            <p:ph idx="2" type="sldImg"/>
+            <p:ph type="sldImg" idx="2"/>
           </p:nvPr>
         </p:nvSpPr>
         <p:spPr>
@@ -1159,9 +1196,13 @@
             <a:ext cx="6096000" cy="3429000"/>
           </a:xfrm>
           <a:custGeom>
-            <a:rect b="b" l="l" r="r" t="t"/>
+            <a:avLst/>
+            <a:gdLst/>
+            <a:ahLst/>
+            <a:cxnLst/>
+            <a:rect l="l" t="t" r="r" b="b"/>
             <a:pathLst>
-              <a:path extrusionOk="0" h="120000" w="120000">
+              <a:path w="120000" h="120000" extrusionOk="0">
                 <a:moveTo>
                   <a:pt x="0" y="0"/>
                 </a:moveTo>
@@ -1183,9 +1224,11 @@
       <p:sp>
         <p:nvSpPr>
           <p:cNvPr id="133" name="Google Shape;133;gedbc28c988_0_0:notes"/>
-          <p:cNvSpPr txBox="1"/>
+          <p:cNvSpPr txBox="1">
+            <a:spLocks noGrp="1"/>
+          </p:cNvSpPr>
           <p:nvPr>
-            <p:ph idx="1" type="body"/>
+            <p:ph type="body" idx="1"/>
           </p:nvPr>
         </p:nvSpPr>
         <p:spPr>
@@ -1198,12 +1241,12 @@
           </a:prstGeom>
         </p:spPr>
         <p:txBody>
-          <a:bodyPr anchorCtr="0" anchor="t" bIns="91425" lIns="91425" spcFirstLastPara="1" rIns="91425" wrap="square" tIns="91425">
+          <a:bodyPr spcFirstLastPara="1" wrap="square" lIns="91425" tIns="91425" rIns="91425" bIns="91425" anchor="t" anchorCtr="0">
             <a:noAutofit/>
           </a:bodyPr>
           <a:lstStyle/>
           <a:p>
-            <a:pPr indent="0" lvl="0" marL="0" rtl="0" algn="l">
+            <a:pPr marL="0" lvl="0" indent="0" algn="l" rtl="0">
               <a:spcBef>
                 <a:spcPts val="0"/>
               </a:spcBef>
@@ -1212,9 +1255,6 @@
               </a:spcAft>
               <a:buNone/>
             </a:pPr>
-            <a:r>
-              <a:t/>
-            </a:r>
             <a:endParaRPr/>
           </a:p>
         </p:txBody>
@@ -1228,11 +1268,11 @@
 </file>
 
 <file path=ppt/notesSlides/notesSlide14.xml><?xml version="1.0" encoding="utf-8"?>
-<p:notes xmlns:a="http://schemas.openxmlformats.org/drawingml/2006/main" xmlns:r="http://schemas.openxmlformats.org/officeDocument/2006/relationships" xmlns:mc="http://schemas.openxmlformats.org/markup-compatibility/2006" xmlns:mv="urn:schemas-microsoft-com:mac:vml" xmlns:p="http://schemas.openxmlformats.org/presentationml/2006/main" xmlns:c="http://schemas.openxmlformats.org/drawingml/2006/chart" xmlns:dgm="http://schemas.openxmlformats.org/drawingml/2006/diagram" xmlns:o="urn:schemas-microsoft-com:office:office" xmlns:v="urn:schemas-microsoft-com:vml" xmlns:pvml="urn:schemas-microsoft-com:office:powerpoint" xmlns:com="http://schemas.openxmlformats.org/drawingml/2006/compatibility" xmlns:p14="http://schemas.microsoft.com/office/powerpoint/2010/main" xmlns:p15="http://schemas.microsoft.com/office/powerpoint/2012/main" xmlns:ahyp="http://schemas.microsoft.com/office/drawing/2018/hyperlinkcolor" showMasterPhAnim="0" showMasterSp="0">
+<p:notes xmlns:a="http://schemas.openxmlformats.org/drawingml/2006/main" xmlns:r="http://schemas.openxmlformats.org/officeDocument/2006/relationships" xmlns:p="http://schemas.openxmlformats.org/presentationml/2006/main" showMasterSp="0" showMasterPhAnim="0">
   <p:cSld>
     <p:spTree>
       <p:nvGrpSpPr>
-        <p:cNvPr id="138" name="Shape 138"/>
+        <p:cNvPr id="1" name="Shape 138"/>
         <p:cNvGrpSpPr/>
         <p:nvPr/>
       </p:nvGrpSpPr>
@@ -1247,9 +1287,11 @@
       <p:sp>
         <p:nvSpPr>
           <p:cNvPr id="139" name="Google Shape;139;gebadd49e99_0_25:notes"/>
-          <p:cNvSpPr/>
+          <p:cNvSpPr>
+            <a:spLocks noGrp="1" noRot="1" noChangeAspect="1"/>
+          </p:cNvSpPr>
           <p:nvPr>
-            <p:ph idx="2" type="sldImg"/>
+            <p:ph type="sldImg" idx="2"/>
           </p:nvPr>
         </p:nvSpPr>
         <p:spPr>
@@ -1258,9 +1300,13 @@
             <a:ext cx="6096000" cy="3429000"/>
           </a:xfrm>
           <a:custGeom>
-            <a:rect b="b" l="l" r="r" t="t"/>
+            <a:avLst/>
+            <a:gdLst/>
+            <a:ahLst/>
+            <a:cxnLst/>
+            <a:rect l="l" t="t" r="r" b="b"/>
             <a:pathLst>
-              <a:path extrusionOk="0" h="120000" w="120000">
+              <a:path w="120000" h="120000" extrusionOk="0">
                 <a:moveTo>
                   <a:pt x="0" y="0"/>
                 </a:moveTo>
@@ -1282,9 +1328,11 @@
       <p:sp>
         <p:nvSpPr>
           <p:cNvPr id="140" name="Google Shape;140;gebadd49e99_0_25:notes"/>
-          <p:cNvSpPr txBox="1"/>
+          <p:cNvSpPr txBox="1">
+            <a:spLocks noGrp="1"/>
+          </p:cNvSpPr>
           <p:nvPr>
-            <p:ph idx="1" type="body"/>
+            <p:ph type="body" idx="1"/>
           </p:nvPr>
         </p:nvSpPr>
         <p:spPr>
@@ -1297,12 +1345,12 @@
           </a:prstGeom>
         </p:spPr>
         <p:txBody>
-          <a:bodyPr anchorCtr="0" anchor="t" bIns="91425" lIns="91425" spcFirstLastPara="1" rIns="91425" wrap="square" tIns="91425">
+          <a:bodyPr spcFirstLastPara="1" wrap="square" lIns="91425" tIns="91425" rIns="91425" bIns="91425" anchor="t" anchorCtr="0">
             <a:noAutofit/>
           </a:bodyPr>
           <a:lstStyle/>
           <a:p>
-            <a:pPr indent="0" lvl="0" marL="0" rtl="0" algn="l">
+            <a:pPr marL="0" lvl="0" indent="0" algn="l" rtl="0">
               <a:spcBef>
                 <a:spcPts val="0"/>
               </a:spcBef>
@@ -1311,9 +1359,6 @@
               </a:spcAft>
               <a:buNone/>
             </a:pPr>
-            <a:r>
-              <a:t/>
-            </a:r>
             <a:endParaRPr/>
           </a:p>
         </p:txBody>
@@ -1327,11 +1372,11 @@
 </file>
 
 <file path=ppt/notesSlides/notesSlide15.xml><?xml version="1.0" encoding="utf-8"?>
-<p:notes xmlns:a="http://schemas.openxmlformats.org/drawingml/2006/main" xmlns:r="http://schemas.openxmlformats.org/officeDocument/2006/relationships" xmlns:mc="http://schemas.openxmlformats.org/markup-compatibility/2006" xmlns:mv="urn:schemas-microsoft-com:mac:vml" xmlns:p="http://schemas.openxmlformats.org/presentationml/2006/main" xmlns:c="http://schemas.openxmlformats.org/drawingml/2006/chart" xmlns:dgm="http://schemas.openxmlformats.org/drawingml/2006/diagram" xmlns:o="urn:schemas-microsoft-com:office:office" xmlns:v="urn:schemas-microsoft-com:vml" xmlns:pvml="urn:schemas-microsoft-com:office:powerpoint" xmlns:com="http://schemas.openxmlformats.org/drawingml/2006/compatibility" xmlns:p14="http://schemas.microsoft.com/office/powerpoint/2010/main" xmlns:p15="http://schemas.microsoft.com/office/powerpoint/2012/main" xmlns:ahyp="http://schemas.microsoft.com/office/drawing/2018/hyperlinkcolor" showMasterPhAnim="0" showMasterSp="0">
+<p:notes xmlns:a="http://schemas.openxmlformats.org/drawingml/2006/main" xmlns:r="http://schemas.openxmlformats.org/officeDocument/2006/relationships" xmlns:p="http://schemas.openxmlformats.org/presentationml/2006/main" showMasterSp="0" showMasterPhAnim="0">
   <p:cSld>
     <p:spTree>
       <p:nvGrpSpPr>
-        <p:cNvPr id="145" name="Shape 145"/>
+        <p:cNvPr id="1" name="Shape 145"/>
         <p:cNvGrpSpPr/>
         <p:nvPr/>
       </p:nvGrpSpPr>
@@ -1346,9 +1391,11 @@
       <p:sp>
         <p:nvSpPr>
           <p:cNvPr id="146" name="Google Shape;146;gebadd49e99_0_42:notes"/>
-          <p:cNvSpPr/>
+          <p:cNvSpPr>
+            <a:spLocks noGrp="1" noRot="1" noChangeAspect="1"/>
+          </p:cNvSpPr>
           <p:nvPr>
-            <p:ph idx="2" type="sldImg"/>
+            <p:ph type="sldImg" idx="2"/>
           </p:nvPr>
         </p:nvSpPr>
         <p:spPr>
@@ -1357,9 +1404,13 @@
             <a:ext cx="6096000" cy="3429000"/>
           </a:xfrm>
           <a:custGeom>
-            <a:rect b="b" l="l" r="r" t="t"/>
+            <a:avLst/>
+            <a:gdLst/>
+            <a:ahLst/>
+            <a:cxnLst/>
+            <a:rect l="l" t="t" r="r" b="b"/>
             <a:pathLst>
-              <a:path extrusionOk="0" h="120000" w="120000">
+              <a:path w="120000" h="120000" extrusionOk="0">
                 <a:moveTo>
                   <a:pt x="0" y="0"/>
                 </a:moveTo>
@@ -1381,9 +1432,11 @@
       <p:sp>
         <p:nvSpPr>
           <p:cNvPr id="147" name="Google Shape;147;gebadd49e99_0_42:notes"/>
-          <p:cNvSpPr txBox="1"/>
+          <p:cNvSpPr txBox="1">
+            <a:spLocks noGrp="1"/>
+          </p:cNvSpPr>
           <p:nvPr>
-            <p:ph idx="1" type="body"/>
+            <p:ph type="body" idx="1"/>
           </p:nvPr>
         </p:nvSpPr>
         <p:spPr>
@@ -1396,12 +1449,12 @@
           </a:prstGeom>
         </p:spPr>
         <p:txBody>
-          <a:bodyPr anchorCtr="0" anchor="t" bIns="91425" lIns="91425" spcFirstLastPara="1" rIns="91425" wrap="square" tIns="91425">
+          <a:bodyPr spcFirstLastPara="1" wrap="square" lIns="91425" tIns="91425" rIns="91425" bIns="91425" anchor="t" anchorCtr="0">
             <a:noAutofit/>
           </a:bodyPr>
           <a:lstStyle/>
           <a:p>
-            <a:pPr indent="0" lvl="0" marL="0" rtl="0" algn="l">
+            <a:pPr marL="0" lvl="0" indent="0" algn="l" rtl="0">
               <a:spcBef>
                 <a:spcPts val="0"/>
               </a:spcBef>
@@ -1410,9 +1463,6 @@
               </a:spcAft>
               <a:buNone/>
             </a:pPr>
-            <a:r>
-              <a:t/>
-            </a:r>
             <a:endParaRPr/>
           </a:p>
         </p:txBody>
@@ -1426,11 +1476,11 @@
 </file>
 
 <file path=ppt/notesSlides/notesSlide2.xml><?xml version="1.0" encoding="utf-8"?>
-<p:notes xmlns:a="http://schemas.openxmlformats.org/drawingml/2006/main" xmlns:r="http://schemas.openxmlformats.org/officeDocument/2006/relationships" xmlns:mc="http://schemas.openxmlformats.org/markup-compatibility/2006" xmlns:mv="urn:schemas-microsoft-com:mac:vml" xmlns:p="http://schemas.openxmlformats.org/presentationml/2006/main" xmlns:c="http://schemas.openxmlformats.org/drawingml/2006/chart" xmlns:dgm="http://schemas.openxmlformats.org/drawingml/2006/diagram" xmlns:o="urn:schemas-microsoft-com:office:office" xmlns:v="urn:schemas-microsoft-com:vml" xmlns:pvml="urn:schemas-microsoft-com:office:powerpoint" xmlns:com="http://schemas.openxmlformats.org/drawingml/2006/compatibility" xmlns:p14="http://schemas.microsoft.com/office/powerpoint/2010/main" xmlns:p15="http://schemas.microsoft.com/office/powerpoint/2012/main" xmlns:ahyp="http://schemas.microsoft.com/office/drawing/2018/hyperlinkcolor" showMasterPhAnim="0" showMasterSp="0">
+<p:notes xmlns:a="http://schemas.openxmlformats.org/drawingml/2006/main" xmlns:r="http://schemas.openxmlformats.org/officeDocument/2006/relationships" xmlns:p="http://schemas.openxmlformats.org/presentationml/2006/main" showMasterSp="0" showMasterPhAnim="0">
   <p:cSld>
     <p:spTree>
       <p:nvGrpSpPr>
-        <p:cNvPr id="58" name="Shape 58"/>
+        <p:cNvPr id="1" name="Shape 58"/>
         <p:cNvGrpSpPr/>
         <p:nvPr/>
       </p:nvGrpSpPr>
@@ -1445,9 +1495,11 @@
       <p:sp>
         <p:nvSpPr>
           <p:cNvPr id="59" name="Google Shape;59;gebadd49e99_0_5:notes"/>
-          <p:cNvSpPr/>
+          <p:cNvSpPr>
+            <a:spLocks noGrp="1" noRot="1" noChangeAspect="1"/>
+          </p:cNvSpPr>
           <p:nvPr>
-            <p:ph idx="2" type="sldImg"/>
+            <p:ph type="sldImg" idx="2"/>
           </p:nvPr>
         </p:nvSpPr>
         <p:spPr>
@@ -1456,9 +1508,13 @@
             <a:ext cx="6096000" cy="3429000"/>
           </a:xfrm>
           <a:custGeom>
-            <a:rect b="b" l="l" r="r" t="t"/>
+            <a:avLst/>
+            <a:gdLst/>
+            <a:ahLst/>
+            <a:cxnLst/>
+            <a:rect l="l" t="t" r="r" b="b"/>
             <a:pathLst>
-              <a:path extrusionOk="0" h="120000" w="120000">
+              <a:path w="120000" h="120000" extrusionOk="0">
                 <a:moveTo>
                   <a:pt x="0" y="0"/>
                 </a:moveTo>
@@ -1480,9 +1536,11 @@
       <p:sp>
         <p:nvSpPr>
           <p:cNvPr id="60" name="Google Shape;60;gebadd49e99_0_5:notes"/>
-          <p:cNvSpPr txBox="1"/>
+          <p:cNvSpPr txBox="1">
+            <a:spLocks noGrp="1"/>
+          </p:cNvSpPr>
           <p:nvPr>
-            <p:ph idx="1" type="body"/>
+            <p:ph type="body" idx="1"/>
           </p:nvPr>
         </p:nvSpPr>
         <p:spPr>
@@ -1495,12 +1553,12 @@
           </a:prstGeom>
         </p:spPr>
         <p:txBody>
-          <a:bodyPr anchorCtr="0" anchor="t" bIns="91425" lIns="91425" spcFirstLastPara="1" rIns="91425" wrap="square" tIns="91425">
+          <a:bodyPr spcFirstLastPara="1" wrap="square" lIns="91425" tIns="91425" rIns="91425" bIns="91425" anchor="t" anchorCtr="0">
             <a:noAutofit/>
           </a:bodyPr>
           <a:lstStyle/>
           <a:p>
-            <a:pPr indent="0" lvl="0" marL="0" rtl="0" algn="l">
+            <a:pPr marL="0" lvl="0" indent="0" algn="l" rtl="0">
               <a:spcBef>
                 <a:spcPts val="0"/>
               </a:spcBef>
@@ -1509,9 +1567,6 @@
               </a:spcAft>
               <a:buNone/>
             </a:pPr>
-            <a:r>
-              <a:t/>
-            </a:r>
             <a:endParaRPr/>
           </a:p>
         </p:txBody>
@@ -1525,11 +1580,11 @@
 </file>
 
 <file path=ppt/notesSlides/notesSlide3.xml><?xml version="1.0" encoding="utf-8"?>
-<p:notes xmlns:a="http://schemas.openxmlformats.org/drawingml/2006/main" xmlns:r="http://schemas.openxmlformats.org/officeDocument/2006/relationships" xmlns:mc="http://schemas.openxmlformats.org/markup-compatibility/2006" xmlns:mv="urn:schemas-microsoft-com:mac:vml" xmlns:p="http://schemas.openxmlformats.org/presentationml/2006/main" xmlns:c="http://schemas.openxmlformats.org/drawingml/2006/chart" xmlns:dgm="http://schemas.openxmlformats.org/drawingml/2006/diagram" xmlns:o="urn:schemas-microsoft-com:office:office" xmlns:v="urn:schemas-microsoft-com:vml" xmlns:pvml="urn:schemas-microsoft-com:office:powerpoint" xmlns:com="http://schemas.openxmlformats.org/drawingml/2006/compatibility" xmlns:p14="http://schemas.microsoft.com/office/powerpoint/2010/main" xmlns:p15="http://schemas.microsoft.com/office/powerpoint/2012/main" xmlns:ahyp="http://schemas.microsoft.com/office/drawing/2018/hyperlinkcolor" showMasterPhAnim="0" showMasterSp="0">
+<p:notes xmlns:a="http://schemas.openxmlformats.org/drawingml/2006/main" xmlns:r="http://schemas.openxmlformats.org/officeDocument/2006/relationships" xmlns:p="http://schemas.openxmlformats.org/presentationml/2006/main" showMasterSp="0" showMasterPhAnim="0">
   <p:cSld>
     <p:spTree>
       <p:nvGrpSpPr>
-        <p:cNvPr id="64" name="Shape 64"/>
+        <p:cNvPr id="1" name="Shape 64"/>
         <p:cNvGrpSpPr/>
         <p:nvPr/>
       </p:nvGrpSpPr>
@@ -1544,9 +1599,11 @@
       <p:sp>
         <p:nvSpPr>
           <p:cNvPr id="65" name="Google Shape;65;gebadd49e99_0_10:notes"/>
-          <p:cNvSpPr/>
+          <p:cNvSpPr>
+            <a:spLocks noGrp="1" noRot="1" noChangeAspect="1"/>
+          </p:cNvSpPr>
           <p:nvPr>
-            <p:ph idx="2" type="sldImg"/>
+            <p:ph type="sldImg" idx="2"/>
           </p:nvPr>
         </p:nvSpPr>
         <p:spPr>
@@ -1555,9 +1612,13 @@
             <a:ext cx="6096000" cy="3429000"/>
           </a:xfrm>
           <a:custGeom>
-            <a:rect b="b" l="l" r="r" t="t"/>
+            <a:avLst/>
+            <a:gdLst/>
+            <a:ahLst/>
+            <a:cxnLst/>
+            <a:rect l="l" t="t" r="r" b="b"/>
             <a:pathLst>
-              <a:path extrusionOk="0" h="120000" w="120000">
+              <a:path w="120000" h="120000" extrusionOk="0">
                 <a:moveTo>
                   <a:pt x="0" y="0"/>
                 </a:moveTo>
@@ -1579,9 +1640,11 @@
       <p:sp>
         <p:nvSpPr>
           <p:cNvPr id="66" name="Google Shape;66;gebadd49e99_0_10:notes"/>
-          <p:cNvSpPr txBox="1"/>
+          <p:cNvSpPr txBox="1">
+            <a:spLocks noGrp="1"/>
+          </p:cNvSpPr>
           <p:nvPr>
-            <p:ph idx="1" type="body"/>
+            <p:ph type="body" idx="1"/>
           </p:nvPr>
         </p:nvSpPr>
         <p:spPr>
@@ -1594,12 +1657,12 @@
           </a:prstGeom>
         </p:spPr>
         <p:txBody>
-          <a:bodyPr anchorCtr="0" anchor="t" bIns="91425" lIns="91425" spcFirstLastPara="1" rIns="91425" wrap="square" tIns="91425">
+          <a:bodyPr spcFirstLastPara="1" wrap="square" lIns="91425" tIns="91425" rIns="91425" bIns="91425" anchor="t" anchorCtr="0">
             <a:noAutofit/>
           </a:bodyPr>
           <a:lstStyle/>
           <a:p>
-            <a:pPr indent="0" lvl="0" marL="0" rtl="0" algn="l">
+            <a:pPr marL="0" lvl="0" indent="0" algn="l" rtl="0">
               <a:spcBef>
                 <a:spcPts val="0"/>
               </a:spcBef>
@@ -1608,9 +1671,6 @@
               </a:spcAft>
               <a:buNone/>
             </a:pPr>
-            <a:r>
-              <a:t/>
-            </a:r>
             <a:endParaRPr/>
           </a:p>
         </p:txBody>
@@ -1624,11 +1684,11 @@
 </file>
 
 <file path=ppt/notesSlides/notesSlide4.xml><?xml version="1.0" encoding="utf-8"?>
-<p:notes xmlns:a="http://schemas.openxmlformats.org/drawingml/2006/main" xmlns:r="http://schemas.openxmlformats.org/officeDocument/2006/relationships" xmlns:mc="http://schemas.openxmlformats.org/markup-compatibility/2006" xmlns:mv="urn:schemas-microsoft-com:mac:vml" xmlns:p="http://schemas.openxmlformats.org/presentationml/2006/main" xmlns:c="http://schemas.openxmlformats.org/drawingml/2006/chart" xmlns:dgm="http://schemas.openxmlformats.org/drawingml/2006/diagram" xmlns:o="urn:schemas-microsoft-com:office:office" xmlns:v="urn:schemas-microsoft-com:vml" xmlns:pvml="urn:schemas-microsoft-com:office:powerpoint" xmlns:com="http://schemas.openxmlformats.org/drawingml/2006/compatibility" xmlns:p14="http://schemas.microsoft.com/office/powerpoint/2010/main" xmlns:p15="http://schemas.microsoft.com/office/powerpoint/2012/main" xmlns:ahyp="http://schemas.microsoft.com/office/drawing/2018/hyperlinkcolor" showMasterPhAnim="0" showMasterSp="0">
+<p:notes xmlns:a="http://schemas.openxmlformats.org/drawingml/2006/main" xmlns:r="http://schemas.openxmlformats.org/officeDocument/2006/relationships" xmlns:p="http://schemas.openxmlformats.org/presentationml/2006/main" showMasterSp="0" showMasterPhAnim="0">
   <p:cSld>
     <p:spTree>
       <p:nvGrpSpPr>
-        <p:cNvPr id="70" name="Shape 70"/>
+        <p:cNvPr id="1" name="Shape 70"/>
         <p:cNvGrpSpPr/>
         <p:nvPr/>
       </p:nvGrpSpPr>
@@ -1643,9 +1703,11 @@
       <p:sp>
         <p:nvSpPr>
           <p:cNvPr id="71" name="Google Shape;71;gebadd49e99_0_15:notes"/>
-          <p:cNvSpPr/>
+          <p:cNvSpPr>
+            <a:spLocks noGrp="1" noRot="1" noChangeAspect="1"/>
+          </p:cNvSpPr>
           <p:nvPr>
-            <p:ph idx="2" type="sldImg"/>
+            <p:ph type="sldImg" idx="2"/>
           </p:nvPr>
         </p:nvSpPr>
         <p:spPr>
@@ -1654,9 +1716,13 @@
             <a:ext cx="6096000" cy="3429000"/>
           </a:xfrm>
           <a:custGeom>
-            <a:rect b="b" l="l" r="r" t="t"/>
+            <a:avLst/>
+            <a:gdLst/>
+            <a:ahLst/>
+            <a:cxnLst/>
+            <a:rect l="l" t="t" r="r" b="b"/>
             <a:pathLst>
-              <a:path extrusionOk="0" h="120000" w="120000">
+              <a:path w="120000" h="120000" extrusionOk="0">
                 <a:moveTo>
                   <a:pt x="0" y="0"/>
                 </a:moveTo>
@@ -1678,9 +1744,11 @@
       <p:sp>
         <p:nvSpPr>
           <p:cNvPr id="72" name="Google Shape;72;gebadd49e99_0_15:notes"/>
-          <p:cNvSpPr txBox="1"/>
+          <p:cNvSpPr txBox="1">
+            <a:spLocks noGrp="1"/>
+          </p:cNvSpPr>
           <p:nvPr>
-            <p:ph idx="1" type="body"/>
+            <p:ph type="body" idx="1"/>
           </p:nvPr>
         </p:nvSpPr>
         <p:spPr>
@@ -1693,12 +1761,12 @@
           </a:prstGeom>
         </p:spPr>
         <p:txBody>
-          <a:bodyPr anchorCtr="0" anchor="t" bIns="91425" lIns="91425" spcFirstLastPara="1" rIns="91425" wrap="square" tIns="91425">
+          <a:bodyPr spcFirstLastPara="1" wrap="square" lIns="91425" tIns="91425" rIns="91425" bIns="91425" anchor="t" anchorCtr="0">
             <a:noAutofit/>
           </a:bodyPr>
           <a:lstStyle/>
           <a:p>
-            <a:pPr indent="0" lvl="0" marL="0" rtl="0" algn="l">
+            <a:pPr marL="0" lvl="0" indent="0" algn="l" rtl="0">
               <a:spcBef>
                 <a:spcPts val="0"/>
               </a:spcBef>
@@ -1707,9 +1775,6 @@
               </a:spcAft>
               <a:buNone/>
             </a:pPr>
-            <a:r>
-              <a:t/>
-            </a:r>
             <a:endParaRPr/>
           </a:p>
         </p:txBody>
@@ -1723,11 +1788,11 @@
 </file>
 
 <file path=ppt/notesSlides/notesSlide5.xml><?xml version="1.0" encoding="utf-8"?>
-<p:notes xmlns:a="http://schemas.openxmlformats.org/drawingml/2006/main" xmlns:r="http://schemas.openxmlformats.org/officeDocument/2006/relationships" xmlns:mc="http://schemas.openxmlformats.org/markup-compatibility/2006" xmlns:mv="urn:schemas-microsoft-com:mac:vml" xmlns:p="http://schemas.openxmlformats.org/presentationml/2006/main" xmlns:c="http://schemas.openxmlformats.org/drawingml/2006/chart" xmlns:dgm="http://schemas.openxmlformats.org/drawingml/2006/diagram" xmlns:o="urn:schemas-microsoft-com:office:office" xmlns:v="urn:schemas-microsoft-com:vml" xmlns:pvml="urn:schemas-microsoft-com:office:powerpoint" xmlns:com="http://schemas.openxmlformats.org/drawingml/2006/compatibility" xmlns:p14="http://schemas.microsoft.com/office/powerpoint/2010/main" xmlns:p15="http://schemas.microsoft.com/office/powerpoint/2012/main" xmlns:ahyp="http://schemas.microsoft.com/office/drawing/2018/hyperlinkcolor" showMasterPhAnim="0" showMasterSp="0">
+<p:notes xmlns:a="http://schemas.openxmlformats.org/drawingml/2006/main" xmlns:r="http://schemas.openxmlformats.org/officeDocument/2006/relationships" xmlns:p="http://schemas.openxmlformats.org/presentationml/2006/main" showMasterSp="0" showMasterPhAnim="0">
   <p:cSld>
     <p:spTree>
       <p:nvGrpSpPr>
-        <p:cNvPr id="76" name="Shape 76"/>
+        <p:cNvPr id="1" name="Shape 76"/>
         <p:cNvGrpSpPr/>
         <p:nvPr/>
       </p:nvGrpSpPr>
@@ -1742,9 +1807,11 @@
       <p:sp>
         <p:nvSpPr>
           <p:cNvPr id="77" name="Google Shape;77;gebadd49e99_0_20:notes"/>
-          <p:cNvSpPr/>
+          <p:cNvSpPr>
+            <a:spLocks noGrp="1" noRot="1" noChangeAspect="1"/>
+          </p:cNvSpPr>
           <p:nvPr>
-            <p:ph idx="2" type="sldImg"/>
+            <p:ph type="sldImg" idx="2"/>
           </p:nvPr>
         </p:nvSpPr>
         <p:spPr>
@@ -1753,9 +1820,13 @@
             <a:ext cx="6096000" cy="3429000"/>
           </a:xfrm>
           <a:custGeom>
-            <a:rect b="b" l="l" r="r" t="t"/>
+            <a:avLst/>
+            <a:gdLst/>
+            <a:ahLst/>
+            <a:cxnLst/>
+            <a:rect l="l" t="t" r="r" b="b"/>
             <a:pathLst>
-              <a:path extrusionOk="0" h="120000" w="120000">
+              <a:path w="120000" h="120000" extrusionOk="0">
                 <a:moveTo>
                   <a:pt x="0" y="0"/>
                 </a:moveTo>
@@ -1777,9 +1848,11 @@
       <p:sp>
         <p:nvSpPr>
           <p:cNvPr id="78" name="Google Shape;78;gebadd49e99_0_20:notes"/>
-          <p:cNvSpPr txBox="1"/>
+          <p:cNvSpPr txBox="1">
+            <a:spLocks noGrp="1"/>
+          </p:cNvSpPr>
           <p:nvPr>
-            <p:ph idx="1" type="body"/>
+            <p:ph type="body" idx="1"/>
           </p:nvPr>
         </p:nvSpPr>
         <p:spPr>
@@ -1792,12 +1865,12 @@
           </a:prstGeom>
         </p:spPr>
         <p:txBody>
-          <a:bodyPr anchorCtr="0" anchor="t" bIns="91425" lIns="91425" spcFirstLastPara="1" rIns="91425" wrap="square" tIns="91425">
+          <a:bodyPr spcFirstLastPara="1" wrap="square" lIns="91425" tIns="91425" rIns="91425" bIns="91425" anchor="t" anchorCtr="0">
             <a:noAutofit/>
           </a:bodyPr>
           <a:lstStyle/>
           <a:p>
-            <a:pPr indent="0" lvl="0" marL="0" rtl="0" algn="l">
+            <a:pPr marL="0" lvl="0" indent="0" algn="l" rtl="0">
               <a:spcBef>
                 <a:spcPts val="0"/>
               </a:spcBef>
@@ -1806,9 +1879,6 @@
               </a:spcAft>
               <a:buNone/>
             </a:pPr>
-            <a:r>
-              <a:t/>
-            </a:r>
             <a:endParaRPr/>
           </a:p>
         </p:txBody>
@@ -1822,11 +1892,11 @@
 </file>
 
 <file path=ppt/notesSlides/notesSlide6.xml><?xml version="1.0" encoding="utf-8"?>
-<p:notes xmlns:a="http://schemas.openxmlformats.org/drawingml/2006/main" xmlns:r="http://schemas.openxmlformats.org/officeDocument/2006/relationships" xmlns:mc="http://schemas.openxmlformats.org/markup-compatibility/2006" xmlns:mv="urn:schemas-microsoft-com:mac:vml" xmlns:p="http://schemas.openxmlformats.org/presentationml/2006/main" xmlns:c="http://schemas.openxmlformats.org/drawingml/2006/chart" xmlns:dgm="http://schemas.openxmlformats.org/drawingml/2006/diagram" xmlns:o="urn:schemas-microsoft-com:office:office" xmlns:v="urn:schemas-microsoft-com:vml" xmlns:pvml="urn:schemas-microsoft-com:office:powerpoint" xmlns:com="http://schemas.openxmlformats.org/drawingml/2006/compatibility" xmlns:p14="http://schemas.microsoft.com/office/powerpoint/2010/main" xmlns:p15="http://schemas.microsoft.com/office/powerpoint/2012/main" xmlns:ahyp="http://schemas.microsoft.com/office/drawing/2018/hyperlinkcolor" showMasterPhAnim="0" showMasterSp="0">
+<p:notes xmlns:a="http://schemas.openxmlformats.org/drawingml/2006/main" xmlns:r="http://schemas.openxmlformats.org/officeDocument/2006/relationships" xmlns:p="http://schemas.openxmlformats.org/presentationml/2006/main" showMasterSp="0" showMasterPhAnim="0">
   <p:cSld>
     <p:spTree>
       <p:nvGrpSpPr>
-        <p:cNvPr id="82" name="Shape 82"/>
+        <p:cNvPr id="1" name="Shape 82"/>
         <p:cNvGrpSpPr/>
         <p:nvPr/>
       </p:nvGrpSpPr>
@@ -1841,9 +1911,11 @@
       <p:sp>
         <p:nvSpPr>
           <p:cNvPr id="83" name="Google Shape;83;gedbc28c988_0_39:notes"/>
-          <p:cNvSpPr/>
+          <p:cNvSpPr>
+            <a:spLocks noGrp="1" noRot="1" noChangeAspect="1"/>
+          </p:cNvSpPr>
           <p:nvPr>
-            <p:ph idx="2" type="sldImg"/>
+            <p:ph type="sldImg" idx="2"/>
           </p:nvPr>
         </p:nvSpPr>
         <p:spPr>
@@ -1852,9 +1924,13 @@
             <a:ext cx="6096000" cy="3429000"/>
           </a:xfrm>
           <a:custGeom>
-            <a:rect b="b" l="l" r="r" t="t"/>
+            <a:avLst/>
+            <a:gdLst/>
+            <a:ahLst/>
+            <a:cxnLst/>
+            <a:rect l="l" t="t" r="r" b="b"/>
             <a:pathLst>
-              <a:path extrusionOk="0" h="120000" w="120000">
+              <a:path w="120000" h="120000" extrusionOk="0">
                 <a:moveTo>
                   <a:pt x="0" y="0"/>
                 </a:moveTo>
@@ -1876,9 +1952,11 @@
       <p:sp>
         <p:nvSpPr>
           <p:cNvPr id="84" name="Google Shape;84;gedbc28c988_0_39:notes"/>
-          <p:cNvSpPr txBox="1"/>
+          <p:cNvSpPr txBox="1">
+            <a:spLocks noGrp="1"/>
+          </p:cNvSpPr>
           <p:nvPr>
-            <p:ph idx="1" type="body"/>
+            <p:ph type="body" idx="1"/>
           </p:nvPr>
         </p:nvSpPr>
         <p:spPr>
@@ -1891,12 +1969,12 @@
           </a:prstGeom>
         </p:spPr>
         <p:txBody>
-          <a:bodyPr anchorCtr="0" anchor="t" bIns="91425" lIns="91425" spcFirstLastPara="1" rIns="91425" wrap="square" tIns="91425">
+          <a:bodyPr spcFirstLastPara="1" wrap="square" lIns="91425" tIns="91425" rIns="91425" bIns="91425" anchor="t" anchorCtr="0">
             <a:noAutofit/>
           </a:bodyPr>
           <a:lstStyle/>
           <a:p>
-            <a:pPr indent="0" lvl="0" marL="0" rtl="0" algn="l">
+            <a:pPr marL="0" lvl="0" indent="0" algn="l" rtl="0">
               <a:spcBef>
                 <a:spcPts val="0"/>
               </a:spcBef>
@@ -1905,9 +1983,6 @@
               </a:spcAft>
               <a:buNone/>
             </a:pPr>
-            <a:r>
-              <a:t/>
-            </a:r>
             <a:endParaRPr/>
           </a:p>
         </p:txBody>
@@ -1921,11 +1996,11 @@
 </file>
 
 <file path=ppt/notesSlides/notesSlide7.xml><?xml version="1.0" encoding="utf-8"?>
-<p:notes xmlns:a="http://schemas.openxmlformats.org/drawingml/2006/main" xmlns:r="http://schemas.openxmlformats.org/officeDocument/2006/relationships" xmlns:mc="http://schemas.openxmlformats.org/markup-compatibility/2006" xmlns:mv="urn:schemas-microsoft-com:mac:vml" xmlns:p="http://schemas.openxmlformats.org/presentationml/2006/main" xmlns:c="http://schemas.openxmlformats.org/drawingml/2006/chart" xmlns:dgm="http://schemas.openxmlformats.org/drawingml/2006/diagram" xmlns:o="urn:schemas-microsoft-com:office:office" xmlns:v="urn:schemas-microsoft-com:vml" xmlns:pvml="urn:schemas-microsoft-com:office:powerpoint" xmlns:com="http://schemas.openxmlformats.org/drawingml/2006/compatibility" xmlns:p14="http://schemas.microsoft.com/office/powerpoint/2010/main" xmlns:p15="http://schemas.microsoft.com/office/powerpoint/2012/main" xmlns:ahyp="http://schemas.microsoft.com/office/drawing/2018/hyperlinkcolor" showMasterPhAnim="0" showMasterSp="0">
+<p:notes xmlns:a="http://schemas.openxmlformats.org/drawingml/2006/main" xmlns:r="http://schemas.openxmlformats.org/officeDocument/2006/relationships" xmlns:p="http://schemas.openxmlformats.org/presentationml/2006/main" showMasterSp="0" showMasterPhAnim="0">
   <p:cSld>
     <p:spTree>
       <p:nvGrpSpPr>
-        <p:cNvPr id="89" name="Shape 89"/>
+        <p:cNvPr id="1" name="Shape 89"/>
         <p:cNvGrpSpPr/>
         <p:nvPr/>
       </p:nvGrpSpPr>
@@ -1940,9 +2015,11 @@
       <p:sp>
         <p:nvSpPr>
           <p:cNvPr id="90" name="Google Shape;90;gedbc28c988_0_96:notes"/>
-          <p:cNvSpPr/>
+          <p:cNvSpPr>
+            <a:spLocks noGrp="1" noRot="1" noChangeAspect="1"/>
+          </p:cNvSpPr>
           <p:nvPr>
-            <p:ph idx="2" type="sldImg"/>
+            <p:ph type="sldImg" idx="2"/>
           </p:nvPr>
         </p:nvSpPr>
         <p:spPr>
@@ -1951,9 +2028,13 @@
             <a:ext cx="6096000" cy="3429000"/>
           </a:xfrm>
           <a:custGeom>
-            <a:rect b="b" l="l" r="r" t="t"/>
+            <a:avLst/>
+            <a:gdLst/>
+            <a:ahLst/>
+            <a:cxnLst/>
+            <a:rect l="l" t="t" r="r" b="b"/>
             <a:pathLst>
-              <a:path extrusionOk="0" h="120000" w="120000">
+              <a:path w="120000" h="120000" extrusionOk="0">
                 <a:moveTo>
                   <a:pt x="0" y="0"/>
                 </a:moveTo>
@@ -1975,9 +2056,11 @@
       <p:sp>
         <p:nvSpPr>
           <p:cNvPr id="91" name="Google Shape;91;gedbc28c988_0_96:notes"/>
-          <p:cNvSpPr txBox="1"/>
+          <p:cNvSpPr txBox="1">
+            <a:spLocks noGrp="1"/>
+          </p:cNvSpPr>
           <p:nvPr>
-            <p:ph idx="1" type="body"/>
+            <p:ph type="body" idx="1"/>
           </p:nvPr>
         </p:nvSpPr>
         <p:spPr>
@@ -1990,12 +2073,12 @@
           </a:prstGeom>
         </p:spPr>
         <p:txBody>
-          <a:bodyPr anchorCtr="0" anchor="t" bIns="91425" lIns="91425" spcFirstLastPara="1" rIns="91425" wrap="square" tIns="91425">
+          <a:bodyPr spcFirstLastPara="1" wrap="square" lIns="91425" tIns="91425" rIns="91425" bIns="91425" anchor="t" anchorCtr="0">
             <a:noAutofit/>
           </a:bodyPr>
           <a:lstStyle/>
           <a:p>
-            <a:pPr indent="0" lvl="0" marL="0" rtl="0" algn="l">
+            <a:pPr marL="0" lvl="0" indent="0" algn="l" rtl="0">
               <a:spcBef>
                 <a:spcPts val="0"/>
               </a:spcBef>
@@ -2004,9 +2087,6 @@
               </a:spcAft>
               <a:buNone/>
             </a:pPr>
-            <a:r>
-              <a:t/>
-            </a:r>
             <a:endParaRPr/>
           </a:p>
         </p:txBody>
@@ -2020,11 +2100,11 @@
 </file>
 
 <file path=ppt/notesSlides/notesSlide8.xml><?xml version="1.0" encoding="utf-8"?>
-<p:notes xmlns:a="http://schemas.openxmlformats.org/drawingml/2006/main" xmlns:r="http://schemas.openxmlformats.org/officeDocument/2006/relationships" xmlns:mc="http://schemas.openxmlformats.org/markup-compatibility/2006" xmlns:mv="urn:schemas-microsoft-com:mac:vml" xmlns:p="http://schemas.openxmlformats.org/presentationml/2006/main" xmlns:c="http://schemas.openxmlformats.org/drawingml/2006/chart" xmlns:dgm="http://schemas.openxmlformats.org/drawingml/2006/diagram" xmlns:o="urn:schemas-microsoft-com:office:office" xmlns:v="urn:schemas-microsoft-com:vml" xmlns:pvml="urn:schemas-microsoft-com:office:powerpoint" xmlns:com="http://schemas.openxmlformats.org/drawingml/2006/compatibility" xmlns:p14="http://schemas.microsoft.com/office/powerpoint/2010/main" xmlns:p15="http://schemas.microsoft.com/office/powerpoint/2012/main" xmlns:ahyp="http://schemas.microsoft.com/office/drawing/2018/hyperlinkcolor" showMasterPhAnim="0" showMasterSp="0">
+<p:notes xmlns:a="http://schemas.openxmlformats.org/drawingml/2006/main" xmlns:r="http://schemas.openxmlformats.org/officeDocument/2006/relationships" xmlns:p="http://schemas.openxmlformats.org/presentationml/2006/main" showMasterSp="0" showMasterPhAnim="0">
   <p:cSld>
     <p:spTree>
       <p:nvGrpSpPr>
-        <p:cNvPr id="96" name="Shape 96"/>
+        <p:cNvPr id="1" name="Shape 96"/>
         <p:cNvGrpSpPr/>
         <p:nvPr/>
       </p:nvGrpSpPr>
@@ -2039,9 +2119,11 @@
       <p:sp>
         <p:nvSpPr>
           <p:cNvPr id="97" name="Google Shape;97;gedbc28c988_0_107:notes"/>
-          <p:cNvSpPr/>
+          <p:cNvSpPr>
+            <a:spLocks noGrp="1" noRot="1" noChangeAspect="1"/>
+          </p:cNvSpPr>
           <p:nvPr>
-            <p:ph idx="2" type="sldImg"/>
+            <p:ph type="sldImg" idx="2"/>
           </p:nvPr>
         </p:nvSpPr>
         <p:spPr>
@@ -2050,9 +2132,13 @@
             <a:ext cx="6096000" cy="3429000"/>
           </a:xfrm>
           <a:custGeom>
-            <a:rect b="b" l="l" r="r" t="t"/>
+            <a:avLst/>
+            <a:gdLst/>
+            <a:ahLst/>
+            <a:cxnLst/>
+            <a:rect l="l" t="t" r="r" b="b"/>
             <a:pathLst>
-              <a:path extrusionOk="0" h="120000" w="120000">
+              <a:path w="120000" h="120000" extrusionOk="0">
                 <a:moveTo>
                   <a:pt x="0" y="0"/>
                 </a:moveTo>
@@ -2074,9 +2160,11 @@
       <p:sp>
         <p:nvSpPr>
           <p:cNvPr id="98" name="Google Shape;98;gedbc28c988_0_107:notes"/>
-          <p:cNvSpPr txBox="1"/>
+          <p:cNvSpPr txBox="1">
+            <a:spLocks noGrp="1"/>
+          </p:cNvSpPr>
           <p:nvPr>
-            <p:ph idx="1" type="body"/>
+            <p:ph type="body" idx="1"/>
           </p:nvPr>
         </p:nvSpPr>
         <p:spPr>
@@ -2089,12 +2177,12 @@
           </a:prstGeom>
         </p:spPr>
         <p:txBody>
-          <a:bodyPr anchorCtr="0" anchor="t" bIns="91425" lIns="91425" spcFirstLastPara="1" rIns="91425" wrap="square" tIns="91425">
+          <a:bodyPr spcFirstLastPara="1" wrap="square" lIns="91425" tIns="91425" rIns="91425" bIns="91425" anchor="t" anchorCtr="0">
             <a:noAutofit/>
           </a:bodyPr>
           <a:lstStyle/>
           <a:p>
-            <a:pPr indent="0" lvl="0" marL="0" rtl="0" algn="l">
+            <a:pPr marL="0" lvl="0" indent="0" algn="l" rtl="0">
               <a:spcBef>
                 <a:spcPts val="0"/>
               </a:spcBef>
@@ -2103,9 +2191,6 @@
               </a:spcAft>
               <a:buNone/>
             </a:pPr>
-            <a:r>
-              <a:t/>
-            </a:r>
             <a:endParaRPr/>
           </a:p>
         </p:txBody>
@@ -2119,11 +2204,11 @@
 </file>
 
 <file path=ppt/notesSlides/notesSlide9.xml><?xml version="1.0" encoding="utf-8"?>
-<p:notes xmlns:a="http://schemas.openxmlformats.org/drawingml/2006/main" xmlns:r="http://schemas.openxmlformats.org/officeDocument/2006/relationships" xmlns:mc="http://schemas.openxmlformats.org/markup-compatibility/2006" xmlns:mv="urn:schemas-microsoft-com:mac:vml" xmlns:p="http://schemas.openxmlformats.org/presentationml/2006/main" xmlns:c="http://schemas.openxmlformats.org/drawingml/2006/chart" xmlns:dgm="http://schemas.openxmlformats.org/drawingml/2006/diagram" xmlns:o="urn:schemas-microsoft-com:office:office" xmlns:v="urn:schemas-microsoft-com:vml" xmlns:pvml="urn:schemas-microsoft-com:office:powerpoint" xmlns:com="http://schemas.openxmlformats.org/drawingml/2006/compatibility" xmlns:p14="http://schemas.microsoft.com/office/powerpoint/2010/main" xmlns:p15="http://schemas.microsoft.com/office/powerpoint/2012/main" xmlns:ahyp="http://schemas.microsoft.com/office/drawing/2018/hyperlinkcolor" showMasterPhAnim="0" showMasterSp="0">
+<p:notes xmlns:a="http://schemas.openxmlformats.org/drawingml/2006/main" xmlns:r="http://schemas.openxmlformats.org/officeDocument/2006/relationships" xmlns:p="http://schemas.openxmlformats.org/presentationml/2006/main" showMasterSp="0" showMasterPhAnim="0">
   <p:cSld>
     <p:spTree>
       <p:nvGrpSpPr>
-        <p:cNvPr id="103" name="Shape 103"/>
+        <p:cNvPr id="1" name="Shape 103"/>
         <p:cNvGrpSpPr/>
         <p:nvPr/>
       </p:nvGrpSpPr>
@@ -2138,9 +2223,11 @@
       <p:sp>
         <p:nvSpPr>
           <p:cNvPr id="104" name="Google Shape;104;gedbc28c988_0_89:notes"/>
-          <p:cNvSpPr/>
+          <p:cNvSpPr>
+            <a:spLocks noGrp="1" noRot="1" noChangeAspect="1"/>
+          </p:cNvSpPr>
           <p:nvPr>
-            <p:ph idx="2" type="sldImg"/>
+            <p:ph type="sldImg" idx="2"/>
           </p:nvPr>
         </p:nvSpPr>
         <p:spPr>
@@ -2149,9 +2236,13 @@
             <a:ext cx="6096000" cy="3429000"/>
           </a:xfrm>
           <a:custGeom>
-            <a:rect b="b" l="l" r="r" t="t"/>
+            <a:avLst/>
+            <a:gdLst/>
+            <a:ahLst/>
+            <a:cxnLst/>
+            <a:rect l="l" t="t" r="r" b="b"/>
             <a:pathLst>
-              <a:path extrusionOk="0" h="120000" w="120000">
+              <a:path w="120000" h="120000" extrusionOk="0">
                 <a:moveTo>
                   <a:pt x="0" y="0"/>
                 </a:moveTo>
@@ -2173,9 +2264,11 @@
       <p:sp>
         <p:nvSpPr>
           <p:cNvPr id="105" name="Google Shape;105;gedbc28c988_0_89:notes"/>
-          <p:cNvSpPr txBox="1"/>
+          <p:cNvSpPr txBox="1">
+            <a:spLocks noGrp="1"/>
+          </p:cNvSpPr>
           <p:nvPr>
-            <p:ph idx="1" type="body"/>
+            <p:ph type="body" idx="1"/>
           </p:nvPr>
         </p:nvSpPr>
         <p:spPr>
@@ -2188,12 +2281,12 @@
           </a:prstGeom>
         </p:spPr>
         <p:txBody>
-          <a:bodyPr anchorCtr="0" anchor="t" bIns="91425" lIns="91425" spcFirstLastPara="1" rIns="91425" wrap="square" tIns="91425">
+          <a:bodyPr spcFirstLastPara="1" wrap="square" lIns="91425" tIns="91425" rIns="91425" bIns="91425" anchor="t" anchorCtr="0">
             <a:noAutofit/>
           </a:bodyPr>
           <a:lstStyle/>
           <a:p>
-            <a:pPr indent="0" lvl="0" marL="0" rtl="0" algn="l">
+            <a:pPr marL="0" lvl="0" indent="0" algn="l" rtl="0">
               <a:spcBef>
                 <a:spcPts val="0"/>
               </a:spcBef>
@@ -2202,9 +2295,6 @@
               </a:spcAft>
               <a:buNone/>
             </a:pPr>
-            <a:r>
-              <a:t/>
-            </a:r>
             <a:endParaRPr/>
           </a:p>
         </p:txBody>
@@ -2218,11 +2308,11 @@
 </file>
 
 <file path=ppt/slideLayouts/slideLayout1.xml><?xml version="1.0" encoding="utf-8"?>
-<p:sldLayout xmlns:a="http://schemas.openxmlformats.org/drawingml/2006/main" xmlns:r="http://schemas.openxmlformats.org/officeDocument/2006/relationships" xmlns:mc="http://schemas.openxmlformats.org/markup-compatibility/2006" xmlns:mv="urn:schemas-microsoft-com:mac:vml" xmlns:p="http://schemas.openxmlformats.org/presentationml/2006/main" xmlns:c="http://schemas.openxmlformats.org/drawingml/2006/chart" xmlns:dgm="http://schemas.openxmlformats.org/drawingml/2006/diagram" xmlns:o="urn:schemas-microsoft-com:office:office" xmlns:v="urn:schemas-microsoft-com:vml" xmlns:pvml="urn:schemas-microsoft-com:office:powerpoint" xmlns:com="http://schemas.openxmlformats.org/drawingml/2006/compatibility" xmlns:p14="http://schemas.microsoft.com/office/powerpoint/2010/main" xmlns:p15="http://schemas.microsoft.com/office/powerpoint/2012/main" xmlns:ahyp="http://schemas.microsoft.com/office/drawing/2018/hyperlinkcolor" matchingName="Title slide" type="title">
+<p:sldLayout xmlns:a="http://schemas.openxmlformats.org/drawingml/2006/main" xmlns:r="http://schemas.openxmlformats.org/officeDocument/2006/relationships" xmlns:p="http://schemas.openxmlformats.org/presentationml/2006/main" matchingName="Title slide" type="title">
   <p:cSld name="TITLE">
     <p:spTree>
       <p:nvGrpSpPr>
-        <p:cNvPr id="9" name="Shape 9"/>
+        <p:cNvPr id="1" name="Shape 9"/>
         <p:cNvGrpSpPr/>
         <p:nvPr/>
       </p:nvGrpSpPr>
@@ -2237,7 +2327,9 @@
       <p:sp>
         <p:nvSpPr>
           <p:cNvPr id="10" name="Google Shape;10;p2"/>
-          <p:cNvSpPr txBox="1"/>
+          <p:cNvSpPr txBox="1">
+            <a:spLocks noGrp="1"/>
+          </p:cNvSpPr>
           <p:nvPr>
             <p:ph type="ctrTitle"/>
           </p:nvPr>
@@ -2252,7 +2344,7 @@
           </a:prstGeom>
         </p:spPr>
         <p:txBody>
-          <a:bodyPr anchorCtr="0" anchor="b" bIns="91425" lIns="91425" spcFirstLastPara="1" rIns="91425" wrap="square" tIns="91425">
+          <a:bodyPr spcFirstLastPara="1" wrap="square" lIns="91425" tIns="91425" rIns="91425" bIns="91425" anchor="b" anchorCtr="0">
             <a:normAutofit/>
           </a:bodyPr>
           <a:lstStyle>
@@ -2356,15 +2448,19 @@
               <a:defRPr sz="5200"/>
             </a:lvl9pPr>
           </a:lstStyle>
-          <a:p/>
+          <a:p>
+            <a:endParaRPr/>
+          </a:p>
         </p:txBody>
       </p:sp>
       <p:sp>
         <p:nvSpPr>
           <p:cNvPr id="11" name="Google Shape;11;p2"/>
-          <p:cNvSpPr txBox="1"/>
+          <p:cNvSpPr txBox="1">
+            <a:spLocks noGrp="1"/>
+          </p:cNvSpPr>
           <p:nvPr>
-            <p:ph idx="1" type="subTitle"/>
+            <p:ph type="subTitle" idx="1"/>
           </p:nvPr>
         </p:nvSpPr>
         <p:spPr>
@@ -2377,7 +2473,7 @@
           </a:prstGeom>
         </p:spPr>
         <p:txBody>
-          <a:bodyPr anchorCtr="0" anchor="t" bIns="91425" lIns="91425" spcFirstLastPara="1" rIns="91425" wrap="square" tIns="91425">
+          <a:bodyPr spcFirstLastPara="1" wrap="square" lIns="91425" tIns="91425" rIns="91425" bIns="91425" anchor="t" anchorCtr="0">
             <a:normAutofit/>
           </a:bodyPr>
           <a:lstStyle>
@@ -2508,15 +2604,19 @@
               <a:defRPr sz="2800"/>
             </a:lvl9pPr>
           </a:lstStyle>
-          <a:p/>
+          <a:p>
+            <a:endParaRPr/>
+          </a:p>
         </p:txBody>
       </p:sp>
       <p:sp>
         <p:nvSpPr>
           <p:cNvPr id="12" name="Google Shape;12;p2"/>
-          <p:cNvSpPr txBox="1"/>
+          <p:cNvSpPr txBox="1">
+            <a:spLocks noGrp="1"/>
+          </p:cNvSpPr>
           <p:nvPr>
-            <p:ph idx="12" type="sldNum"/>
+            <p:ph type="sldNum" idx="12"/>
           </p:nvPr>
         </p:nvSpPr>
         <p:spPr>
@@ -2529,7 +2629,7 @@
           </a:prstGeom>
         </p:spPr>
         <p:txBody>
-          <a:bodyPr anchorCtr="0" anchor="ctr" bIns="91425" lIns="91425" spcFirstLastPara="1" rIns="91425" wrap="square" tIns="91425">
+          <a:bodyPr spcFirstLastPara="1" wrap="square" lIns="91425" tIns="91425" rIns="91425" bIns="91425" anchor="ctr" anchorCtr="0">
             <a:normAutofit/>
           </a:bodyPr>
           <a:lstStyle>
@@ -2571,7 +2671,7 @@
             </a:lvl9pPr>
           </a:lstStyle>
           <a:p>
-            <a:pPr indent="0" lvl="0" marL="0" rtl="0" algn="r">
+            <a:pPr marL="0" lvl="0" indent="0" algn="r" rtl="0">
               <a:spcBef>
                 <a:spcPts val="0"/>
               </a:spcBef>
@@ -2597,11 +2697,11 @@
 </file>
 
 <file path=ppt/slideLayouts/slideLayout10.xml><?xml version="1.0" encoding="utf-8"?>
-<p:sldLayout xmlns:a="http://schemas.openxmlformats.org/drawingml/2006/main" xmlns:r="http://schemas.openxmlformats.org/officeDocument/2006/relationships" xmlns:mc="http://schemas.openxmlformats.org/markup-compatibility/2006" xmlns:mv="urn:schemas-microsoft-com:mac:vml" xmlns:p="http://schemas.openxmlformats.org/presentationml/2006/main" xmlns:c="http://schemas.openxmlformats.org/drawingml/2006/chart" xmlns:dgm="http://schemas.openxmlformats.org/drawingml/2006/diagram" xmlns:o="urn:schemas-microsoft-com:office:office" xmlns:v="urn:schemas-microsoft-com:vml" xmlns:pvml="urn:schemas-microsoft-com:office:powerpoint" xmlns:com="http://schemas.openxmlformats.org/drawingml/2006/compatibility" xmlns:p14="http://schemas.microsoft.com/office/powerpoint/2010/main" xmlns:p15="http://schemas.microsoft.com/office/powerpoint/2012/main" xmlns:ahyp="http://schemas.microsoft.com/office/drawing/2018/hyperlinkcolor" matchingName="Big number">
+<p:sldLayout xmlns:a="http://schemas.openxmlformats.org/drawingml/2006/main" xmlns:r="http://schemas.openxmlformats.org/officeDocument/2006/relationships" xmlns:p="http://schemas.openxmlformats.org/presentationml/2006/main" matchingName="Big number">
   <p:cSld name="BIG_NUMBER">
     <p:spTree>
       <p:nvGrpSpPr>
-        <p:cNvPr id="44" name="Shape 44"/>
+        <p:cNvPr id="1" name="Shape 44"/>
         <p:cNvGrpSpPr/>
         <p:nvPr/>
       </p:nvGrpSpPr>
@@ -2616,9 +2716,11 @@
       <p:sp>
         <p:nvSpPr>
           <p:cNvPr id="45" name="Google Shape;45;p11"/>
-          <p:cNvSpPr txBox="1"/>
+          <p:cNvSpPr txBox="1">
+            <a:spLocks noGrp="1"/>
+          </p:cNvSpPr>
           <p:nvPr>
-            <p:ph hasCustomPrompt="1" type="title"/>
+            <p:ph type="title" hasCustomPrompt="1"/>
           </p:nvPr>
         </p:nvSpPr>
         <p:spPr>
@@ -2631,7 +2733,7 @@
           </a:prstGeom>
         </p:spPr>
         <p:txBody>
-          <a:bodyPr anchorCtr="0" anchor="b" bIns="91425" lIns="91425" spcFirstLastPara="1" rIns="91425" wrap="square" tIns="91425">
+          <a:bodyPr spcFirstLastPara="1" wrap="square" lIns="91425" tIns="91425" rIns="91425" bIns="91425" anchor="b" anchorCtr="0">
             <a:normAutofit/>
           </a:bodyPr>
           <a:lstStyle>
@@ -2745,9 +2847,11 @@
       <p:sp>
         <p:nvSpPr>
           <p:cNvPr id="46" name="Google Shape;46;p11"/>
-          <p:cNvSpPr txBox="1"/>
+          <p:cNvSpPr txBox="1">
+            <a:spLocks noGrp="1"/>
+          </p:cNvSpPr>
           <p:nvPr>
-            <p:ph idx="1" type="body"/>
+            <p:ph type="body" idx="1"/>
           </p:nvPr>
         </p:nvSpPr>
         <p:spPr>
@@ -2760,11 +2864,11 @@
           </a:prstGeom>
         </p:spPr>
         <p:txBody>
-          <a:bodyPr anchorCtr="0" anchor="t" bIns="91425" lIns="91425" spcFirstLastPara="1" rIns="91425" wrap="square" tIns="91425">
+          <a:bodyPr spcFirstLastPara="1" wrap="square" lIns="91425" tIns="91425" rIns="91425" bIns="91425" anchor="t" anchorCtr="0">
             <a:normAutofit/>
           </a:bodyPr>
           <a:lstStyle>
-            <a:lvl1pPr indent="-342900" lvl="0" marL="457200" algn="ctr">
+            <a:lvl1pPr marL="457200" lvl="0" indent="-342900" algn="ctr">
               <a:spcBef>
                 <a:spcPts val="0"/>
               </a:spcBef>
@@ -2775,7 +2879,7 @@
               <a:buChar char="●"/>
               <a:defRPr/>
             </a:lvl1pPr>
-            <a:lvl2pPr indent="-317500" lvl="1" marL="914400" algn="ctr">
+            <a:lvl2pPr marL="914400" lvl="1" indent="-317500" algn="ctr">
               <a:spcBef>
                 <a:spcPts val="0"/>
               </a:spcBef>
@@ -2786,7 +2890,7 @@
               <a:buChar char="○"/>
               <a:defRPr/>
             </a:lvl2pPr>
-            <a:lvl3pPr indent="-317500" lvl="2" marL="1371600" algn="ctr">
+            <a:lvl3pPr marL="1371600" lvl="2" indent="-317500" algn="ctr">
               <a:spcBef>
                 <a:spcPts val="0"/>
               </a:spcBef>
@@ -2797,7 +2901,7 @@
               <a:buChar char="■"/>
               <a:defRPr/>
             </a:lvl3pPr>
-            <a:lvl4pPr indent="-317500" lvl="3" marL="1828800" algn="ctr">
+            <a:lvl4pPr marL="1828800" lvl="3" indent="-317500" algn="ctr">
               <a:spcBef>
                 <a:spcPts val="0"/>
               </a:spcBef>
@@ -2808,7 +2912,7 @@
               <a:buChar char="●"/>
               <a:defRPr/>
             </a:lvl4pPr>
-            <a:lvl5pPr indent="-317500" lvl="4" marL="2286000" algn="ctr">
+            <a:lvl5pPr marL="2286000" lvl="4" indent="-317500" algn="ctr">
               <a:spcBef>
                 <a:spcPts val="0"/>
               </a:spcBef>
@@ -2819,7 +2923,7 @@
               <a:buChar char="○"/>
               <a:defRPr/>
             </a:lvl5pPr>
-            <a:lvl6pPr indent="-317500" lvl="5" marL="2743200" algn="ctr">
+            <a:lvl6pPr marL="2743200" lvl="5" indent="-317500" algn="ctr">
               <a:spcBef>
                 <a:spcPts val="0"/>
               </a:spcBef>
@@ -2830,7 +2934,7 @@
               <a:buChar char="■"/>
               <a:defRPr/>
             </a:lvl6pPr>
-            <a:lvl7pPr indent="-317500" lvl="6" marL="3200400" algn="ctr">
+            <a:lvl7pPr marL="3200400" lvl="6" indent="-317500" algn="ctr">
               <a:spcBef>
                 <a:spcPts val="0"/>
               </a:spcBef>
@@ -2841,7 +2945,7 @@
               <a:buChar char="●"/>
               <a:defRPr/>
             </a:lvl7pPr>
-            <a:lvl8pPr indent="-317500" lvl="7" marL="3657600" algn="ctr">
+            <a:lvl8pPr marL="3657600" lvl="7" indent="-317500" algn="ctr">
               <a:spcBef>
                 <a:spcPts val="0"/>
               </a:spcBef>
@@ -2852,7 +2956,7 @@
               <a:buChar char="○"/>
               <a:defRPr/>
             </a:lvl8pPr>
-            <a:lvl9pPr indent="-317500" lvl="8" marL="4114800" algn="ctr">
+            <a:lvl9pPr marL="4114800" lvl="8" indent="-317500" algn="ctr">
               <a:spcBef>
                 <a:spcPts val="0"/>
               </a:spcBef>
@@ -2864,15 +2968,19 @@
               <a:defRPr/>
             </a:lvl9pPr>
           </a:lstStyle>
-          <a:p/>
+          <a:p>
+            <a:endParaRPr/>
+          </a:p>
         </p:txBody>
       </p:sp>
       <p:sp>
         <p:nvSpPr>
           <p:cNvPr id="47" name="Google Shape;47;p11"/>
-          <p:cNvSpPr txBox="1"/>
+          <p:cNvSpPr txBox="1">
+            <a:spLocks noGrp="1"/>
+          </p:cNvSpPr>
           <p:nvPr>
-            <p:ph idx="12" type="sldNum"/>
+            <p:ph type="sldNum" idx="12"/>
           </p:nvPr>
         </p:nvSpPr>
         <p:spPr>
@@ -2885,7 +2993,7 @@
           </a:prstGeom>
         </p:spPr>
         <p:txBody>
-          <a:bodyPr anchorCtr="0" anchor="ctr" bIns="91425" lIns="91425" spcFirstLastPara="1" rIns="91425" wrap="square" tIns="91425">
+          <a:bodyPr spcFirstLastPara="1" wrap="square" lIns="91425" tIns="91425" rIns="91425" bIns="91425" anchor="ctr" anchorCtr="0">
             <a:normAutofit/>
           </a:bodyPr>
           <a:lstStyle>
@@ -2927,7 +3035,7 @@
             </a:lvl9pPr>
           </a:lstStyle>
           <a:p>
-            <a:pPr indent="0" lvl="0" marL="0" rtl="0" algn="r">
+            <a:pPr marL="0" lvl="0" indent="0" algn="r" rtl="0">
               <a:spcBef>
                 <a:spcPts val="0"/>
               </a:spcBef>
@@ -2953,11 +3061,11 @@
 </file>
 
 <file path=ppt/slideLayouts/slideLayout11.xml><?xml version="1.0" encoding="utf-8"?>
-<p:sldLayout xmlns:a="http://schemas.openxmlformats.org/drawingml/2006/main" xmlns:r="http://schemas.openxmlformats.org/officeDocument/2006/relationships" xmlns:mc="http://schemas.openxmlformats.org/markup-compatibility/2006" xmlns:mv="urn:schemas-microsoft-com:mac:vml" xmlns:p="http://schemas.openxmlformats.org/presentationml/2006/main" xmlns:c="http://schemas.openxmlformats.org/drawingml/2006/chart" xmlns:dgm="http://schemas.openxmlformats.org/drawingml/2006/diagram" xmlns:o="urn:schemas-microsoft-com:office:office" xmlns:v="urn:schemas-microsoft-com:vml" xmlns:pvml="urn:schemas-microsoft-com:office:powerpoint" xmlns:com="http://schemas.openxmlformats.org/drawingml/2006/compatibility" xmlns:p14="http://schemas.microsoft.com/office/powerpoint/2010/main" xmlns:p15="http://schemas.microsoft.com/office/powerpoint/2012/main" xmlns:ahyp="http://schemas.microsoft.com/office/drawing/2018/hyperlinkcolor" matchingName="Blank" type="blank">
+<p:sldLayout xmlns:a="http://schemas.openxmlformats.org/drawingml/2006/main" xmlns:r="http://schemas.openxmlformats.org/officeDocument/2006/relationships" xmlns:p="http://schemas.openxmlformats.org/presentationml/2006/main" matchingName="Blank" type="blank">
   <p:cSld name="BLANK">
     <p:spTree>
       <p:nvGrpSpPr>
-        <p:cNvPr id="48" name="Shape 48"/>
+        <p:cNvPr id="1" name="Shape 48"/>
         <p:cNvGrpSpPr/>
         <p:nvPr/>
       </p:nvGrpSpPr>
@@ -2972,9 +3080,11 @@
       <p:sp>
         <p:nvSpPr>
           <p:cNvPr id="49" name="Google Shape;49;p12"/>
-          <p:cNvSpPr txBox="1"/>
+          <p:cNvSpPr txBox="1">
+            <a:spLocks noGrp="1"/>
+          </p:cNvSpPr>
           <p:nvPr>
-            <p:ph idx="12" type="sldNum"/>
+            <p:ph type="sldNum" idx="12"/>
           </p:nvPr>
         </p:nvSpPr>
         <p:spPr>
@@ -2987,7 +3097,7 @@
           </a:prstGeom>
         </p:spPr>
         <p:txBody>
-          <a:bodyPr anchorCtr="0" anchor="ctr" bIns="91425" lIns="91425" spcFirstLastPara="1" rIns="91425" wrap="square" tIns="91425">
+          <a:bodyPr spcFirstLastPara="1" wrap="square" lIns="91425" tIns="91425" rIns="91425" bIns="91425" anchor="ctr" anchorCtr="0">
             <a:normAutofit/>
           </a:bodyPr>
           <a:lstStyle>
@@ -3029,7 +3139,7 @@
             </a:lvl9pPr>
           </a:lstStyle>
           <a:p>
-            <a:pPr indent="0" lvl="0" marL="0" rtl="0" algn="r">
+            <a:pPr marL="0" lvl="0" indent="0" algn="r" rtl="0">
               <a:spcBef>
                 <a:spcPts val="0"/>
               </a:spcBef>
@@ -3055,11 +3165,11 @@
 </file>
 
 <file path=ppt/slideLayouts/slideLayout2.xml><?xml version="1.0" encoding="utf-8"?>
-<p:sldLayout xmlns:a="http://schemas.openxmlformats.org/drawingml/2006/main" xmlns:r="http://schemas.openxmlformats.org/officeDocument/2006/relationships" xmlns:mc="http://schemas.openxmlformats.org/markup-compatibility/2006" xmlns:mv="urn:schemas-microsoft-com:mac:vml" xmlns:p="http://schemas.openxmlformats.org/presentationml/2006/main" xmlns:c="http://schemas.openxmlformats.org/drawingml/2006/chart" xmlns:dgm="http://schemas.openxmlformats.org/drawingml/2006/diagram" xmlns:o="urn:schemas-microsoft-com:office:office" xmlns:v="urn:schemas-microsoft-com:vml" xmlns:pvml="urn:schemas-microsoft-com:office:powerpoint" xmlns:com="http://schemas.openxmlformats.org/drawingml/2006/compatibility" xmlns:p14="http://schemas.microsoft.com/office/powerpoint/2010/main" xmlns:p15="http://schemas.microsoft.com/office/powerpoint/2012/main" xmlns:ahyp="http://schemas.microsoft.com/office/drawing/2018/hyperlinkcolor" matchingName="Section header" type="secHead">
+<p:sldLayout xmlns:a="http://schemas.openxmlformats.org/drawingml/2006/main" xmlns:r="http://schemas.openxmlformats.org/officeDocument/2006/relationships" xmlns:p="http://schemas.openxmlformats.org/presentationml/2006/main" matchingName="Section header" type="secHead">
   <p:cSld name="SECTION_HEADER">
     <p:spTree>
       <p:nvGrpSpPr>
-        <p:cNvPr id="13" name="Shape 13"/>
+        <p:cNvPr id="1" name="Shape 13"/>
         <p:cNvGrpSpPr/>
         <p:nvPr/>
       </p:nvGrpSpPr>
@@ -3074,7 +3184,9 @@
       <p:sp>
         <p:nvSpPr>
           <p:cNvPr id="14" name="Google Shape;14;p3"/>
-          <p:cNvSpPr txBox="1"/>
+          <p:cNvSpPr txBox="1">
+            <a:spLocks noGrp="1"/>
+          </p:cNvSpPr>
           <p:nvPr>
             <p:ph type="title"/>
           </p:nvPr>
@@ -3089,7 +3201,7 @@
           </a:prstGeom>
         </p:spPr>
         <p:txBody>
-          <a:bodyPr anchorCtr="0" anchor="ctr" bIns="91425" lIns="91425" spcFirstLastPara="1" rIns="91425" wrap="square" tIns="91425">
+          <a:bodyPr spcFirstLastPara="1" wrap="square" lIns="91425" tIns="91425" rIns="91425" bIns="91425" anchor="ctr" anchorCtr="0">
             <a:normAutofit/>
           </a:bodyPr>
           <a:lstStyle>
@@ -3193,15 +3305,19 @@
               <a:defRPr sz="3600"/>
             </a:lvl9pPr>
           </a:lstStyle>
-          <a:p/>
+          <a:p>
+            <a:endParaRPr/>
+          </a:p>
         </p:txBody>
       </p:sp>
       <p:sp>
         <p:nvSpPr>
           <p:cNvPr id="15" name="Google Shape;15;p3"/>
-          <p:cNvSpPr txBox="1"/>
+          <p:cNvSpPr txBox="1">
+            <a:spLocks noGrp="1"/>
+          </p:cNvSpPr>
           <p:nvPr>
-            <p:ph idx="12" type="sldNum"/>
+            <p:ph type="sldNum" idx="12"/>
           </p:nvPr>
         </p:nvSpPr>
         <p:spPr>
@@ -3214,7 +3330,7 @@
           </a:prstGeom>
         </p:spPr>
         <p:txBody>
-          <a:bodyPr anchorCtr="0" anchor="ctr" bIns="91425" lIns="91425" spcFirstLastPara="1" rIns="91425" wrap="square" tIns="91425">
+          <a:bodyPr spcFirstLastPara="1" wrap="square" lIns="91425" tIns="91425" rIns="91425" bIns="91425" anchor="ctr" anchorCtr="0">
             <a:normAutofit/>
           </a:bodyPr>
           <a:lstStyle>
@@ -3256,7 +3372,7 @@
             </a:lvl9pPr>
           </a:lstStyle>
           <a:p>
-            <a:pPr indent="0" lvl="0" marL="0" rtl="0" algn="r">
+            <a:pPr marL="0" lvl="0" indent="0" algn="r" rtl="0">
               <a:spcBef>
                 <a:spcPts val="0"/>
               </a:spcBef>
@@ -3282,11 +3398,11 @@
 </file>
 
 <file path=ppt/slideLayouts/slideLayout3.xml><?xml version="1.0" encoding="utf-8"?>
-<p:sldLayout xmlns:a="http://schemas.openxmlformats.org/drawingml/2006/main" xmlns:r="http://schemas.openxmlformats.org/officeDocument/2006/relationships" xmlns:mc="http://schemas.openxmlformats.org/markup-compatibility/2006" xmlns:mv="urn:schemas-microsoft-com:mac:vml" xmlns:p="http://schemas.openxmlformats.org/presentationml/2006/main" xmlns:c="http://schemas.openxmlformats.org/drawingml/2006/chart" xmlns:dgm="http://schemas.openxmlformats.org/drawingml/2006/diagram" xmlns:o="urn:schemas-microsoft-com:office:office" xmlns:v="urn:schemas-microsoft-com:vml" xmlns:pvml="urn:schemas-microsoft-com:office:powerpoint" xmlns:com="http://schemas.openxmlformats.org/drawingml/2006/compatibility" xmlns:p14="http://schemas.microsoft.com/office/powerpoint/2010/main" xmlns:p15="http://schemas.microsoft.com/office/powerpoint/2012/main" xmlns:ahyp="http://schemas.microsoft.com/office/drawing/2018/hyperlinkcolor" matchingName="Title and body" type="tx">
+<p:sldLayout xmlns:a="http://schemas.openxmlformats.org/drawingml/2006/main" xmlns:r="http://schemas.openxmlformats.org/officeDocument/2006/relationships" xmlns:p="http://schemas.openxmlformats.org/presentationml/2006/main" matchingName="Title and body" type="tx">
   <p:cSld name="TITLE_AND_BODY">
     <p:spTree>
       <p:nvGrpSpPr>
-        <p:cNvPr id="16" name="Shape 16"/>
+        <p:cNvPr id="1" name="Shape 16"/>
         <p:cNvGrpSpPr/>
         <p:nvPr/>
       </p:nvGrpSpPr>
@@ -3301,7 +3417,9 @@
       <p:sp>
         <p:nvSpPr>
           <p:cNvPr id="17" name="Google Shape;17;p4"/>
-          <p:cNvSpPr txBox="1"/>
+          <p:cNvSpPr txBox="1">
+            <a:spLocks noGrp="1"/>
+          </p:cNvSpPr>
           <p:nvPr>
             <p:ph type="title"/>
           </p:nvPr>
@@ -3316,7 +3434,7 @@
           </a:prstGeom>
         </p:spPr>
         <p:txBody>
-          <a:bodyPr anchorCtr="0" anchor="t" bIns="91425" lIns="91425" spcFirstLastPara="1" rIns="91425" wrap="square" tIns="91425">
+          <a:bodyPr spcFirstLastPara="1" wrap="square" lIns="91425" tIns="91425" rIns="91425" bIns="91425" anchor="t" anchorCtr="0">
             <a:normAutofit/>
           </a:bodyPr>
           <a:lstStyle>
@@ -3420,15 +3538,19 @@
               <a:defRPr/>
             </a:lvl9pPr>
           </a:lstStyle>
-          <a:p/>
+          <a:p>
+            <a:endParaRPr/>
+          </a:p>
         </p:txBody>
       </p:sp>
       <p:sp>
         <p:nvSpPr>
           <p:cNvPr id="18" name="Google Shape;18;p4"/>
-          <p:cNvSpPr txBox="1"/>
+          <p:cNvSpPr txBox="1">
+            <a:spLocks noGrp="1"/>
+          </p:cNvSpPr>
           <p:nvPr>
-            <p:ph idx="1" type="body"/>
+            <p:ph type="body" idx="1"/>
           </p:nvPr>
         </p:nvSpPr>
         <p:spPr>
@@ -3441,11 +3563,11 @@
           </a:prstGeom>
         </p:spPr>
         <p:txBody>
-          <a:bodyPr anchorCtr="0" anchor="t" bIns="91425" lIns="91425" spcFirstLastPara="1" rIns="91425" wrap="square" tIns="91425">
+          <a:bodyPr spcFirstLastPara="1" wrap="square" lIns="91425" tIns="91425" rIns="91425" bIns="91425" anchor="t" anchorCtr="0">
             <a:normAutofit/>
           </a:bodyPr>
           <a:lstStyle>
-            <a:lvl1pPr indent="-342900" lvl="0" marL="457200">
+            <a:lvl1pPr marL="457200" lvl="0" indent="-342900">
               <a:spcBef>
                 <a:spcPts val="0"/>
               </a:spcBef>
@@ -3456,7 +3578,7 @@
               <a:buChar char="●"/>
               <a:defRPr/>
             </a:lvl1pPr>
-            <a:lvl2pPr indent="-317500" lvl="1" marL="914400">
+            <a:lvl2pPr marL="914400" lvl="1" indent="-317500">
               <a:spcBef>
                 <a:spcPts val="0"/>
               </a:spcBef>
@@ -3467,7 +3589,7 @@
               <a:buChar char="○"/>
               <a:defRPr/>
             </a:lvl2pPr>
-            <a:lvl3pPr indent="-317500" lvl="2" marL="1371600">
+            <a:lvl3pPr marL="1371600" lvl="2" indent="-317500">
               <a:spcBef>
                 <a:spcPts val="0"/>
               </a:spcBef>
@@ -3478,7 +3600,7 @@
               <a:buChar char="■"/>
               <a:defRPr/>
             </a:lvl3pPr>
-            <a:lvl4pPr indent="-317500" lvl="3" marL="1828800">
+            <a:lvl4pPr marL="1828800" lvl="3" indent="-317500">
               <a:spcBef>
                 <a:spcPts val="0"/>
               </a:spcBef>
@@ -3489,7 +3611,7 @@
               <a:buChar char="●"/>
               <a:defRPr/>
             </a:lvl4pPr>
-            <a:lvl5pPr indent="-317500" lvl="4" marL="2286000">
+            <a:lvl5pPr marL="2286000" lvl="4" indent="-317500">
               <a:spcBef>
                 <a:spcPts val="0"/>
               </a:spcBef>
@@ -3500,7 +3622,7 @@
               <a:buChar char="○"/>
               <a:defRPr/>
             </a:lvl5pPr>
-            <a:lvl6pPr indent="-317500" lvl="5" marL="2743200">
+            <a:lvl6pPr marL="2743200" lvl="5" indent="-317500">
               <a:spcBef>
                 <a:spcPts val="0"/>
               </a:spcBef>
@@ -3511,7 +3633,7 @@
               <a:buChar char="■"/>
               <a:defRPr/>
             </a:lvl6pPr>
-            <a:lvl7pPr indent="-317500" lvl="6" marL="3200400">
+            <a:lvl7pPr marL="3200400" lvl="6" indent="-317500">
               <a:spcBef>
                 <a:spcPts val="0"/>
               </a:spcBef>
@@ -3522,7 +3644,7 @@
               <a:buChar char="●"/>
               <a:defRPr/>
             </a:lvl7pPr>
-            <a:lvl8pPr indent="-317500" lvl="7" marL="3657600">
+            <a:lvl8pPr marL="3657600" lvl="7" indent="-317500">
               <a:spcBef>
                 <a:spcPts val="0"/>
               </a:spcBef>
@@ -3533,7 +3655,7 @@
               <a:buChar char="○"/>
               <a:defRPr/>
             </a:lvl8pPr>
-            <a:lvl9pPr indent="-317500" lvl="8" marL="4114800">
+            <a:lvl9pPr marL="4114800" lvl="8" indent="-317500">
               <a:spcBef>
                 <a:spcPts val="0"/>
               </a:spcBef>
@@ -3545,15 +3667,19 @@
               <a:defRPr/>
             </a:lvl9pPr>
           </a:lstStyle>
-          <a:p/>
+          <a:p>
+            <a:endParaRPr/>
+          </a:p>
         </p:txBody>
       </p:sp>
       <p:sp>
         <p:nvSpPr>
           <p:cNvPr id="19" name="Google Shape;19;p4"/>
-          <p:cNvSpPr txBox="1"/>
+          <p:cNvSpPr txBox="1">
+            <a:spLocks noGrp="1"/>
+          </p:cNvSpPr>
           <p:nvPr>
-            <p:ph idx="12" type="sldNum"/>
+            <p:ph type="sldNum" idx="12"/>
           </p:nvPr>
         </p:nvSpPr>
         <p:spPr>
@@ -3566,7 +3692,7 @@
           </a:prstGeom>
         </p:spPr>
         <p:txBody>
-          <a:bodyPr anchorCtr="0" anchor="ctr" bIns="91425" lIns="91425" spcFirstLastPara="1" rIns="91425" wrap="square" tIns="91425">
+          <a:bodyPr spcFirstLastPara="1" wrap="square" lIns="91425" tIns="91425" rIns="91425" bIns="91425" anchor="ctr" anchorCtr="0">
             <a:normAutofit/>
           </a:bodyPr>
           <a:lstStyle>
@@ -3608,7 +3734,7 @@
             </a:lvl9pPr>
           </a:lstStyle>
           <a:p>
-            <a:pPr indent="0" lvl="0" marL="0" rtl="0" algn="r">
+            <a:pPr marL="0" lvl="0" indent="0" algn="r" rtl="0">
               <a:spcBef>
                 <a:spcPts val="0"/>
               </a:spcBef>
@@ -3634,11 +3760,11 @@
 </file>
 
 <file path=ppt/slideLayouts/slideLayout4.xml><?xml version="1.0" encoding="utf-8"?>
-<p:sldLayout xmlns:a="http://schemas.openxmlformats.org/drawingml/2006/main" xmlns:r="http://schemas.openxmlformats.org/officeDocument/2006/relationships" xmlns:mc="http://schemas.openxmlformats.org/markup-compatibility/2006" xmlns:mv="urn:schemas-microsoft-com:mac:vml" xmlns:p="http://schemas.openxmlformats.org/presentationml/2006/main" xmlns:c="http://schemas.openxmlformats.org/drawingml/2006/chart" xmlns:dgm="http://schemas.openxmlformats.org/drawingml/2006/diagram" xmlns:o="urn:schemas-microsoft-com:office:office" xmlns:v="urn:schemas-microsoft-com:vml" xmlns:pvml="urn:schemas-microsoft-com:office:powerpoint" xmlns:com="http://schemas.openxmlformats.org/drawingml/2006/compatibility" xmlns:p14="http://schemas.microsoft.com/office/powerpoint/2010/main" xmlns:p15="http://schemas.microsoft.com/office/powerpoint/2012/main" xmlns:ahyp="http://schemas.microsoft.com/office/drawing/2018/hyperlinkcolor" matchingName="Title and two columns" type="twoColTx">
+<p:sldLayout xmlns:a="http://schemas.openxmlformats.org/drawingml/2006/main" xmlns:r="http://schemas.openxmlformats.org/officeDocument/2006/relationships" xmlns:p="http://schemas.openxmlformats.org/presentationml/2006/main" matchingName="Title and two columns" type="twoColTx">
   <p:cSld name="TITLE_AND_TWO_COLUMNS">
     <p:spTree>
       <p:nvGrpSpPr>
-        <p:cNvPr id="20" name="Shape 20"/>
+        <p:cNvPr id="1" name="Shape 20"/>
         <p:cNvGrpSpPr/>
         <p:nvPr/>
       </p:nvGrpSpPr>
@@ -3653,7 +3779,9 @@
       <p:sp>
         <p:nvSpPr>
           <p:cNvPr id="21" name="Google Shape;21;p5"/>
-          <p:cNvSpPr txBox="1"/>
+          <p:cNvSpPr txBox="1">
+            <a:spLocks noGrp="1"/>
+          </p:cNvSpPr>
           <p:nvPr>
             <p:ph type="title"/>
           </p:nvPr>
@@ -3668,7 +3796,7 @@
           </a:prstGeom>
         </p:spPr>
         <p:txBody>
-          <a:bodyPr anchorCtr="0" anchor="t" bIns="91425" lIns="91425" spcFirstLastPara="1" rIns="91425" wrap="square" tIns="91425">
+          <a:bodyPr spcFirstLastPara="1" wrap="square" lIns="91425" tIns="91425" rIns="91425" bIns="91425" anchor="t" anchorCtr="0">
             <a:normAutofit/>
           </a:bodyPr>
           <a:lstStyle>
@@ -3772,15 +3900,19 @@
               <a:defRPr/>
             </a:lvl9pPr>
           </a:lstStyle>
-          <a:p/>
+          <a:p>
+            <a:endParaRPr/>
+          </a:p>
         </p:txBody>
       </p:sp>
       <p:sp>
         <p:nvSpPr>
           <p:cNvPr id="22" name="Google Shape;22;p5"/>
-          <p:cNvSpPr txBox="1"/>
+          <p:cNvSpPr txBox="1">
+            <a:spLocks noGrp="1"/>
+          </p:cNvSpPr>
           <p:nvPr>
-            <p:ph idx="1" type="body"/>
+            <p:ph type="body" idx="1"/>
           </p:nvPr>
         </p:nvSpPr>
         <p:spPr>
@@ -3793,11 +3925,11 @@
           </a:prstGeom>
         </p:spPr>
         <p:txBody>
-          <a:bodyPr anchorCtr="0" anchor="t" bIns="91425" lIns="91425" spcFirstLastPara="1" rIns="91425" wrap="square" tIns="91425">
+          <a:bodyPr spcFirstLastPara="1" wrap="square" lIns="91425" tIns="91425" rIns="91425" bIns="91425" anchor="t" anchorCtr="0">
             <a:normAutofit/>
           </a:bodyPr>
           <a:lstStyle>
-            <a:lvl1pPr indent="-317500" lvl="0" marL="457200">
+            <a:lvl1pPr marL="457200" lvl="0" indent="-317500">
               <a:spcBef>
                 <a:spcPts val="0"/>
               </a:spcBef>
@@ -3808,7 +3940,7 @@
               <a:buChar char="●"/>
               <a:defRPr sz="1400"/>
             </a:lvl1pPr>
-            <a:lvl2pPr indent="-304800" lvl="1" marL="914400">
+            <a:lvl2pPr marL="914400" lvl="1" indent="-304800">
               <a:spcBef>
                 <a:spcPts val="0"/>
               </a:spcBef>
@@ -3819,7 +3951,7 @@
               <a:buChar char="○"/>
               <a:defRPr sz="1200"/>
             </a:lvl2pPr>
-            <a:lvl3pPr indent="-304800" lvl="2" marL="1371600">
+            <a:lvl3pPr marL="1371600" lvl="2" indent="-304800">
               <a:spcBef>
                 <a:spcPts val="0"/>
               </a:spcBef>
@@ -3830,7 +3962,7 @@
               <a:buChar char="■"/>
               <a:defRPr sz="1200"/>
             </a:lvl3pPr>
-            <a:lvl4pPr indent="-304800" lvl="3" marL="1828800">
+            <a:lvl4pPr marL="1828800" lvl="3" indent="-304800">
               <a:spcBef>
                 <a:spcPts val="0"/>
               </a:spcBef>
@@ -3841,7 +3973,7 @@
               <a:buChar char="●"/>
               <a:defRPr sz="1200"/>
             </a:lvl4pPr>
-            <a:lvl5pPr indent="-304800" lvl="4" marL="2286000">
+            <a:lvl5pPr marL="2286000" lvl="4" indent="-304800">
               <a:spcBef>
                 <a:spcPts val="0"/>
               </a:spcBef>
@@ -3852,7 +3984,7 @@
               <a:buChar char="○"/>
               <a:defRPr sz="1200"/>
             </a:lvl5pPr>
-            <a:lvl6pPr indent="-304800" lvl="5" marL="2743200">
+            <a:lvl6pPr marL="2743200" lvl="5" indent="-304800">
               <a:spcBef>
                 <a:spcPts val="0"/>
               </a:spcBef>
@@ -3863,7 +3995,7 @@
               <a:buChar char="■"/>
               <a:defRPr sz="1200"/>
             </a:lvl6pPr>
-            <a:lvl7pPr indent="-304800" lvl="6" marL="3200400">
+            <a:lvl7pPr marL="3200400" lvl="6" indent="-304800">
               <a:spcBef>
                 <a:spcPts val="0"/>
               </a:spcBef>
@@ -3874,7 +4006,7 @@
               <a:buChar char="●"/>
               <a:defRPr sz="1200"/>
             </a:lvl7pPr>
-            <a:lvl8pPr indent="-304800" lvl="7" marL="3657600">
+            <a:lvl8pPr marL="3657600" lvl="7" indent="-304800">
               <a:spcBef>
                 <a:spcPts val="0"/>
               </a:spcBef>
@@ -3885,7 +4017,7 @@
               <a:buChar char="○"/>
               <a:defRPr sz="1200"/>
             </a:lvl8pPr>
-            <a:lvl9pPr indent="-304800" lvl="8" marL="4114800">
+            <a:lvl9pPr marL="4114800" lvl="8" indent="-304800">
               <a:spcBef>
                 <a:spcPts val="0"/>
               </a:spcBef>
@@ -3897,15 +4029,19 @@
               <a:defRPr sz="1200"/>
             </a:lvl9pPr>
           </a:lstStyle>
-          <a:p/>
+          <a:p>
+            <a:endParaRPr/>
+          </a:p>
         </p:txBody>
       </p:sp>
       <p:sp>
         <p:nvSpPr>
           <p:cNvPr id="23" name="Google Shape;23;p5"/>
-          <p:cNvSpPr txBox="1"/>
+          <p:cNvSpPr txBox="1">
+            <a:spLocks noGrp="1"/>
+          </p:cNvSpPr>
           <p:nvPr>
-            <p:ph idx="2" type="body"/>
+            <p:ph type="body" idx="2"/>
           </p:nvPr>
         </p:nvSpPr>
         <p:spPr>
@@ -3918,11 +4054,11 @@
           </a:prstGeom>
         </p:spPr>
         <p:txBody>
-          <a:bodyPr anchorCtr="0" anchor="t" bIns="91425" lIns="91425" spcFirstLastPara="1" rIns="91425" wrap="square" tIns="91425">
+          <a:bodyPr spcFirstLastPara="1" wrap="square" lIns="91425" tIns="91425" rIns="91425" bIns="91425" anchor="t" anchorCtr="0">
             <a:normAutofit/>
           </a:bodyPr>
           <a:lstStyle>
-            <a:lvl1pPr indent="-317500" lvl="0" marL="457200">
+            <a:lvl1pPr marL="457200" lvl="0" indent="-317500">
               <a:spcBef>
                 <a:spcPts val="0"/>
               </a:spcBef>
@@ -3933,7 +4069,7 @@
               <a:buChar char="●"/>
               <a:defRPr sz="1400"/>
             </a:lvl1pPr>
-            <a:lvl2pPr indent="-304800" lvl="1" marL="914400">
+            <a:lvl2pPr marL="914400" lvl="1" indent="-304800">
               <a:spcBef>
                 <a:spcPts val="0"/>
               </a:spcBef>
@@ -3944,7 +4080,7 @@
               <a:buChar char="○"/>
               <a:defRPr sz="1200"/>
             </a:lvl2pPr>
-            <a:lvl3pPr indent="-304800" lvl="2" marL="1371600">
+            <a:lvl3pPr marL="1371600" lvl="2" indent="-304800">
               <a:spcBef>
                 <a:spcPts val="0"/>
               </a:spcBef>
@@ -3955,7 +4091,7 @@
               <a:buChar char="■"/>
               <a:defRPr sz="1200"/>
             </a:lvl3pPr>
-            <a:lvl4pPr indent="-304800" lvl="3" marL="1828800">
+            <a:lvl4pPr marL="1828800" lvl="3" indent="-304800">
               <a:spcBef>
                 <a:spcPts val="0"/>
               </a:spcBef>
@@ -3966,7 +4102,7 @@
               <a:buChar char="●"/>
               <a:defRPr sz="1200"/>
             </a:lvl4pPr>
-            <a:lvl5pPr indent="-304800" lvl="4" marL="2286000">
+            <a:lvl5pPr marL="2286000" lvl="4" indent="-304800">
               <a:spcBef>
                 <a:spcPts val="0"/>
               </a:spcBef>
@@ -3977,7 +4113,7 @@
               <a:buChar char="○"/>
               <a:defRPr sz="1200"/>
             </a:lvl5pPr>
-            <a:lvl6pPr indent="-304800" lvl="5" marL="2743200">
+            <a:lvl6pPr marL="2743200" lvl="5" indent="-304800">
               <a:spcBef>
                 <a:spcPts val="0"/>
               </a:spcBef>
@@ -3988,7 +4124,7 @@
               <a:buChar char="■"/>
               <a:defRPr sz="1200"/>
             </a:lvl6pPr>
-            <a:lvl7pPr indent="-304800" lvl="6" marL="3200400">
+            <a:lvl7pPr marL="3200400" lvl="6" indent="-304800">
               <a:spcBef>
                 <a:spcPts val="0"/>
               </a:spcBef>
@@ -3999,7 +4135,7 @@
               <a:buChar char="●"/>
               <a:defRPr sz="1200"/>
             </a:lvl7pPr>
-            <a:lvl8pPr indent="-304800" lvl="7" marL="3657600">
+            <a:lvl8pPr marL="3657600" lvl="7" indent="-304800">
               <a:spcBef>
                 <a:spcPts val="0"/>
               </a:spcBef>
@@ -4010,7 +4146,7 @@
               <a:buChar char="○"/>
               <a:defRPr sz="1200"/>
             </a:lvl8pPr>
-            <a:lvl9pPr indent="-304800" lvl="8" marL="4114800">
+            <a:lvl9pPr marL="4114800" lvl="8" indent="-304800">
               <a:spcBef>
                 <a:spcPts val="0"/>
               </a:spcBef>
@@ -4022,15 +4158,19 @@
               <a:defRPr sz="1200"/>
             </a:lvl9pPr>
           </a:lstStyle>
-          <a:p/>
+          <a:p>
+            <a:endParaRPr/>
+          </a:p>
         </p:txBody>
       </p:sp>
       <p:sp>
         <p:nvSpPr>
           <p:cNvPr id="24" name="Google Shape;24;p5"/>
-          <p:cNvSpPr txBox="1"/>
+          <p:cNvSpPr txBox="1">
+            <a:spLocks noGrp="1"/>
+          </p:cNvSpPr>
           <p:nvPr>
-            <p:ph idx="12" type="sldNum"/>
+            <p:ph type="sldNum" idx="12"/>
           </p:nvPr>
         </p:nvSpPr>
         <p:spPr>
@@ -4043,7 +4183,7 @@
           </a:prstGeom>
         </p:spPr>
         <p:txBody>
-          <a:bodyPr anchorCtr="0" anchor="ctr" bIns="91425" lIns="91425" spcFirstLastPara="1" rIns="91425" wrap="square" tIns="91425">
+          <a:bodyPr spcFirstLastPara="1" wrap="square" lIns="91425" tIns="91425" rIns="91425" bIns="91425" anchor="ctr" anchorCtr="0">
             <a:normAutofit/>
           </a:bodyPr>
           <a:lstStyle>
@@ -4085,7 +4225,7 @@
             </a:lvl9pPr>
           </a:lstStyle>
           <a:p>
-            <a:pPr indent="0" lvl="0" marL="0" rtl="0" algn="r">
+            <a:pPr marL="0" lvl="0" indent="0" algn="r" rtl="0">
               <a:spcBef>
                 <a:spcPts val="0"/>
               </a:spcBef>
@@ -4111,11 +4251,11 @@
 </file>
 
 <file path=ppt/slideLayouts/slideLayout5.xml><?xml version="1.0" encoding="utf-8"?>
-<p:sldLayout xmlns:a="http://schemas.openxmlformats.org/drawingml/2006/main" xmlns:r="http://schemas.openxmlformats.org/officeDocument/2006/relationships" xmlns:mc="http://schemas.openxmlformats.org/markup-compatibility/2006" xmlns:mv="urn:schemas-microsoft-com:mac:vml" xmlns:p="http://schemas.openxmlformats.org/presentationml/2006/main" xmlns:c="http://schemas.openxmlformats.org/drawingml/2006/chart" xmlns:dgm="http://schemas.openxmlformats.org/drawingml/2006/diagram" xmlns:o="urn:schemas-microsoft-com:office:office" xmlns:v="urn:schemas-microsoft-com:vml" xmlns:pvml="urn:schemas-microsoft-com:office:powerpoint" xmlns:com="http://schemas.openxmlformats.org/drawingml/2006/compatibility" xmlns:p14="http://schemas.microsoft.com/office/powerpoint/2010/main" xmlns:p15="http://schemas.microsoft.com/office/powerpoint/2012/main" xmlns:ahyp="http://schemas.microsoft.com/office/drawing/2018/hyperlinkcolor" matchingName="Title only" type="titleOnly">
+<p:sldLayout xmlns:a="http://schemas.openxmlformats.org/drawingml/2006/main" xmlns:r="http://schemas.openxmlformats.org/officeDocument/2006/relationships" xmlns:p="http://schemas.openxmlformats.org/presentationml/2006/main" matchingName="Title only" type="titleOnly">
   <p:cSld name="TITLE_ONLY">
     <p:spTree>
       <p:nvGrpSpPr>
-        <p:cNvPr id="25" name="Shape 25"/>
+        <p:cNvPr id="1" name="Shape 25"/>
         <p:cNvGrpSpPr/>
         <p:nvPr/>
       </p:nvGrpSpPr>
@@ -4130,7 +4270,9 @@
       <p:sp>
         <p:nvSpPr>
           <p:cNvPr id="26" name="Google Shape;26;p6"/>
-          <p:cNvSpPr txBox="1"/>
+          <p:cNvSpPr txBox="1">
+            <a:spLocks noGrp="1"/>
+          </p:cNvSpPr>
           <p:nvPr>
             <p:ph type="title"/>
           </p:nvPr>
@@ -4145,7 +4287,7 @@
           </a:prstGeom>
         </p:spPr>
         <p:txBody>
-          <a:bodyPr anchorCtr="0" anchor="t" bIns="91425" lIns="91425" spcFirstLastPara="1" rIns="91425" wrap="square" tIns="91425">
+          <a:bodyPr spcFirstLastPara="1" wrap="square" lIns="91425" tIns="91425" rIns="91425" bIns="91425" anchor="t" anchorCtr="0">
             <a:normAutofit/>
           </a:bodyPr>
           <a:lstStyle>
@@ -4249,15 +4391,19 @@
               <a:defRPr/>
             </a:lvl9pPr>
           </a:lstStyle>
-          <a:p/>
+          <a:p>
+            <a:endParaRPr/>
+          </a:p>
         </p:txBody>
       </p:sp>
       <p:sp>
         <p:nvSpPr>
           <p:cNvPr id="27" name="Google Shape;27;p6"/>
-          <p:cNvSpPr txBox="1"/>
+          <p:cNvSpPr txBox="1">
+            <a:spLocks noGrp="1"/>
+          </p:cNvSpPr>
           <p:nvPr>
-            <p:ph idx="12" type="sldNum"/>
+            <p:ph type="sldNum" idx="12"/>
           </p:nvPr>
         </p:nvSpPr>
         <p:spPr>
@@ -4270,7 +4416,7 @@
           </a:prstGeom>
         </p:spPr>
         <p:txBody>
-          <a:bodyPr anchorCtr="0" anchor="ctr" bIns="91425" lIns="91425" spcFirstLastPara="1" rIns="91425" wrap="square" tIns="91425">
+          <a:bodyPr spcFirstLastPara="1" wrap="square" lIns="91425" tIns="91425" rIns="91425" bIns="91425" anchor="ctr" anchorCtr="0">
             <a:normAutofit/>
           </a:bodyPr>
           <a:lstStyle>
@@ -4312,7 +4458,7 @@
             </a:lvl9pPr>
           </a:lstStyle>
           <a:p>
-            <a:pPr indent="0" lvl="0" marL="0" rtl="0" algn="r">
+            <a:pPr marL="0" lvl="0" indent="0" algn="r" rtl="0">
               <a:spcBef>
                 <a:spcPts val="0"/>
               </a:spcBef>
@@ -4338,11 +4484,11 @@
 </file>
 
 <file path=ppt/slideLayouts/slideLayout6.xml><?xml version="1.0" encoding="utf-8"?>
-<p:sldLayout xmlns:a="http://schemas.openxmlformats.org/drawingml/2006/main" xmlns:r="http://schemas.openxmlformats.org/officeDocument/2006/relationships" xmlns:mc="http://schemas.openxmlformats.org/markup-compatibility/2006" xmlns:mv="urn:schemas-microsoft-com:mac:vml" xmlns:p="http://schemas.openxmlformats.org/presentationml/2006/main" xmlns:c="http://schemas.openxmlformats.org/drawingml/2006/chart" xmlns:dgm="http://schemas.openxmlformats.org/drawingml/2006/diagram" xmlns:o="urn:schemas-microsoft-com:office:office" xmlns:v="urn:schemas-microsoft-com:vml" xmlns:pvml="urn:schemas-microsoft-com:office:powerpoint" xmlns:com="http://schemas.openxmlformats.org/drawingml/2006/compatibility" xmlns:p14="http://schemas.microsoft.com/office/powerpoint/2010/main" xmlns:p15="http://schemas.microsoft.com/office/powerpoint/2012/main" xmlns:ahyp="http://schemas.microsoft.com/office/drawing/2018/hyperlinkcolor" matchingName="One column text">
+<p:sldLayout xmlns:a="http://schemas.openxmlformats.org/drawingml/2006/main" xmlns:r="http://schemas.openxmlformats.org/officeDocument/2006/relationships" xmlns:p="http://schemas.openxmlformats.org/presentationml/2006/main" matchingName="One column text">
   <p:cSld name="ONE_COLUMN_TEXT">
     <p:spTree>
       <p:nvGrpSpPr>
-        <p:cNvPr id="28" name="Shape 28"/>
+        <p:cNvPr id="1" name="Shape 28"/>
         <p:cNvGrpSpPr/>
         <p:nvPr/>
       </p:nvGrpSpPr>
@@ -4357,7 +4503,9 @@
       <p:sp>
         <p:nvSpPr>
           <p:cNvPr id="29" name="Google Shape;29;p7"/>
-          <p:cNvSpPr txBox="1"/>
+          <p:cNvSpPr txBox="1">
+            <a:spLocks noGrp="1"/>
+          </p:cNvSpPr>
           <p:nvPr>
             <p:ph type="title"/>
           </p:nvPr>
@@ -4372,7 +4520,7 @@
           </a:prstGeom>
         </p:spPr>
         <p:txBody>
-          <a:bodyPr anchorCtr="0" anchor="b" bIns="91425" lIns="91425" spcFirstLastPara="1" rIns="91425" wrap="square" tIns="91425">
+          <a:bodyPr spcFirstLastPara="1" wrap="square" lIns="91425" tIns="91425" rIns="91425" bIns="91425" anchor="b" anchorCtr="0">
             <a:normAutofit/>
           </a:bodyPr>
           <a:lstStyle>
@@ -4476,15 +4624,19 @@
               <a:defRPr sz="2400"/>
             </a:lvl9pPr>
           </a:lstStyle>
-          <a:p/>
+          <a:p>
+            <a:endParaRPr/>
+          </a:p>
         </p:txBody>
       </p:sp>
       <p:sp>
         <p:nvSpPr>
           <p:cNvPr id="30" name="Google Shape;30;p7"/>
-          <p:cNvSpPr txBox="1"/>
+          <p:cNvSpPr txBox="1">
+            <a:spLocks noGrp="1"/>
+          </p:cNvSpPr>
           <p:nvPr>
-            <p:ph idx="1" type="body"/>
+            <p:ph type="body" idx="1"/>
           </p:nvPr>
         </p:nvSpPr>
         <p:spPr>
@@ -4497,11 +4649,11 @@
           </a:prstGeom>
         </p:spPr>
         <p:txBody>
-          <a:bodyPr anchorCtr="0" anchor="t" bIns="91425" lIns="91425" spcFirstLastPara="1" rIns="91425" wrap="square" tIns="91425">
+          <a:bodyPr spcFirstLastPara="1" wrap="square" lIns="91425" tIns="91425" rIns="91425" bIns="91425" anchor="t" anchorCtr="0">
             <a:normAutofit/>
           </a:bodyPr>
           <a:lstStyle>
-            <a:lvl1pPr indent="-304800" lvl="0" marL="457200">
+            <a:lvl1pPr marL="457200" lvl="0" indent="-304800">
               <a:spcBef>
                 <a:spcPts val="0"/>
               </a:spcBef>
@@ -4512,7 +4664,7 @@
               <a:buChar char="●"/>
               <a:defRPr sz="1200"/>
             </a:lvl1pPr>
-            <a:lvl2pPr indent="-304800" lvl="1" marL="914400">
+            <a:lvl2pPr marL="914400" lvl="1" indent="-304800">
               <a:spcBef>
                 <a:spcPts val="0"/>
               </a:spcBef>
@@ -4523,7 +4675,7 @@
               <a:buChar char="○"/>
               <a:defRPr sz="1200"/>
             </a:lvl2pPr>
-            <a:lvl3pPr indent="-304800" lvl="2" marL="1371600">
+            <a:lvl3pPr marL="1371600" lvl="2" indent="-304800">
               <a:spcBef>
                 <a:spcPts val="0"/>
               </a:spcBef>
@@ -4534,7 +4686,7 @@
               <a:buChar char="■"/>
               <a:defRPr sz="1200"/>
             </a:lvl3pPr>
-            <a:lvl4pPr indent="-304800" lvl="3" marL="1828800">
+            <a:lvl4pPr marL="1828800" lvl="3" indent="-304800">
               <a:spcBef>
                 <a:spcPts val="0"/>
               </a:spcBef>
@@ -4545,7 +4697,7 @@
               <a:buChar char="●"/>
               <a:defRPr sz="1200"/>
             </a:lvl4pPr>
-            <a:lvl5pPr indent="-304800" lvl="4" marL="2286000">
+            <a:lvl5pPr marL="2286000" lvl="4" indent="-304800">
               <a:spcBef>
                 <a:spcPts val="0"/>
               </a:spcBef>
@@ -4556,7 +4708,7 @@
               <a:buChar char="○"/>
               <a:defRPr sz="1200"/>
             </a:lvl5pPr>
-            <a:lvl6pPr indent="-304800" lvl="5" marL="2743200">
+            <a:lvl6pPr marL="2743200" lvl="5" indent="-304800">
               <a:spcBef>
                 <a:spcPts val="0"/>
               </a:spcBef>
@@ -4567,7 +4719,7 @@
               <a:buChar char="■"/>
               <a:defRPr sz="1200"/>
             </a:lvl6pPr>
-            <a:lvl7pPr indent="-304800" lvl="6" marL="3200400">
+            <a:lvl7pPr marL="3200400" lvl="6" indent="-304800">
               <a:spcBef>
                 <a:spcPts val="0"/>
               </a:spcBef>
@@ -4578,7 +4730,7 @@
               <a:buChar char="●"/>
               <a:defRPr sz="1200"/>
             </a:lvl7pPr>
-            <a:lvl8pPr indent="-304800" lvl="7" marL="3657600">
+            <a:lvl8pPr marL="3657600" lvl="7" indent="-304800">
               <a:spcBef>
                 <a:spcPts val="0"/>
               </a:spcBef>
@@ -4589,7 +4741,7 @@
               <a:buChar char="○"/>
               <a:defRPr sz="1200"/>
             </a:lvl8pPr>
-            <a:lvl9pPr indent="-304800" lvl="8" marL="4114800">
+            <a:lvl9pPr marL="4114800" lvl="8" indent="-304800">
               <a:spcBef>
                 <a:spcPts val="0"/>
               </a:spcBef>
@@ -4601,15 +4753,19 @@
               <a:defRPr sz="1200"/>
             </a:lvl9pPr>
           </a:lstStyle>
-          <a:p/>
+          <a:p>
+            <a:endParaRPr/>
+          </a:p>
         </p:txBody>
       </p:sp>
       <p:sp>
         <p:nvSpPr>
           <p:cNvPr id="31" name="Google Shape;31;p7"/>
-          <p:cNvSpPr txBox="1"/>
+          <p:cNvSpPr txBox="1">
+            <a:spLocks noGrp="1"/>
+          </p:cNvSpPr>
           <p:nvPr>
-            <p:ph idx="12" type="sldNum"/>
+            <p:ph type="sldNum" idx="12"/>
           </p:nvPr>
         </p:nvSpPr>
         <p:spPr>
@@ -4622,7 +4778,7 @@
           </a:prstGeom>
         </p:spPr>
         <p:txBody>
-          <a:bodyPr anchorCtr="0" anchor="ctr" bIns="91425" lIns="91425" spcFirstLastPara="1" rIns="91425" wrap="square" tIns="91425">
+          <a:bodyPr spcFirstLastPara="1" wrap="square" lIns="91425" tIns="91425" rIns="91425" bIns="91425" anchor="ctr" anchorCtr="0">
             <a:normAutofit/>
           </a:bodyPr>
           <a:lstStyle>
@@ -4664,7 +4820,7 @@
             </a:lvl9pPr>
           </a:lstStyle>
           <a:p>
-            <a:pPr indent="0" lvl="0" marL="0" rtl="0" algn="r">
+            <a:pPr marL="0" lvl="0" indent="0" algn="r" rtl="0">
               <a:spcBef>
                 <a:spcPts val="0"/>
               </a:spcBef>
@@ -4690,11 +4846,11 @@
 </file>
 
 <file path=ppt/slideLayouts/slideLayout7.xml><?xml version="1.0" encoding="utf-8"?>
-<p:sldLayout xmlns:a="http://schemas.openxmlformats.org/drawingml/2006/main" xmlns:r="http://schemas.openxmlformats.org/officeDocument/2006/relationships" xmlns:mc="http://schemas.openxmlformats.org/markup-compatibility/2006" xmlns:mv="urn:schemas-microsoft-com:mac:vml" xmlns:p="http://schemas.openxmlformats.org/presentationml/2006/main" xmlns:c="http://schemas.openxmlformats.org/drawingml/2006/chart" xmlns:dgm="http://schemas.openxmlformats.org/drawingml/2006/diagram" xmlns:o="urn:schemas-microsoft-com:office:office" xmlns:v="urn:schemas-microsoft-com:vml" xmlns:pvml="urn:schemas-microsoft-com:office:powerpoint" xmlns:com="http://schemas.openxmlformats.org/drawingml/2006/compatibility" xmlns:p14="http://schemas.microsoft.com/office/powerpoint/2010/main" xmlns:p15="http://schemas.microsoft.com/office/powerpoint/2012/main" xmlns:ahyp="http://schemas.microsoft.com/office/drawing/2018/hyperlinkcolor" matchingName="Main point">
+<p:sldLayout xmlns:a="http://schemas.openxmlformats.org/drawingml/2006/main" xmlns:r="http://schemas.openxmlformats.org/officeDocument/2006/relationships" xmlns:p="http://schemas.openxmlformats.org/presentationml/2006/main" matchingName="Main point">
   <p:cSld name="MAIN_POINT">
     <p:spTree>
       <p:nvGrpSpPr>
-        <p:cNvPr id="32" name="Shape 32"/>
+        <p:cNvPr id="1" name="Shape 32"/>
         <p:cNvGrpSpPr/>
         <p:nvPr/>
       </p:nvGrpSpPr>
@@ -4709,7 +4865,9 @@
       <p:sp>
         <p:nvSpPr>
           <p:cNvPr id="33" name="Google Shape;33;p8"/>
-          <p:cNvSpPr txBox="1"/>
+          <p:cNvSpPr txBox="1">
+            <a:spLocks noGrp="1"/>
+          </p:cNvSpPr>
           <p:nvPr>
             <p:ph type="title"/>
           </p:nvPr>
@@ -4724,7 +4882,7 @@
           </a:prstGeom>
         </p:spPr>
         <p:txBody>
-          <a:bodyPr anchorCtr="0" anchor="ctr" bIns="91425" lIns="91425" spcFirstLastPara="1" rIns="91425" wrap="square" tIns="91425">
+          <a:bodyPr spcFirstLastPara="1" wrap="square" lIns="91425" tIns="91425" rIns="91425" bIns="91425" anchor="ctr" anchorCtr="0">
             <a:normAutofit/>
           </a:bodyPr>
           <a:lstStyle>
@@ -4828,15 +4986,19 @@
               <a:defRPr sz="4800"/>
             </a:lvl9pPr>
           </a:lstStyle>
-          <a:p/>
+          <a:p>
+            <a:endParaRPr/>
+          </a:p>
         </p:txBody>
       </p:sp>
       <p:sp>
         <p:nvSpPr>
           <p:cNvPr id="34" name="Google Shape;34;p8"/>
-          <p:cNvSpPr txBox="1"/>
+          <p:cNvSpPr txBox="1">
+            <a:spLocks noGrp="1"/>
+          </p:cNvSpPr>
           <p:nvPr>
-            <p:ph idx="12" type="sldNum"/>
+            <p:ph type="sldNum" idx="12"/>
           </p:nvPr>
         </p:nvSpPr>
         <p:spPr>
@@ -4849,7 +5011,7 @@
           </a:prstGeom>
         </p:spPr>
         <p:txBody>
-          <a:bodyPr anchorCtr="0" anchor="ctr" bIns="91425" lIns="91425" spcFirstLastPara="1" rIns="91425" wrap="square" tIns="91425">
+          <a:bodyPr spcFirstLastPara="1" wrap="square" lIns="91425" tIns="91425" rIns="91425" bIns="91425" anchor="ctr" anchorCtr="0">
             <a:normAutofit/>
           </a:bodyPr>
           <a:lstStyle>
@@ -4891,7 +5053,7 @@
             </a:lvl9pPr>
           </a:lstStyle>
           <a:p>
-            <a:pPr indent="0" lvl="0" marL="0" rtl="0" algn="r">
+            <a:pPr marL="0" lvl="0" indent="0" algn="r" rtl="0">
               <a:spcBef>
                 <a:spcPts val="0"/>
               </a:spcBef>
@@ -4917,11 +5079,11 @@
 </file>
 
 <file path=ppt/slideLayouts/slideLayout8.xml><?xml version="1.0" encoding="utf-8"?>
-<p:sldLayout xmlns:a="http://schemas.openxmlformats.org/drawingml/2006/main" xmlns:r="http://schemas.openxmlformats.org/officeDocument/2006/relationships" xmlns:mc="http://schemas.openxmlformats.org/markup-compatibility/2006" xmlns:mv="urn:schemas-microsoft-com:mac:vml" xmlns:p="http://schemas.openxmlformats.org/presentationml/2006/main" xmlns:c="http://schemas.openxmlformats.org/drawingml/2006/chart" xmlns:dgm="http://schemas.openxmlformats.org/drawingml/2006/diagram" xmlns:o="urn:schemas-microsoft-com:office:office" xmlns:v="urn:schemas-microsoft-com:vml" xmlns:pvml="urn:schemas-microsoft-com:office:powerpoint" xmlns:com="http://schemas.openxmlformats.org/drawingml/2006/compatibility" xmlns:p14="http://schemas.microsoft.com/office/powerpoint/2010/main" xmlns:p15="http://schemas.microsoft.com/office/powerpoint/2012/main" xmlns:ahyp="http://schemas.microsoft.com/office/drawing/2018/hyperlinkcolor" matchingName="Section title and description">
+<p:sldLayout xmlns:a="http://schemas.openxmlformats.org/drawingml/2006/main" xmlns:r="http://schemas.openxmlformats.org/officeDocument/2006/relationships" xmlns:p="http://schemas.openxmlformats.org/presentationml/2006/main" matchingName="Section title and description">
   <p:cSld name="SECTION_TITLE_AND_DESCRIPTION">
     <p:spTree>
       <p:nvGrpSpPr>
-        <p:cNvPr id="35" name="Shape 35"/>
+        <p:cNvPr id="1" name="Shape 35"/>
         <p:cNvGrpSpPr/>
         <p:nvPr/>
       </p:nvGrpSpPr>
@@ -4955,12 +5117,12 @@
           </a:ln>
         </p:spPr>
         <p:txBody>
-          <a:bodyPr anchorCtr="0" anchor="ctr" bIns="91425" lIns="91425" spcFirstLastPara="1" rIns="91425" wrap="square" tIns="91425">
+          <a:bodyPr spcFirstLastPara="1" wrap="square" lIns="91425" tIns="91425" rIns="91425" bIns="91425" anchor="ctr" anchorCtr="0">
             <a:noAutofit/>
           </a:bodyPr>
           <a:lstStyle/>
           <a:p>
-            <a:pPr indent="0" lvl="0" marL="0" rtl="0" algn="l">
+            <a:pPr marL="0" lvl="0" indent="0" algn="l" rtl="0">
               <a:spcBef>
                 <a:spcPts val="0"/>
               </a:spcBef>
@@ -4969,9 +5131,6 @@
               </a:spcAft>
               <a:buNone/>
             </a:pPr>
-            <a:r>
-              <a:t/>
-            </a:r>
             <a:endParaRPr/>
           </a:p>
         </p:txBody>
@@ -4979,7 +5138,9 @@
       <p:sp>
         <p:nvSpPr>
           <p:cNvPr id="37" name="Google Shape;37;p9"/>
-          <p:cNvSpPr txBox="1"/>
+          <p:cNvSpPr txBox="1">
+            <a:spLocks noGrp="1"/>
+          </p:cNvSpPr>
           <p:nvPr>
             <p:ph type="title"/>
           </p:nvPr>
@@ -4994,7 +5155,7 @@
           </a:prstGeom>
         </p:spPr>
         <p:txBody>
-          <a:bodyPr anchorCtr="0" anchor="b" bIns="91425" lIns="91425" spcFirstLastPara="1" rIns="91425" wrap="square" tIns="91425">
+          <a:bodyPr spcFirstLastPara="1" wrap="square" lIns="91425" tIns="91425" rIns="91425" bIns="91425" anchor="b" anchorCtr="0">
             <a:normAutofit/>
           </a:bodyPr>
           <a:lstStyle>
@@ -5098,15 +5259,19 @@
               <a:defRPr sz="4200"/>
             </a:lvl9pPr>
           </a:lstStyle>
-          <a:p/>
+          <a:p>
+            <a:endParaRPr/>
+          </a:p>
         </p:txBody>
       </p:sp>
       <p:sp>
         <p:nvSpPr>
           <p:cNvPr id="38" name="Google Shape;38;p9"/>
-          <p:cNvSpPr txBox="1"/>
+          <p:cNvSpPr txBox="1">
+            <a:spLocks noGrp="1"/>
+          </p:cNvSpPr>
           <p:nvPr>
-            <p:ph idx="1" type="subTitle"/>
+            <p:ph type="subTitle" idx="1"/>
           </p:nvPr>
         </p:nvSpPr>
         <p:spPr>
@@ -5119,7 +5284,7 @@
           </a:prstGeom>
         </p:spPr>
         <p:txBody>
-          <a:bodyPr anchorCtr="0" anchor="t" bIns="91425" lIns="91425" spcFirstLastPara="1" rIns="91425" wrap="square" tIns="91425">
+          <a:bodyPr spcFirstLastPara="1" wrap="square" lIns="91425" tIns="91425" rIns="91425" bIns="91425" anchor="t" anchorCtr="0">
             <a:normAutofit/>
           </a:bodyPr>
           <a:lstStyle>
@@ -5250,15 +5415,19 @@
               <a:defRPr sz="2100"/>
             </a:lvl9pPr>
           </a:lstStyle>
-          <a:p/>
+          <a:p>
+            <a:endParaRPr/>
+          </a:p>
         </p:txBody>
       </p:sp>
       <p:sp>
         <p:nvSpPr>
           <p:cNvPr id="39" name="Google Shape;39;p9"/>
-          <p:cNvSpPr txBox="1"/>
+          <p:cNvSpPr txBox="1">
+            <a:spLocks noGrp="1"/>
+          </p:cNvSpPr>
           <p:nvPr>
-            <p:ph idx="2" type="body"/>
+            <p:ph type="body" idx="2"/>
           </p:nvPr>
         </p:nvSpPr>
         <p:spPr>
@@ -5271,11 +5440,11 @@
           </a:prstGeom>
         </p:spPr>
         <p:txBody>
-          <a:bodyPr anchorCtr="0" anchor="ctr" bIns="91425" lIns="91425" spcFirstLastPara="1" rIns="91425" wrap="square" tIns="91425">
+          <a:bodyPr spcFirstLastPara="1" wrap="square" lIns="91425" tIns="91425" rIns="91425" bIns="91425" anchor="ctr" anchorCtr="0">
             <a:normAutofit/>
           </a:bodyPr>
           <a:lstStyle>
-            <a:lvl1pPr indent="-342900" lvl="0" marL="457200">
+            <a:lvl1pPr marL="457200" lvl="0" indent="-342900">
               <a:spcBef>
                 <a:spcPts val="0"/>
               </a:spcBef>
@@ -5286,7 +5455,7 @@
               <a:buChar char="●"/>
               <a:defRPr/>
             </a:lvl1pPr>
-            <a:lvl2pPr indent="-317500" lvl="1" marL="914400">
+            <a:lvl2pPr marL="914400" lvl="1" indent="-317500">
               <a:spcBef>
                 <a:spcPts val="0"/>
               </a:spcBef>
@@ -5297,7 +5466,7 @@
               <a:buChar char="○"/>
               <a:defRPr/>
             </a:lvl2pPr>
-            <a:lvl3pPr indent="-317500" lvl="2" marL="1371600">
+            <a:lvl3pPr marL="1371600" lvl="2" indent="-317500">
               <a:spcBef>
                 <a:spcPts val="0"/>
               </a:spcBef>
@@ -5308,7 +5477,7 @@
               <a:buChar char="■"/>
               <a:defRPr/>
             </a:lvl3pPr>
-            <a:lvl4pPr indent="-317500" lvl="3" marL="1828800">
+            <a:lvl4pPr marL="1828800" lvl="3" indent="-317500">
               <a:spcBef>
                 <a:spcPts val="0"/>
               </a:spcBef>
@@ -5319,7 +5488,7 @@
               <a:buChar char="●"/>
               <a:defRPr/>
             </a:lvl4pPr>
-            <a:lvl5pPr indent="-317500" lvl="4" marL="2286000">
+            <a:lvl5pPr marL="2286000" lvl="4" indent="-317500">
               <a:spcBef>
                 <a:spcPts val="0"/>
               </a:spcBef>
@@ -5330,7 +5499,7 @@
               <a:buChar char="○"/>
               <a:defRPr/>
             </a:lvl5pPr>
-            <a:lvl6pPr indent="-317500" lvl="5" marL="2743200">
+            <a:lvl6pPr marL="2743200" lvl="5" indent="-317500">
               <a:spcBef>
                 <a:spcPts val="0"/>
               </a:spcBef>
@@ -5341,7 +5510,7 @@
               <a:buChar char="■"/>
               <a:defRPr/>
             </a:lvl6pPr>
-            <a:lvl7pPr indent="-317500" lvl="6" marL="3200400">
+            <a:lvl7pPr marL="3200400" lvl="6" indent="-317500">
               <a:spcBef>
                 <a:spcPts val="0"/>
               </a:spcBef>
@@ -5352,7 +5521,7 @@
               <a:buChar char="●"/>
               <a:defRPr/>
             </a:lvl7pPr>
-            <a:lvl8pPr indent="-317500" lvl="7" marL="3657600">
+            <a:lvl8pPr marL="3657600" lvl="7" indent="-317500">
               <a:spcBef>
                 <a:spcPts val="0"/>
               </a:spcBef>
@@ -5363,7 +5532,7 @@
               <a:buChar char="○"/>
               <a:defRPr/>
             </a:lvl8pPr>
-            <a:lvl9pPr indent="-317500" lvl="8" marL="4114800">
+            <a:lvl9pPr marL="4114800" lvl="8" indent="-317500">
               <a:spcBef>
                 <a:spcPts val="0"/>
               </a:spcBef>
@@ -5375,15 +5544,19 @@
               <a:defRPr/>
             </a:lvl9pPr>
           </a:lstStyle>
-          <a:p/>
+          <a:p>
+            <a:endParaRPr/>
+          </a:p>
         </p:txBody>
       </p:sp>
       <p:sp>
         <p:nvSpPr>
           <p:cNvPr id="40" name="Google Shape;40;p9"/>
-          <p:cNvSpPr txBox="1"/>
+          <p:cNvSpPr txBox="1">
+            <a:spLocks noGrp="1"/>
+          </p:cNvSpPr>
           <p:nvPr>
-            <p:ph idx="12" type="sldNum"/>
+            <p:ph type="sldNum" idx="12"/>
           </p:nvPr>
         </p:nvSpPr>
         <p:spPr>
@@ -5396,7 +5569,7 @@
           </a:prstGeom>
         </p:spPr>
         <p:txBody>
-          <a:bodyPr anchorCtr="0" anchor="ctr" bIns="91425" lIns="91425" spcFirstLastPara="1" rIns="91425" wrap="square" tIns="91425">
+          <a:bodyPr spcFirstLastPara="1" wrap="square" lIns="91425" tIns="91425" rIns="91425" bIns="91425" anchor="ctr" anchorCtr="0">
             <a:normAutofit/>
           </a:bodyPr>
           <a:lstStyle>
@@ -5438,7 +5611,7 @@
             </a:lvl9pPr>
           </a:lstStyle>
           <a:p>
-            <a:pPr indent="0" lvl="0" marL="0" rtl="0" algn="r">
+            <a:pPr marL="0" lvl="0" indent="0" algn="r" rtl="0">
               <a:spcBef>
                 <a:spcPts val="0"/>
               </a:spcBef>
@@ -5464,11 +5637,11 @@
 </file>
 
 <file path=ppt/slideLayouts/slideLayout9.xml><?xml version="1.0" encoding="utf-8"?>
-<p:sldLayout xmlns:a="http://schemas.openxmlformats.org/drawingml/2006/main" xmlns:r="http://schemas.openxmlformats.org/officeDocument/2006/relationships" xmlns:mc="http://schemas.openxmlformats.org/markup-compatibility/2006" xmlns:mv="urn:schemas-microsoft-com:mac:vml" xmlns:p="http://schemas.openxmlformats.org/presentationml/2006/main" xmlns:c="http://schemas.openxmlformats.org/drawingml/2006/chart" xmlns:dgm="http://schemas.openxmlformats.org/drawingml/2006/diagram" xmlns:o="urn:schemas-microsoft-com:office:office" xmlns:v="urn:schemas-microsoft-com:vml" xmlns:pvml="urn:schemas-microsoft-com:office:powerpoint" xmlns:com="http://schemas.openxmlformats.org/drawingml/2006/compatibility" xmlns:p14="http://schemas.microsoft.com/office/powerpoint/2010/main" xmlns:p15="http://schemas.microsoft.com/office/powerpoint/2012/main" xmlns:ahyp="http://schemas.microsoft.com/office/drawing/2018/hyperlinkcolor" matchingName="Caption">
+<p:sldLayout xmlns:a="http://schemas.openxmlformats.org/drawingml/2006/main" xmlns:r="http://schemas.openxmlformats.org/officeDocument/2006/relationships" xmlns:p="http://schemas.openxmlformats.org/presentationml/2006/main" matchingName="Caption">
   <p:cSld name="CAPTION_ONLY">
     <p:spTree>
       <p:nvGrpSpPr>
-        <p:cNvPr id="41" name="Shape 41"/>
+        <p:cNvPr id="1" name="Shape 41"/>
         <p:cNvGrpSpPr/>
         <p:nvPr/>
       </p:nvGrpSpPr>
@@ -5483,9 +5656,11 @@
       <p:sp>
         <p:nvSpPr>
           <p:cNvPr id="42" name="Google Shape;42;p10"/>
-          <p:cNvSpPr txBox="1"/>
+          <p:cNvSpPr txBox="1">
+            <a:spLocks noGrp="1"/>
+          </p:cNvSpPr>
           <p:nvPr>
-            <p:ph idx="1" type="body"/>
+            <p:ph type="body" idx="1"/>
           </p:nvPr>
         </p:nvSpPr>
         <p:spPr>
@@ -5498,11 +5673,11 @@
           </a:prstGeom>
         </p:spPr>
         <p:txBody>
-          <a:bodyPr anchorCtr="0" anchor="ctr" bIns="91425" lIns="91425" spcFirstLastPara="1" rIns="91425" wrap="square" tIns="91425">
+          <a:bodyPr spcFirstLastPara="1" wrap="square" lIns="91425" tIns="91425" rIns="91425" bIns="91425" anchor="ctr" anchorCtr="0">
             <a:normAutofit/>
           </a:bodyPr>
           <a:lstStyle>
-            <a:lvl1pPr indent="-228600" lvl="0" marL="457200">
+            <a:lvl1pPr marL="457200" lvl="0" indent="-228600">
               <a:lnSpc>
                 <a:spcPct val="100000"/>
               </a:lnSpc>
@@ -5517,15 +5692,19 @@
               <a:defRPr/>
             </a:lvl1pPr>
           </a:lstStyle>
-          <a:p/>
+          <a:p>
+            <a:endParaRPr/>
+          </a:p>
         </p:txBody>
       </p:sp>
       <p:sp>
         <p:nvSpPr>
           <p:cNvPr id="43" name="Google Shape;43;p10"/>
-          <p:cNvSpPr txBox="1"/>
+          <p:cNvSpPr txBox="1">
+            <a:spLocks noGrp="1"/>
+          </p:cNvSpPr>
           <p:nvPr>
-            <p:ph idx="12" type="sldNum"/>
+            <p:ph type="sldNum" idx="12"/>
           </p:nvPr>
         </p:nvSpPr>
         <p:spPr>
@@ -5538,7 +5717,7 @@
           </a:prstGeom>
         </p:spPr>
         <p:txBody>
-          <a:bodyPr anchorCtr="0" anchor="ctr" bIns="91425" lIns="91425" spcFirstLastPara="1" rIns="91425" wrap="square" tIns="91425">
+          <a:bodyPr spcFirstLastPara="1" wrap="square" lIns="91425" tIns="91425" rIns="91425" bIns="91425" anchor="ctr" anchorCtr="0">
             <a:normAutofit/>
           </a:bodyPr>
           <a:lstStyle>
@@ -5580,7 +5759,7 @@
             </a:lvl9pPr>
           </a:lstStyle>
           <a:p>
-            <a:pPr indent="0" lvl="0" marL="0" rtl="0" algn="r">
+            <a:pPr marL="0" lvl="0" indent="0" algn="r" rtl="0">
               <a:spcBef>
                 <a:spcPts val="0"/>
               </a:spcBef>
@@ -5606,18 +5785,19 @@
 </file>
 
 <file path=ppt/slideMasters/slideMaster1.xml><?xml version="1.0" encoding="utf-8"?>
-<p:sldMaster xmlns:a="http://schemas.openxmlformats.org/drawingml/2006/main" xmlns:r="http://schemas.openxmlformats.org/officeDocument/2006/relationships" xmlns:mc="http://schemas.openxmlformats.org/markup-compatibility/2006" xmlns:mv="urn:schemas-microsoft-com:mac:vml" xmlns:p="http://schemas.openxmlformats.org/presentationml/2006/main" xmlns:c="http://schemas.openxmlformats.org/drawingml/2006/chart" xmlns:dgm="http://schemas.openxmlformats.org/drawingml/2006/diagram" xmlns:o="urn:schemas-microsoft-com:office:office" xmlns:v="urn:schemas-microsoft-com:vml" xmlns:pvml="urn:schemas-microsoft-com:office:powerpoint" xmlns:com="http://schemas.openxmlformats.org/drawingml/2006/compatibility" xmlns:p14="http://schemas.microsoft.com/office/powerpoint/2010/main" xmlns:p15="http://schemas.microsoft.com/office/powerpoint/2012/main" xmlns:ahyp="http://schemas.microsoft.com/office/drawing/2018/hyperlinkcolor">
+<p:sldMaster xmlns:a="http://schemas.openxmlformats.org/drawingml/2006/main" xmlns:r="http://schemas.openxmlformats.org/officeDocument/2006/relationships" xmlns:p="http://schemas.openxmlformats.org/presentationml/2006/main">
   <p:cSld name="simple-light-2">
     <p:bg>
       <p:bgPr>
         <a:solidFill>
           <a:srgbClr val="073763"/>
         </a:solidFill>
+        <a:effectLst/>
       </p:bgPr>
     </p:bg>
     <p:spTree>
       <p:nvGrpSpPr>
-        <p:cNvPr id="5" name="Shape 5"/>
+        <p:cNvPr id="1" name="Shape 5"/>
         <p:cNvGrpSpPr/>
         <p:nvPr/>
       </p:nvGrpSpPr>
@@ -5632,7 +5812,9 @@
       <p:sp>
         <p:nvSpPr>
           <p:cNvPr id="6" name="Google Shape;6;p1"/>
-          <p:cNvSpPr txBox="1"/>
+          <p:cNvSpPr txBox="1">
+            <a:spLocks noGrp="1"/>
+          </p:cNvSpPr>
           <p:nvPr>
             <p:ph type="title"/>
           </p:nvPr>
@@ -5651,7 +5833,7 @@
           </a:ln>
         </p:spPr>
         <p:txBody>
-          <a:bodyPr anchorCtr="0" anchor="t" bIns="91425" lIns="91425" spcFirstLastPara="1" rIns="91425" wrap="square" tIns="91425">
+          <a:bodyPr spcFirstLastPara="1" wrap="square" lIns="91425" tIns="91425" rIns="91425" bIns="91425" anchor="t" anchorCtr="0">
             <a:normAutofit/>
           </a:bodyPr>
           <a:lstStyle>
@@ -5818,15 +6000,19 @@
               </a:defRPr>
             </a:lvl9pPr>
           </a:lstStyle>
-          <a:p/>
+          <a:p>
+            <a:endParaRPr/>
+          </a:p>
         </p:txBody>
       </p:sp>
       <p:sp>
         <p:nvSpPr>
           <p:cNvPr id="7" name="Google Shape;7;p1"/>
-          <p:cNvSpPr txBox="1"/>
+          <p:cNvSpPr txBox="1">
+            <a:spLocks noGrp="1"/>
+          </p:cNvSpPr>
           <p:nvPr>
-            <p:ph idx="1" type="body"/>
+            <p:ph type="body" idx="1"/>
           </p:nvPr>
         </p:nvSpPr>
         <p:spPr>
@@ -5843,11 +6029,11 @@
           </a:ln>
         </p:spPr>
         <p:txBody>
-          <a:bodyPr anchorCtr="0" anchor="t" bIns="91425" lIns="91425" spcFirstLastPara="1" rIns="91425" wrap="square" tIns="91425">
+          <a:bodyPr spcFirstLastPara="1" wrap="square" lIns="91425" tIns="91425" rIns="91425" bIns="91425" anchor="t" anchorCtr="0">
             <a:normAutofit/>
           </a:bodyPr>
           <a:lstStyle>
-            <a:lvl1pPr indent="-342900" lvl="0" marL="457200">
+            <a:lvl1pPr marL="457200" lvl="0" indent="-342900">
               <a:lnSpc>
                 <a:spcPct val="115000"/>
               </a:lnSpc>
@@ -5868,7 +6054,7 @@
                 </a:solidFill>
               </a:defRPr>
             </a:lvl1pPr>
-            <a:lvl2pPr indent="-317500" lvl="1" marL="914400">
+            <a:lvl2pPr marL="914400" lvl="1" indent="-317500">
               <a:lnSpc>
                 <a:spcPct val="115000"/>
               </a:lnSpc>
@@ -5889,7 +6075,7 @@
                 </a:solidFill>
               </a:defRPr>
             </a:lvl2pPr>
-            <a:lvl3pPr indent="-317500" lvl="2" marL="1371600">
+            <a:lvl3pPr marL="1371600" lvl="2" indent="-317500">
               <a:lnSpc>
                 <a:spcPct val="115000"/>
               </a:lnSpc>
@@ -5910,7 +6096,7 @@
                 </a:solidFill>
               </a:defRPr>
             </a:lvl3pPr>
-            <a:lvl4pPr indent="-317500" lvl="3" marL="1828800">
+            <a:lvl4pPr marL="1828800" lvl="3" indent="-317500">
               <a:lnSpc>
                 <a:spcPct val="115000"/>
               </a:lnSpc>
@@ -5931,7 +6117,7 @@
                 </a:solidFill>
               </a:defRPr>
             </a:lvl4pPr>
-            <a:lvl5pPr indent="-317500" lvl="4" marL="2286000">
+            <a:lvl5pPr marL="2286000" lvl="4" indent="-317500">
               <a:lnSpc>
                 <a:spcPct val="115000"/>
               </a:lnSpc>
@@ -5952,7 +6138,7 @@
                 </a:solidFill>
               </a:defRPr>
             </a:lvl5pPr>
-            <a:lvl6pPr indent="-317500" lvl="5" marL="2743200">
+            <a:lvl6pPr marL="2743200" lvl="5" indent="-317500">
               <a:lnSpc>
                 <a:spcPct val="115000"/>
               </a:lnSpc>
@@ -5973,7 +6159,7 @@
                 </a:solidFill>
               </a:defRPr>
             </a:lvl6pPr>
-            <a:lvl7pPr indent="-317500" lvl="6" marL="3200400">
+            <a:lvl7pPr marL="3200400" lvl="6" indent="-317500">
               <a:lnSpc>
                 <a:spcPct val="115000"/>
               </a:lnSpc>
@@ -5994,7 +6180,7 @@
                 </a:solidFill>
               </a:defRPr>
             </a:lvl7pPr>
-            <a:lvl8pPr indent="-317500" lvl="7" marL="3657600">
+            <a:lvl8pPr marL="3657600" lvl="7" indent="-317500">
               <a:lnSpc>
                 <a:spcPct val="115000"/>
               </a:lnSpc>
@@ -6015,7 +6201,7 @@
                 </a:solidFill>
               </a:defRPr>
             </a:lvl8pPr>
-            <a:lvl9pPr indent="-317500" lvl="8" marL="4114800">
+            <a:lvl9pPr marL="4114800" lvl="8" indent="-317500">
               <a:lnSpc>
                 <a:spcPct val="115000"/>
               </a:lnSpc>
@@ -6037,15 +6223,19 @@
               </a:defRPr>
             </a:lvl9pPr>
           </a:lstStyle>
-          <a:p/>
+          <a:p>
+            <a:endParaRPr/>
+          </a:p>
         </p:txBody>
       </p:sp>
       <p:sp>
         <p:nvSpPr>
           <p:cNvPr id="8" name="Google Shape;8;p1"/>
-          <p:cNvSpPr txBox="1"/>
+          <p:cNvSpPr txBox="1">
+            <a:spLocks noGrp="1"/>
+          </p:cNvSpPr>
           <p:nvPr>
-            <p:ph idx="12" type="sldNum"/>
+            <p:ph type="sldNum" idx="12"/>
           </p:nvPr>
         </p:nvSpPr>
         <p:spPr>
@@ -6062,7 +6252,7 @@
           </a:ln>
         </p:spPr>
         <p:txBody>
-          <a:bodyPr anchorCtr="0" anchor="ctr" bIns="91425" lIns="91425" spcFirstLastPara="1" rIns="91425" wrap="square" tIns="91425">
+          <a:bodyPr spcFirstLastPara="1" wrap="square" lIns="91425" tIns="91425" rIns="91425" bIns="91425" anchor="ctr" anchorCtr="0">
             <a:normAutofit/>
           </a:bodyPr>
           <a:lstStyle>
@@ -6140,7 +6330,7 @@
             </a:lvl9pPr>
           </a:lstStyle>
           <a:p>
-            <a:pPr indent="0" lvl="0" marL="0" rtl="0" algn="r">
+            <a:pPr marL="0" lvl="0" indent="0" algn="r" rtl="0">
               <a:spcBef>
                 <a:spcPts val="0"/>
               </a:spcBef>
@@ -6159,7 +6349,7 @@
       </p:sp>
     </p:spTree>
   </p:cSld>
-  <p:clrMap accent1="accent1" accent2="accent2" accent3="accent3" accent4="accent4" accent5="accent5" accent6="accent6" bg1="lt1" bg2="dk2" tx1="dk1" tx2="lt2" folHlink="folHlink" hlink="hlink"/>
+  <p:clrMap bg1="lt1" tx1="dk1" bg2="dk2" tx2="lt2" accent1="accent1" accent2="accent2" accent3="accent3" accent4="accent4" accent5="accent5" accent6="accent6" hlink="hlink" folHlink="folHlink"/>
   <p:sldLayoutIdLst>
     <p:sldLayoutId id="2147483648" r:id="rId1"/>
     <p:sldLayoutId id="2147483649" r:id="rId2"/>
@@ -6173,10 +6363,10 @@
     <p:sldLayoutId id="2147483657" r:id="rId10"/>
     <p:sldLayoutId id="2147483658" r:id="rId11"/>
   </p:sldLayoutIdLst>
-  <p:hf dt="0" ftr="0" hdr="0" sldNum="0"/>
+  <p:hf sldNum="0" hdr="0" ftr="0" dt="0"/>
   <p:txStyles>
     <p:titleStyle>
-      <a:defPPr lvl="0" marR="0" rtl="0" algn="l">
+      <a:defPPr marR="0" lvl="0" algn="l" rtl="0">
         <a:lnSpc>
           <a:spcPct val="100000"/>
         </a:lnSpc>
@@ -6187,7 +6377,7 @@
           <a:spcPts val="0"/>
         </a:spcAft>
       </a:defPPr>
-      <a:lvl1pPr lvl="0" marR="0" rtl="0" algn="l">
+      <a:lvl1pPr marR="0" lvl="0" algn="l" rtl="0">
         <a:lnSpc>
           <a:spcPct val="100000"/>
         </a:lnSpc>
@@ -6201,7 +6391,7 @@
           <a:srgbClr val="000000"/>
         </a:buClr>
         <a:buFont typeface="Arial"/>
-        <a:defRPr b="0" i="0" sz="1400" u="none" cap="none" strike="noStrike">
+        <a:defRPr sz="1400" b="0" i="0" u="none" strike="noStrike" cap="none">
           <a:solidFill>
             <a:srgbClr val="000000"/>
           </a:solidFill>
@@ -6211,7 +6401,7 @@
           <a:sym typeface="Arial"/>
         </a:defRPr>
       </a:lvl1pPr>
-      <a:lvl2pPr lvl="1" marR="0" rtl="0" algn="l">
+      <a:lvl2pPr marR="0" lvl="1" algn="l" rtl="0">
         <a:lnSpc>
           <a:spcPct val="100000"/>
         </a:lnSpc>
@@ -6225,7 +6415,7 @@
           <a:srgbClr val="000000"/>
         </a:buClr>
         <a:buFont typeface="Arial"/>
-        <a:defRPr b="0" i="0" sz="1400" u="none" cap="none" strike="noStrike">
+        <a:defRPr sz="1400" b="0" i="0" u="none" strike="noStrike" cap="none">
           <a:solidFill>
             <a:srgbClr val="000000"/>
           </a:solidFill>
@@ -6235,7 +6425,7 @@
           <a:sym typeface="Arial"/>
         </a:defRPr>
       </a:lvl2pPr>
-      <a:lvl3pPr lvl="2" marR="0" rtl="0" algn="l">
+      <a:lvl3pPr marR="0" lvl="2" algn="l" rtl="0">
         <a:lnSpc>
           <a:spcPct val="100000"/>
         </a:lnSpc>
@@ -6249,7 +6439,7 @@
           <a:srgbClr val="000000"/>
         </a:buClr>
         <a:buFont typeface="Arial"/>
-        <a:defRPr b="0" i="0" sz="1400" u="none" cap="none" strike="noStrike">
+        <a:defRPr sz="1400" b="0" i="0" u="none" strike="noStrike" cap="none">
           <a:solidFill>
             <a:srgbClr val="000000"/>
           </a:solidFill>
@@ -6259,7 +6449,7 @@
           <a:sym typeface="Arial"/>
         </a:defRPr>
       </a:lvl3pPr>
-      <a:lvl4pPr lvl="3" marR="0" rtl="0" algn="l">
+      <a:lvl4pPr marR="0" lvl="3" algn="l" rtl="0">
         <a:lnSpc>
           <a:spcPct val="100000"/>
         </a:lnSpc>
@@ -6273,7 +6463,7 @@
           <a:srgbClr val="000000"/>
         </a:buClr>
         <a:buFont typeface="Arial"/>
-        <a:defRPr b="0" i="0" sz="1400" u="none" cap="none" strike="noStrike">
+        <a:defRPr sz="1400" b="0" i="0" u="none" strike="noStrike" cap="none">
           <a:solidFill>
             <a:srgbClr val="000000"/>
           </a:solidFill>
@@ -6283,7 +6473,7 @@
           <a:sym typeface="Arial"/>
         </a:defRPr>
       </a:lvl4pPr>
-      <a:lvl5pPr lvl="4" marR="0" rtl="0" algn="l">
+      <a:lvl5pPr marR="0" lvl="4" algn="l" rtl="0">
         <a:lnSpc>
           <a:spcPct val="100000"/>
         </a:lnSpc>
@@ -6297,7 +6487,7 @@
           <a:srgbClr val="000000"/>
         </a:buClr>
         <a:buFont typeface="Arial"/>
-        <a:defRPr b="0" i="0" sz="1400" u="none" cap="none" strike="noStrike">
+        <a:defRPr sz="1400" b="0" i="0" u="none" strike="noStrike" cap="none">
           <a:solidFill>
             <a:srgbClr val="000000"/>
           </a:solidFill>
@@ -6307,7 +6497,7 @@
           <a:sym typeface="Arial"/>
         </a:defRPr>
       </a:lvl5pPr>
-      <a:lvl6pPr lvl="5" marR="0" rtl="0" algn="l">
+      <a:lvl6pPr marR="0" lvl="5" algn="l" rtl="0">
         <a:lnSpc>
           <a:spcPct val="100000"/>
         </a:lnSpc>
@@ -6321,7 +6511,7 @@
           <a:srgbClr val="000000"/>
         </a:buClr>
         <a:buFont typeface="Arial"/>
-        <a:defRPr b="0" i="0" sz="1400" u="none" cap="none" strike="noStrike">
+        <a:defRPr sz="1400" b="0" i="0" u="none" strike="noStrike" cap="none">
           <a:solidFill>
             <a:srgbClr val="000000"/>
           </a:solidFill>
@@ -6331,7 +6521,7 @@
           <a:sym typeface="Arial"/>
         </a:defRPr>
       </a:lvl6pPr>
-      <a:lvl7pPr lvl="6" marR="0" rtl="0" algn="l">
+      <a:lvl7pPr marR="0" lvl="6" algn="l" rtl="0">
         <a:lnSpc>
           <a:spcPct val="100000"/>
         </a:lnSpc>
@@ -6345,7 +6535,7 @@
           <a:srgbClr val="000000"/>
         </a:buClr>
         <a:buFont typeface="Arial"/>
-        <a:defRPr b="0" i="0" sz="1400" u="none" cap="none" strike="noStrike">
+        <a:defRPr sz="1400" b="0" i="0" u="none" strike="noStrike" cap="none">
           <a:solidFill>
             <a:srgbClr val="000000"/>
           </a:solidFill>
@@ -6355,7 +6545,7 @@
           <a:sym typeface="Arial"/>
         </a:defRPr>
       </a:lvl7pPr>
-      <a:lvl8pPr lvl="7" marR="0" rtl="0" algn="l">
+      <a:lvl8pPr marR="0" lvl="7" algn="l" rtl="0">
         <a:lnSpc>
           <a:spcPct val="100000"/>
         </a:lnSpc>
@@ -6369,7 +6559,7 @@
           <a:srgbClr val="000000"/>
         </a:buClr>
         <a:buFont typeface="Arial"/>
-        <a:defRPr b="0" i="0" sz="1400" u="none" cap="none" strike="noStrike">
+        <a:defRPr sz="1400" b="0" i="0" u="none" strike="noStrike" cap="none">
           <a:solidFill>
             <a:srgbClr val="000000"/>
           </a:solidFill>
@@ -6379,7 +6569,7 @@
           <a:sym typeface="Arial"/>
         </a:defRPr>
       </a:lvl8pPr>
-      <a:lvl9pPr lvl="8" marR="0" rtl="0" algn="l">
+      <a:lvl9pPr marR="0" lvl="8" algn="l" rtl="0">
         <a:lnSpc>
           <a:spcPct val="100000"/>
         </a:lnSpc>
@@ -6393,7 +6583,7 @@
           <a:srgbClr val="000000"/>
         </a:buClr>
         <a:buFont typeface="Arial"/>
-        <a:defRPr b="0" i="0" sz="1400" u="none" cap="none" strike="noStrike">
+        <a:defRPr sz="1400" b="0" i="0" u="none" strike="noStrike" cap="none">
           <a:solidFill>
             <a:srgbClr val="000000"/>
           </a:solidFill>
@@ -6405,7 +6595,7 @@
       </a:lvl9pPr>
     </p:titleStyle>
     <p:bodyStyle>
-      <a:defPPr lvl="0" marR="0" rtl="0" algn="l">
+      <a:defPPr marR="0" lvl="0" algn="l" rtl="0">
         <a:lnSpc>
           <a:spcPct val="100000"/>
         </a:lnSpc>
@@ -6416,7 +6606,7 @@
           <a:spcPts val="0"/>
         </a:spcAft>
       </a:defPPr>
-      <a:lvl1pPr lvl="0" marR="0" rtl="0" algn="l">
+      <a:lvl1pPr marR="0" lvl="0" algn="l" rtl="0">
         <a:lnSpc>
           <a:spcPct val="100000"/>
         </a:lnSpc>
@@ -6430,7 +6620,7 @@
           <a:srgbClr val="000000"/>
         </a:buClr>
         <a:buFont typeface="Arial"/>
-        <a:defRPr b="0" i="0" sz="1400" u="none" cap="none" strike="noStrike">
+        <a:defRPr sz="1400" b="0" i="0" u="none" strike="noStrike" cap="none">
           <a:solidFill>
             <a:srgbClr val="000000"/>
           </a:solidFill>
@@ -6440,7 +6630,7 @@
           <a:sym typeface="Arial"/>
         </a:defRPr>
       </a:lvl1pPr>
-      <a:lvl2pPr lvl="1" marR="0" rtl="0" algn="l">
+      <a:lvl2pPr marR="0" lvl="1" algn="l" rtl="0">
         <a:lnSpc>
           <a:spcPct val="100000"/>
         </a:lnSpc>
@@ -6454,7 +6644,7 @@
           <a:srgbClr val="000000"/>
         </a:buClr>
         <a:buFont typeface="Arial"/>
-        <a:defRPr b="0" i="0" sz="1400" u="none" cap="none" strike="noStrike">
+        <a:defRPr sz="1400" b="0" i="0" u="none" strike="noStrike" cap="none">
           <a:solidFill>
             <a:srgbClr val="000000"/>
           </a:solidFill>
@@ -6464,7 +6654,7 @@
           <a:sym typeface="Arial"/>
         </a:defRPr>
       </a:lvl2pPr>
-      <a:lvl3pPr lvl="2" marR="0" rtl="0" algn="l">
+      <a:lvl3pPr marR="0" lvl="2" algn="l" rtl="0">
         <a:lnSpc>
           <a:spcPct val="100000"/>
         </a:lnSpc>
@@ -6478,7 +6668,7 @@
           <a:srgbClr val="000000"/>
         </a:buClr>
         <a:buFont typeface="Arial"/>
-        <a:defRPr b="0" i="0" sz="1400" u="none" cap="none" strike="noStrike">
+        <a:defRPr sz="1400" b="0" i="0" u="none" strike="noStrike" cap="none">
           <a:solidFill>
             <a:srgbClr val="000000"/>
           </a:solidFill>
@@ -6488,7 +6678,7 @@
           <a:sym typeface="Arial"/>
         </a:defRPr>
       </a:lvl3pPr>
-      <a:lvl4pPr lvl="3" marR="0" rtl="0" algn="l">
+      <a:lvl4pPr marR="0" lvl="3" algn="l" rtl="0">
         <a:lnSpc>
           <a:spcPct val="100000"/>
         </a:lnSpc>
@@ -6502,7 +6692,7 @@
           <a:srgbClr val="000000"/>
         </a:buClr>
         <a:buFont typeface="Arial"/>
-        <a:defRPr b="0" i="0" sz="1400" u="none" cap="none" strike="noStrike">
+        <a:defRPr sz="1400" b="0" i="0" u="none" strike="noStrike" cap="none">
           <a:solidFill>
             <a:srgbClr val="000000"/>
           </a:solidFill>
@@ -6512,7 +6702,7 @@
           <a:sym typeface="Arial"/>
         </a:defRPr>
       </a:lvl4pPr>
-      <a:lvl5pPr lvl="4" marR="0" rtl="0" algn="l">
+      <a:lvl5pPr marR="0" lvl="4" algn="l" rtl="0">
         <a:lnSpc>
           <a:spcPct val="100000"/>
         </a:lnSpc>
@@ -6526,7 +6716,7 @@
           <a:srgbClr val="000000"/>
         </a:buClr>
         <a:buFont typeface="Arial"/>
-        <a:defRPr b="0" i="0" sz="1400" u="none" cap="none" strike="noStrike">
+        <a:defRPr sz="1400" b="0" i="0" u="none" strike="noStrike" cap="none">
           <a:solidFill>
             <a:srgbClr val="000000"/>
           </a:solidFill>
@@ -6536,7 +6726,7 @@
           <a:sym typeface="Arial"/>
         </a:defRPr>
       </a:lvl5pPr>
-      <a:lvl6pPr lvl="5" marR="0" rtl="0" algn="l">
+      <a:lvl6pPr marR="0" lvl="5" algn="l" rtl="0">
         <a:lnSpc>
           <a:spcPct val="100000"/>
         </a:lnSpc>
@@ -6550,7 +6740,7 @@
           <a:srgbClr val="000000"/>
         </a:buClr>
         <a:buFont typeface="Arial"/>
-        <a:defRPr b="0" i="0" sz="1400" u="none" cap="none" strike="noStrike">
+        <a:defRPr sz="1400" b="0" i="0" u="none" strike="noStrike" cap="none">
           <a:solidFill>
             <a:srgbClr val="000000"/>
           </a:solidFill>
@@ -6560,7 +6750,7 @@
           <a:sym typeface="Arial"/>
         </a:defRPr>
       </a:lvl6pPr>
-      <a:lvl7pPr lvl="6" marR="0" rtl="0" algn="l">
+      <a:lvl7pPr marR="0" lvl="6" algn="l" rtl="0">
         <a:lnSpc>
           <a:spcPct val="100000"/>
         </a:lnSpc>
@@ -6574,7 +6764,7 @@
           <a:srgbClr val="000000"/>
         </a:buClr>
         <a:buFont typeface="Arial"/>
-        <a:defRPr b="0" i="0" sz="1400" u="none" cap="none" strike="noStrike">
+        <a:defRPr sz="1400" b="0" i="0" u="none" strike="noStrike" cap="none">
           <a:solidFill>
             <a:srgbClr val="000000"/>
           </a:solidFill>
@@ -6584,7 +6774,7 @@
           <a:sym typeface="Arial"/>
         </a:defRPr>
       </a:lvl7pPr>
-      <a:lvl8pPr lvl="7" marR="0" rtl="0" algn="l">
+      <a:lvl8pPr marR="0" lvl="7" algn="l" rtl="0">
         <a:lnSpc>
           <a:spcPct val="100000"/>
         </a:lnSpc>
@@ -6598,7 +6788,7 @@
           <a:srgbClr val="000000"/>
         </a:buClr>
         <a:buFont typeface="Arial"/>
-        <a:defRPr b="0" i="0" sz="1400" u="none" cap="none" strike="noStrike">
+        <a:defRPr sz="1400" b="0" i="0" u="none" strike="noStrike" cap="none">
           <a:solidFill>
             <a:srgbClr val="000000"/>
           </a:solidFill>
@@ -6608,7 +6798,7 @@
           <a:sym typeface="Arial"/>
         </a:defRPr>
       </a:lvl8pPr>
-      <a:lvl9pPr lvl="8" marR="0" rtl="0" algn="l">
+      <a:lvl9pPr marR="0" lvl="8" algn="l" rtl="0">
         <a:lnSpc>
           <a:spcPct val="100000"/>
         </a:lnSpc>
@@ -6622,7 +6812,7 @@
           <a:srgbClr val="000000"/>
         </a:buClr>
         <a:buFont typeface="Arial"/>
-        <a:defRPr b="0" i="0" sz="1400" u="none" cap="none" strike="noStrike">
+        <a:defRPr sz="1400" b="0" i="0" u="none" strike="noStrike" cap="none">
           <a:solidFill>
             <a:srgbClr val="000000"/>
           </a:solidFill>
@@ -6634,7 +6824,7 @@
       </a:lvl9pPr>
     </p:bodyStyle>
     <p:otherStyle>
-      <a:defPPr lvl="0" marR="0" rtl="0" algn="l">
+      <a:defPPr marR="0" lvl="0" algn="l" rtl="0">
         <a:lnSpc>
           <a:spcPct val="100000"/>
         </a:lnSpc>
@@ -6645,7 +6835,7 @@
           <a:spcPts val="0"/>
         </a:spcAft>
       </a:defPPr>
-      <a:lvl1pPr lvl="0" marR="0" rtl="0" algn="l">
+      <a:lvl1pPr marR="0" lvl="0" algn="l" rtl="0">
         <a:lnSpc>
           <a:spcPct val="100000"/>
         </a:lnSpc>
@@ -6659,7 +6849,7 @@
           <a:srgbClr val="000000"/>
         </a:buClr>
         <a:buFont typeface="Arial"/>
-        <a:defRPr b="0" i="0" sz="1400" u="none" cap="none" strike="noStrike">
+        <a:defRPr sz="1400" b="0" i="0" u="none" strike="noStrike" cap="none">
           <a:solidFill>
             <a:srgbClr val="000000"/>
           </a:solidFill>
@@ -6669,7 +6859,7 @@
           <a:sym typeface="Arial"/>
         </a:defRPr>
       </a:lvl1pPr>
-      <a:lvl2pPr lvl="1" marR="0" rtl="0" algn="l">
+      <a:lvl2pPr marR="0" lvl="1" algn="l" rtl="0">
         <a:lnSpc>
           <a:spcPct val="100000"/>
         </a:lnSpc>
@@ -6683,7 +6873,7 @@
           <a:srgbClr val="000000"/>
         </a:buClr>
         <a:buFont typeface="Arial"/>
-        <a:defRPr b="0" i="0" sz="1400" u="none" cap="none" strike="noStrike">
+        <a:defRPr sz="1400" b="0" i="0" u="none" strike="noStrike" cap="none">
           <a:solidFill>
             <a:srgbClr val="000000"/>
           </a:solidFill>
@@ -6693,7 +6883,7 @@
           <a:sym typeface="Arial"/>
         </a:defRPr>
       </a:lvl2pPr>
-      <a:lvl3pPr lvl="2" marR="0" rtl="0" algn="l">
+      <a:lvl3pPr marR="0" lvl="2" algn="l" rtl="0">
         <a:lnSpc>
           <a:spcPct val="100000"/>
         </a:lnSpc>
@@ -6707,7 +6897,7 @@
           <a:srgbClr val="000000"/>
         </a:buClr>
         <a:buFont typeface="Arial"/>
-        <a:defRPr b="0" i="0" sz="1400" u="none" cap="none" strike="noStrike">
+        <a:defRPr sz="1400" b="0" i="0" u="none" strike="noStrike" cap="none">
           <a:solidFill>
             <a:srgbClr val="000000"/>
           </a:solidFill>
@@ -6717,7 +6907,7 @@
           <a:sym typeface="Arial"/>
         </a:defRPr>
       </a:lvl3pPr>
-      <a:lvl4pPr lvl="3" marR="0" rtl="0" algn="l">
+      <a:lvl4pPr marR="0" lvl="3" algn="l" rtl="0">
         <a:lnSpc>
           <a:spcPct val="100000"/>
         </a:lnSpc>
@@ -6731,7 +6921,7 @@
           <a:srgbClr val="000000"/>
         </a:buClr>
         <a:buFont typeface="Arial"/>
-        <a:defRPr b="0" i="0" sz="1400" u="none" cap="none" strike="noStrike">
+        <a:defRPr sz="1400" b="0" i="0" u="none" strike="noStrike" cap="none">
           <a:solidFill>
             <a:srgbClr val="000000"/>
           </a:solidFill>
@@ -6741,7 +6931,7 @@
           <a:sym typeface="Arial"/>
         </a:defRPr>
       </a:lvl4pPr>
-      <a:lvl5pPr lvl="4" marR="0" rtl="0" algn="l">
+      <a:lvl5pPr marR="0" lvl="4" algn="l" rtl="0">
         <a:lnSpc>
           <a:spcPct val="100000"/>
         </a:lnSpc>
@@ -6755,7 +6945,7 @@
           <a:srgbClr val="000000"/>
         </a:buClr>
         <a:buFont typeface="Arial"/>
-        <a:defRPr b="0" i="0" sz="1400" u="none" cap="none" strike="noStrike">
+        <a:defRPr sz="1400" b="0" i="0" u="none" strike="noStrike" cap="none">
           <a:solidFill>
             <a:srgbClr val="000000"/>
           </a:solidFill>
@@ -6765,7 +6955,7 @@
           <a:sym typeface="Arial"/>
         </a:defRPr>
       </a:lvl5pPr>
-      <a:lvl6pPr lvl="5" marR="0" rtl="0" algn="l">
+      <a:lvl6pPr marR="0" lvl="5" algn="l" rtl="0">
         <a:lnSpc>
           <a:spcPct val="100000"/>
         </a:lnSpc>
@@ -6779,7 +6969,7 @@
           <a:srgbClr val="000000"/>
         </a:buClr>
         <a:buFont typeface="Arial"/>
-        <a:defRPr b="0" i="0" sz="1400" u="none" cap="none" strike="noStrike">
+        <a:defRPr sz="1400" b="0" i="0" u="none" strike="noStrike" cap="none">
           <a:solidFill>
             <a:srgbClr val="000000"/>
           </a:solidFill>
@@ -6789,7 +6979,7 @@
           <a:sym typeface="Arial"/>
         </a:defRPr>
       </a:lvl6pPr>
-      <a:lvl7pPr lvl="6" marR="0" rtl="0" algn="l">
+      <a:lvl7pPr marR="0" lvl="6" algn="l" rtl="0">
         <a:lnSpc>
           <a:spcPct val="100000"/>
         </a:lnSpc>
@@ -6803,7 +6993,7 @@
           <a:srgbClr val="000000"/>
         </a:buClr>
         <a:buFont typeface="Arial"/>
-        <a:defRPr b="0" i="0" sz="1400" u="none" cap="none" strike="noStrike">
+        <a:defRPr sz="1400" b="0" i="0" u="none" strike="noStrike" cap="none">
           <a:solidFill>
             <a:srgbClr val="000000"/>
           </a:solidFill>
@@ -6813,7 +7003,7 @@
           <a:sym typeface="Arial"/>
         </a:defRPr>
       </a:lvl7pPr>
-      <a:lvl8pPr lvl="7" marR="0" rtl="0" algn="l">
+      <a:lvl8pPr marR="0" lvl="7" algn="l" rtl="0">
         <a:lnSpc>
           <a:spcPct val="100000"/>
         </a:lnSpc>
@@ -6827,7 +7017,7 @@
           <a:srgbClr val="000000"/>
         </a:buClr>
         <a:buFont typeface="Arial"/>
-        <a:defRPr b="0" i="0" sz="1400" u="none" cap="none" strike="noStrike">
+        <a:defRPr sz="1400" b="0" i="0" u="none" strike="noStrike" cap="none">
           <a:solidFill>
             <a:srgbClr val="000000"/>
           </a:solidFill>
@@ -6837,7 +7027,7 @@
           <a:sym typeface="Arial"/>
         </a:defRPr>
       </a:lvl8pPr>
-      <a:lvl9pPr lvl="8" marR="0" rtl="0" algn="l">
+      <a:lvl9pPr marR="0" lvl="8" algn="l" rtl="0">
         <a:lnSpc>
           <a:spcPct val="100000"/>
         </a:lnSpc>
@@ -6851,7 +7041,7 @@
           <a:srgbClr val="000000"/>
         </a:buClr>
         <a:buFont typeface="Arial"/>
-        <a:defRPr b="0" i="0" sz="1400" u="none" cap="none" strike="noStrike">
+        <a:defRPr sz="1400" b="0" i="0" u="none" strike="noStrike" cap="none">
           <a:solidFill>
             <a:srgbClr val="000000"/>
           </a:solidFill>
@@ -6867,11 +7057,11 @@
 </file>
 
 <file path=ppt/slides/slide1.xml><?xml version="1.0" encoding="utf-8"?>
-<p:sld xmlns:a="http://schemas.openxmlformats.org/drawingml/2006/main" xmlns:r="http://schemas.openxmlformats.org/officeDocument/2006/relationships" xmlns:mc="http://schemas.openxmlformats.org/markup-compatibility/2006" xmlns:mv="urn:schemas-microsoft-com:mac:vml" xmlns:p="http://schemas.openxmlformats.org/presentationml/2006/main" xmlns:c="http://schemas.openxmlformats.org/drawingml/2006/chart" xmlns:dgm="http://schemas.openxmlformats.org/drawingml/2006/diagram" xmlns:o="urn:schemas-microsoft-com:office:office" xmlns:v="urn:schemas-microsoft-com:vml" xmlns:pvml="urn:schemas-microsoft-com:office:powerpoint" xmlns:com="http://schemas.openxmlformats.org/drawingml/2006/compatibility" xmlns:p14="http://schemas.microsoft.com/office/powerpoint/2010/main" xmlns:p15="http://schemas.microsoft.com/office/powerpoint/2012/main" xmlns:ahyp="http://schemas.microsoft.com/office/drawing/2018/hyperlinkcolor">
+<p:sld xmlns:a="http://schemas.openxmlformats.org/drawingml/2006/main" xmlns:r="http://schemas.openxmlformats.org/officeDocument/2006/relationships" xmlns:p="http://schemas.openxmlformats.org/presentationml/2006/main">
   <p:cSld>
     <p:spTree>
       <p:nvGrpSpPr>
-        <p:cNvPr id="53" name="Shape 53"/>
+        <p:cNvPr id="1" name="Shape 53"/>
         <p:cNvGrpSpPr/>
         <p:nvPr/>
       </p:nvGrpSpPr>
@@ -6886,7 +7076,9 @@
       <p:sp>
         <p:nvSpPr>
           <p:cNvPr id="54" name="Google Shape;54;p13"/>
-          <p:cNvSpPr txBox="1"/>
+          <p:cNvSpPr txBox="1">
+            <a:spLocks noGrp="1"/>
+          </p:cNvSpPr>
           <p:nvPr>
             <p:ph type="ctrTitle"/>
           </p:nvPr>
@@ -6901,12 +7093,12 @@
           </a:prstGeom>
         </p:spPr>
         <p:txBody>
-          <a:bodyPr anchorCtr="0" anchor="b" bIns="91425" lIns="91425" spcFirstLastPara="1" rIns="91425" wrap="square" tIns="91425">
+          <a:bodyPr spcFirstLastPara="1" wrap="square" lIns="91425" tIns="91425" rIns="91425" bIns="91425" anchor="b" anchorCtr="0">
             <a:normAutofit/>
           </a:bodyPr>
           <a:lstStyle/>
           <a:p>
-            <a:pPr indent="0" lvl="0" marL="0" rtl="0" algn="ctr">
+            <a:pPr marL="0" lvl="0" indent="0" algn="ctr" rtl="0">
               <a:spcBef>
                 <a:spcPts val="0"/>
               </a:spcBef>
@@ -6916,14 +7108,14 @@
               <a:buNone/>
             </a:pPr>
             <a:r>
-              <a:rPr lang="en">
+              <a:rPr lang="en" dirty="0">
                 <a:solidFill>
                   <a:schemeClr val="lt1"/>
                 </a:solidFill>
               </a:rPr>
               <a:t>Social Media Impacts on Stock Market Trends</a:t>
             </a:r>
-            <a:endParaRPr>
+            <a:endParaRPr dirty="0">
               <a:solidFill>
                 <a:schemeClr val="lt1"/>
               </a:solidFill>
@@ -6934,9 +7126,11 @@
       <p:sp>
         <p:nvSpPr>
           <p:cNvPr id="55" name="Google Shape;55;p13"/>
-          <p:cNvSpPr txBox="1"/>
+          <p:cNvSpPr txBox="1">
+            <a:spLocks noGrp="1"/>
+          </p:cNvSpPr>
           <p:nvPr>
-            <p:ph idx="1" type="subTitle"/>
+            <p:ph type="subTitle" idx="1"/>
           </p:nvPr>
         </p:nvSpPr>
         <p:spPr>
@@ -6949,12 +7143,12 @@
           </a:prstGeom>
         </p:spPr>
         <p:txBody>
-          <a:bodyPr anchorCtr="0" anchor="t" bIns="91425" lIns="91425" spcFirstLastPara="1" rIns="91425" wrap="square" tIns="91425">
+          <a:bodyPr spcFirstLastPara="1" wrap="square" lIns="91425" tIns="91425" rIns="91425" bIns="91425" anchor="t" anchorCtr="0">
             <a:normAutofit/>
           </a:bodyPr>
           <a:lstStyle/>
           <a:p>
-            <a:pPr indent="0" lvl="0" marL="0" rtl="0" algn="ctr">
+            <a:pPr marL="0" lvl="0" indent="0" algn="ctr" rtl="0">
               <a:spcBef>
                 <a:spcPts val="0"/>
               </a:spcBef>
@@ -6964,14 +7158,14 @@
               <a:buNone/>
             </a:pPr>
             <a:r>
-              <a:rPr lang="en">
+              <a:rPr lang="en" dirty="0">
                 <a:solidFill>
                   <a:srgbClr val="EFEFEF"/>
                 </a:solidFill>
               </a:rPr>
               <a:t>Twitter Feeds vs Tesla Stocks</a:t>
             </a:r>
-            <a:endParaRPr>
+            <a:endParaRPr dirty="0">
               <a:solidFill>
                 <a:srgbClr val="EFEFEF"/>
               </a:solidFill>
@@ -6999,12 +7193,12 @@
           </a:ln>
         </p:spPr>
         <p:txBody>
-          <a:bodyPr anchorCtr="0" anchor="t" bIns="91425" lIns="91425" spcFirstLastPara="1" rIns="91425" wrap="square" tIns="91425">
+          <a:bodyPr spcFirstLastPara="1" wrap="square" lIns="91425" tIns="91425" rIns="91425" bIns="91425" anchor="t" anchorCtr="0">
             <a:spAutoFit/>
           </a:bodyPr>
           <a:lstStyle/>
           <a:p>
-            <a:pPr indent="0" lvl="0" marL="0" rtl="0" algn="l">
+            <a:pPr marL="0" lvl="0" indent="0" algn="l" rtl="0">
               <a:spcBef>
                 <a:spcPts val="0"/>
               </a:spcBef>
@@ -7019,15 +7213,7 @@
                   <a:srgbClr val="FFFFFF"/>
                 </a:solidFill>
               </a:rPr>
-              <a:t>Yuvraj Bhati | </a:t>
-            </a:r>
-            <a:r>
-              <a:rPr lang="en" sz="1500">
-                <a:solidFill>
-                  <a:srgbClr val="FFFFFF"/>
-                </a:solidFill>
-              </a:rPr>
-              <a:t>Behnam Hashemi | Mohammad A. Jilani | Gobinath Thangaiya </a:t>
+              <a:t>Yuvraj Bhati | Behnam Hashemi | Mohammad A. Jilani | Gobinath Thangaiya </a:t>
             </a:r>
             <a:endParaRPr sz="1500">
               <a:solidFill>
@@ -7057,12 +7243,12 @@
           </a:ln>
         </p:spPr>
         <p:txBody>
-          <a:bodyPr anchorCtr="0" anchor="t" bIns="91425" lIns="91425" spcFirstLastPara="1" rIns="91425" wrap="square" tIns="91425">
+          <a:bodyPr spcFirstLastPara="1" wrap="square" lIns="91425" tIns="91425" rIns="91425" bIns="91425" anchor="t" anchorCtr="0">
             <a:spAutoFit/>
           </a:bodyPr>
           <a:lstStyle/>
           <a:p>
-            <a:pPr indent="0" lvl="0" marL="0" rtl="0" algn="l">
+            <a:pPr marL="0" lvl="0" indent="0" algn="l" rtl="0">
               <a:spcBef>
                 <a:spcPts val="0"/>
               </a:spcBef>
@@ -7096,18 +7282,19 @@
 </file>
 
 <file path=ppt/slides/slide10.xml><?xml version="1.0" encoding="utf-8"?>
-<p:sld xmlns:a="http://schemas.openxmlformats.org/drawingml/2006/main" xmlns:r="http://schemas.openxmlformats.org/officeDocument/2006/relationships" xmlns:mc="http://schemas.openxmlformats.org/markup-compatibility/2006" xmlns:mv="urn:schemas-microsoft-com:mac:vml" xmlns:p="http://schemas.openxmlformats.org/presentationml/2006/main" xmlns:c="http://schemas.openxmlformats.org/drawingml/2006/chart" xmlns:dgm="http://schemas.openxmlformats.org/drawingml/2006/diagram" xmlns:o="urn:schemas-microsoft-com:office:office" xmlns:v="urn:schemas-microsoft-com:vml" xmlns:pvml="urn:schemas-microsoft-com:office:powerpoint" xmlns:com="http://schemas.openxmlformats.org/drawingml/2006/compatibility" xmlns:p14="http://schemas.microsoft.com/office/powerpoint/2010/main" xmlns:p15="http://schemas.microsoft.com/office/powerpoint/2012/main" xmlns:ahyp="http://schemas.microsoft.com/office/drawing/2018/hyperlinkcolor">
+<p:sld xmlns:a="http://schemas.openxmlformats.org/drawingml/2006/main" xmlns:r="http://schemas.openxmlformats.org/officeDocument/2006/relationships" xmlns:p="http://schemas.openxmlformats.org/presentationml/2006/main">
   <p:cSld>
     <p:bg>
       <p:bgPr>
         <a:solidFill>
           <a:schemeClr val="dk1"/>
         </a:solidFill>
+        <a:effectLst/>
       </p:bgPr>
     </p:bg>
     <p:spTree>
       <p:nvGrpSpPr>
-        <p:cNvPr id="113" name="Shape 113"/>
+        <p:cNvPr id="1" name="Shape 113"/>
         <p:cNvGrpSpPr/>
         <p:nvPr/>
       </p:nvGrpSpPr>
@@ -7122,7 +7309,9 @@
       <p:sp>
         <p:nvSpPr>
           <p:cNvPr id="114" name="Google Shape;114;p22"/>
-          <p:cNvSpPr txBox="1"/>
+          <p:cNvSpPr txBox="1">
+            <a:spLocks noGrp="1"/>
+          </p:cNvSpPr>
           <p:nvPr>
             <p:ph type="title"/>
           </p:nvPr>
@@ -7137,12 +7326,12 @@
           </a:prstGeom>
         </p:spPr>
         <p:txBody>
-          <a:bodyPr anchorCtr="0" anchor="t" bIns="91425" lIns="91425" spcFirstLastPara="1" rIns="91425" wrap="square" tIns="91425">
+          <a:bodyPr spcFirstLastPara="1" wrap="square" lIns="91425" tIns="91425" rIns="91425" bIns="91425" anchor="t" anchorCtr="0">
             <a:normAutofit fontScale="90000"/>
           </a:bodyPr>
           <a:lstStyle/>
           <a:p>
-            <a:pPr indent="0" lvl="0" marL="0" rtl="0" algn="l">
+            <a:pPr marL="0" lvl="0" indent="0" algn="l" rtl="0">
               <a:spcBef>
                 <a:spcPts val="0"/>
               </a:spcBef>
@@ -7151,9 +7340,6 @@
               </a:spcAft>
               <a:buNone/>
             </a:pPr>
-            <a:r>
-              <a:t/>
-            </a:r>
             <a:endParaRPr/>
           </a:p>
         </p:txBody>
@@ -7161,9 +7347,11 @@
       <p:sp>
         <p:nvSpPr>
           <p:cNvPr id="115" name="Google Shape;115;p22"/>
-          <p:cNvSpPr txBox="1"/>
+          <p:cNvSpPr txBox="1">
+            <a:spLocks noGrp="1"/>
+          </p:cNvSpPr>
           <p:nvPr>
-            <p:ph idx="1" type="body"/>
+            <p:ph type="body" idx="1"/>
           </p:nvPr>
         </p:nvSpPr>
         <p:spPr>
@@ -7176,12 +7364,12 @@
           </a:prstGeom>
         </p:spPr>
         <p:txBody>
-          <a:bodyPr anchorCtr="0" anchor="t" bIns="91425" lIns="91425" spcFirstLastPara="1" rIns="91425" wrap="square" tIns="91425">
+          <a:bodyPr spcFirstLastPara="1" wrap="square" lIns="91425" tIns="91425" rIns="91425" bIns="91425" anchor="t" anchorCtr="0">
             <a:normAutofit/>
           </a:bodyPr>
           <a:lstStyle/>
           <a:p>
-            <a:pPr indent="0" lvl="0" marL="0" rtl="0" algn="l">
+            <a:pPr marL="0" lvl="0" indent="0" algn="l" rtl="0">
               <a:spcBef>
                 <a:spcPts val="0"/>
               </a:spcBef>
@@ -7190,9 +7378,6 @@
               </a:spcAft>
               <a:buNone/>
             </a:pPr>
-            <a:r>
-              <a:t/>
-            </a:r>
             <a:endParaRPr/>
           </a:p>
         </p:txBody>
@@ -7207,7 +7392,7 @@
           <a:blip r:embed="rId3">
             <a:alphaModFix/>
           </a:blip>
-          <a:srcRect b="5105" l="0" r="39957" t="0"/>
+          <a:srcRect r="39957" b="5105"/>
           <a:stretch/>
         </p:blipFill>
         <p:spPr>
@@ -7233,11 +7418,11 @@
 </file>
 
 <file path=ppt/slides/slide11.xml><?xml version="1.0" encoding="utf-8"?>
-<p:sld xmlns:a="http://schemas.openxmlformats.org/drawingml/2006/main" xmlns:r="http://schemas.openxmlformats.org/officeDocument/2006/relationships" xmlns:mc="http://schemas.openxmlformats.org/markup-compatibility/2006" xmlns:mv="urn:schemas-microsoft-com:mac:vml" xmlns:p="http://schemas.openxmlformats.org/presentationml/2006/main" xmlns:c="http://schemas.openxmlformats.org/drawingml/2006/chart" xmlns:dgm="http://schemas.openxmlformats.org/drawingml/2006/diagram" xmlns:o="urn:schemas-microsoft-com:office:office" xmlns:v="urn:schemas-microsoft-com:vml" xmlns:pvml="urn:schemas-microsoft-com:office:powerpoint" xmlns:com="http://schemas.openxmlformats.org/drawingml/2006/compatibility" xmlns:p14="http://schemas.microsoft.com/office/powerpoint/2010/main" xmlns:p15="http://schemas.microsoft.com/office/powerpoint/2012/main" xmlns:ahyp="http://schemas.microsoft.com/office/drawing/2018/hyperlinkcolor">
+<p:sld xmlns:a="http://schemas.openxmlformats.org/drawingml/2006/main" xmlns:r="http://schemas.openxmlformats.org/officeDocument/2006/relationships" xmlns:p="http://schemas.openxmlformats.org/presentationml/2006/main">
   <p:cSld>
     <p:spTree>
       <p:nvGrpSpPr>
-        <p:cNvPr id="120" name="Shape 120"/>
+        <p:cNvPr id="1" name="Shape 120"/>
         <p:cNvGrpSpPr/>
         <p:nvPr/>
       </p:nvGrpSpPr>
@@ -7252,7 +7437,9 @@
       <p:sp>
         <p:nvSpPr>
           <p:cNvPr id="121" name="Google Shape;121;p23"/>
-          <p:cNvSpPr txBox="1"/>
+          <p:cNvSpPr txBox="1">
+            <a:spLocks noGrp="1"/>
+          </p:cNvSpPr>
           <p:nvPr>
             <p:ph type="title"/>
           </p:nvPr>
@@ -7267,12 +7454,12 @@
           </a:prstGeom>
         </p:spPr>
         <p:txBody>
-          <a:bodyPr anchorCtr="0" anchor="t" bIns="91425" lIns="91425" spcFirstLastPara="1" rIns="91425" wrap="square" tIns="91425">
+          <a:bodyPr spcFirstLastPara="1" wrap="square" lIns="91425" tIns="91425" rIns="91425" bIns="91425" anchor="t" anchorCtr="0">
             <a:normAutofit fontScale="90000"/>
           </a:bodyPr>
           <a:lstStyle/>
           <a:p>
-            <a:pPr indent="0" lvl="0" marL="0" rtl="0" algn="l">
+            <a:pPr marL="0" lvl="0" indent="0" algn="l" rtl="0">
               <a:spcBef>
                 <a:spcPts val="0"/>
               </a:spcBef>
@@ -7295,7 +7482,7 @@
               <a:t>Results </a:t>
             </a:r>
             <a:r>
-              <a:rPr b="1" lang="en" sz="1300">
+              <a:rPr lang="en" sz="1300" b="1">
                 <a:solidFill>
                   <a:schemeClr val="lt1"/>
                 </a:solidFill>
@@ -7309,9 +7496,11 @@
       <p:sp>
         <p:nvSpPr>
           <p:cNvPr id="122" name="Google Shape;122;p23"/>
-          <p:cNvSpPr txBox="1"/>
+          <p:cNvSpPr txBox="1">
+            <a:spLocks noGrp="1"/>
+          </p:cNvSpPr>
           <p:nvPr>
-            <p:ph idx="1" type="body"/>
+            <p:ph type="body" idx="1"/>
           </p:nvPr>
         </p:nvSpPr>
         <p:spPr>
@@ -7324,12 +7513,12 @@
           </a:prstGeom>
         </p:spPr>
         <p:txBody>
-          <a:bodyPr anchorCtr="0" anchor="t" bIns="91425" lIns="91425" spcFirstLastPara="1" rIns="91425" wrap="square" tIns="91425">
+          <a:bodyPr spcFirstLastPara="1" wrap="square" lIns="91425" tIns="91425" rIns="91425" bIns="91425" anchor="t" anchorCtr="0">
             <a:normAutofit/>
           </a:bodyPr>
           <a:lstStyle/>
           <a:p>
-            <a:pPr indent="0" lvl="0" marL="0" rtl="0" algn="l">
+            <a:pPr marL="0" lvl="0" indent="0" algn="l" rtl="0">
               <a:spcBef>
                 <a:spcPts val="0"/>
               </a:spcBef>
@@ -7338,9 +7527,6 @@
               </a:spcAft>
               <a:buNone/>
             </a:pPr>
-            <a:r>
-              <a:t/>
-            </a:r>
             <a:endParaRPr/>
           </a:p>
         </p:txBody>
@@ -7382,18 +7568,19 @@
 </file>
 
 <file path=ppt/slides/slide12.xml><?xml version="1.0" encoding="utf-8"?>
-<p:sld xmlns:a="http://schemas.openxmlformats.org/drawingml/2006/main" xmlns:r="http://schemas.openxmlformats.org/officeDocument/2006/relationships" xmlns:mc="http://schemas.openxmlformats.org/markup-compatibility/2006" xmlns:mv="urn:schemas-microsoft-com:mac:vml" xmlns:p="http://schemas.openxmlformats.org/presentationml/2006/main" xmlns:c="http://schemas.openxmlformats.org/drawingml/2006/chart" xmlns:dgm="http://schemas.openxmlformats.org/drawingml/2006/diagram" xmlns:o="urn:schemas-microsoft-com:office:office" xmlns:v="urn:schemas-microsoft-com:vml" xmlns:pvml="urn:schemas-microsoft-com:office:powerpoint" xmlns:com="http://schemas.openxmlformats.org/drawingml/2006/compatibility" xmlns:p14="http://schemas.microsoft.com/office/powerpoint/2010/main" xmlns:p15="http://schemas.microsoft.com/office/powerpoint/2012/main" xmlns:ahyp="http://schemas.microsoft.com/office/drawing/2018/hyperlinkcolor">
+<p:sld xmlns:a="http://schemas.openxmlformats.org/drawingml/2006/main" xmlns:r="http://schemas.openxmlformats.org/officeDocument/2006/relationships" xmlns:p="http://schemas.openxmlformats.org/presentationml/2006/main">
   <p:cSld>
     <p:bg>
       <p:bgPr>
         <a:solidFill>
           <a:srgbClr val="0B5394"/>
         </a:solidFill>
+        <a:effectLst/>
       </p:bgPr>
     </p:bg>
     <p:spTree>
       <p:nvGrpSpPr>
-        <p:cNvPr id="127" name="Shape 127"/>
+        <p:cNvPr id="1" name="Shape 127"/>
         <p:cNvGrpSpPr/>
         <p:nvPr/>
       </p:nvGrpSpPr>
@@ -7408,7 +7595,9 @@
       <p:sp>
         <p:nvSpPr>
           <p:cNvPr id="128" name="Google Shape;128;p24"/>
-          <p:cNvSpPr txBox="1"/>
+          <p:cNvSpPr txBox="1">
+            <a:spLocks noGrp="1"/>
+          </p:cNvSpPr>
           <p:nvPr>
             <p:ph type="title"/>
           </p:nvPr>
@@ -7423,12 +7612,12 @@
           </a:prstGeom>
         </p:spPr>
         <p:txBody>
-          <a:bodyPr anchorCtr="0" anchor="t" bIns="91425" lIns="91425" spcFirstLastPara="1" rIns="91425" wrap="square" tIns="91425">
+          <a:bodyPr spcFirstLastPara="1" wrap="square" lIns="91425" tIns="91425" rIns="91425" bIns="91425" anchor="t" anchorCtr="0">
             <a:normAutofit fontScale="90000"/>
           </a:bodyPr>
           <a:lstStyle/>
           <a:p>
-            <a:pPr indent="0" lvl="0" marL="0" rtl="0" algn="l">
+            <a:pPr marL="0" lvl="0" indent="0" algn="l" rtl="0">
               <a:spcBef>
                 <a:spcPts val="0"/>
               </a:spcBef>
@@ -7446,14 +7635,14 @@
               <a:t>Results </a:t>
             </a:r>
             <a:r>
-              <a:rPr b="1" lang="en" sz="1300">
+              <a:rPr lang="en" sz="1300" b="1">
                 <a:solidFill>
                   <a:schemeClr val="lt2"/>
                 </a:solidFill>
               </a:rPr>
               <a:t>(Cont’d)</a:t>
             </a:r>
-            <a:endParaRPr b="1" sz="1300">
+            <a:endParaRPr sz="1300" b="1">
               <a:solidFill>
                 <a:schemeClr val="lt2"/>
               </a:solidFill>
@@ -7464,9 +7653,11 @@
       <p:sp>
         <p:nvSpPr>
           <p:cNvPr id="129" name="Google Shape;129;p24"/>
-          <p:cNvSpPr txBox="1"/>
+          <p:cNvSpPr txBox="1">
+            <a:spLocks noGrp="1"/>
+          </p:cNvSpPr>
           <p:nvPr>
-            <p:ph idx="1" type="body"/>
+            <p:ph type="body" idx="1"/>
           </p:nvPr>
         </p:nvSpPr>
         <p:spPr>
@@ -7479,12 +7670,12 @@
           </a:prstGeom>
         </p:spPr>
         <p:txBody>
-          <a:bodyPr anchorCtr="0" anchor="t" bIns="91425" lIns="91425" spcFirstLastPara="1" rIns="91425" wrap="square" tIns="91425">
+          <a:bodyPr spcFirstLastPara="1" wrap="square" lIns="91425" tIns="91425" rIns="91425" bIns="91425" anchor="t" anchorCtr="0">
             <a:normAutofit/>
           </a:bodyPr>
           <a:lstStyle/>
           <a:p>
-            <a:pPr indent="0" lvl="0" marL="0" rtl="0" algn="l">
+            <a:pPr marL="0" lvl="0" indent="0" algn="l" rtl="0">
               <a:spcBef>
                 <a:spcPts val="0"/>
               </a:spcBef>
@@ -7493,9 +7684,6 @@
               </a:spcAft>
               <a:buNone/>
             </a:pPr>
-            <a:r>
-              <a:t/>
-            </a:r>
             <a:endParaRPr/>
           </a:p>
         </p:txBody>
@@ -7537,11 +7725,11 @@
 </file>
 
 <file path=ppt/slides/slide13.xml><?xml version="1.0" encoding="utf-8"?>
-<p:sld xmlns:a="http://schemas.openxmlformats.org/drawingml/2006/main" xmlns:r="http://schemas.openxmlformats.org/officeDocument/2006/relationships" xmlns:mc="http://schemas.openxmlformats.org/markup-compatibility/2006" xmlns:mv="urn:schemas-microsoft-com:mac:vml" xmlns:p="http://schemas.openxmlformats.org/presentationml/2006/main" xmlns:c="http://schemas.openxmlformats.org/drawingml/2006/chart" xmlns:dgm="http://schemas.openxmlformats.org/drawingml/2006/diagram" xmlns:o="urn:schemas-microsoft-com:office:office" xmlns:v="urn:schemas-microsoft-com:vml" xmlns:pvml="urn:schemas-microsoft-com:office:powerpoint" xmlns:com="http://schemas.openxmlformats.org/drawingml/2006/compatibility" xmlns:p14="http://schemas.microsoft.com/office/powerpoint/2010/main" xmlns:p15="http://schemas.microsoft.com/office/powerpoint/2012/main" xmlns:ahyp="http://schemas.microsoft.com/office/drawing/2018/hyperlinkcolor">
+<p:sld xmlns:a="http://schemas.openxmlformats.org/drawingml/2006/main" xmlns:r="http://schemas.openxmlformats.org/officeDocument/2006/relationships" xmlns:p="http://schemas.openxmlformats.org/presentationml/2006/main">
   <p:cSld>
     <p:spTree>
       <p:nvGrpSpPr>
-        <p:cNvPr id="134" name="Shape 134"/>
+        <p:cNvPr id="1" name="Shape 134"/>
         <p:cNvGrpSpPr/>
         <p:nvPr/>
       </p:nvGrpSpPr>
@@ -7556,7 +7744,9 @@
       <p:sp>
         <p:nvSpPr>
           <p:cNvPr id="135" name="Google Shape;135;p25"/>
-          <p:cNvSpPr txBox="1"/>
+          <p:cNvSpPr txBox="1">
+            <a:spLocks noGrp="1"/>
+          </p:cNvSpPr>
           <p:nvPr>
             <p:ph type="title"/>
           </p:nvPr>
@@ -7571,12 +7761,12 @@
           </a:prstGeom>
         </p:spPr>
         <p:txBody>
-          <a:bodyPr anchorCtr="0" anchor="t" bIns="91425" lIns="91425" spcFirstLastPara="1" rIns="91425" wrap="square" tIns="91425">
+          <a:bodyPr spcFirstLastPara="1" wrap="square" lIns="91425" tIns="91425" rIns="91425" bIns="91425" anchor="t" anchorCtr="0">
             <a:normAutofit fontScale="90000"/>
           </a:bodyPr>
           <a:lstStyle/>
           <a:p>
-            <a:pPr indent="0" lvl="0" marL="0" rtl="0" algn="l">
+            <a:pPr marL="0" lvl="0" indent="0" algn="l" rtl="0">
               <a:spcBef>
                 <a:spcPts val="0"/>
               </a:spcBef>
@@ -7585,9 +7775,6 @@
               </a:spcAft>
               <a:buNone/>
             </a:pPr>
-            <a:r>
-              <a:t/>
-            </a:r>
             <a:endParaRPr/>
           </a:p>
         </p:txBody>
@@ -7595,9 +7782,11 @@
       <p:sp>
         <p:nvSpPr>
           <p:cNvPr id="136" name="Google Shape;136;p25"/>
-          <p:cNvSpPr txBox="1"/>
+          <p:cNvSpPr txBox="1">
+            <a:spLocks noGrp="1"/>
+          </p:cNvSpPr>
           <p:nvPr>
-            <p:ph idx="1" type="body"/>
+            <p:ph type="body" idx="1"/>
           </p:nvPr>
         </p:nvSpPr>
         <p:spPr>
@@ -7610,12 +7799,12 @@
           </a:prstGeom>
         </p:spPr>
         <p:txBody>
-          <a:bodyPr anchorCtr="0" anchor="t" bIns="91425" lIns="91425" spcFirstLastPara="1" rIns="91425" wrap="square" tIns="91425">
+          <a:bodyPr spcFirstLastPara="1" wrap="square" lIns="91425" tIns="91425" rIns="91425" bIns="91425" anchor="t" anchorCtr="0">
             <a:normAutofit/>
           </a:bodyPr>
           <a:lstStyle/>
           <a:p>
-            <a:pPr indent="0" lvl="0" marL="0" rtl="0" algn="l">
+            <a:pPr marL="0" lvl="0" indent="0" algn="l" rtl="0">
               <a:spcBef>
                 <a:spcPts val="0"/>
               </a:spcBef>
@@ -7624,9 +7813,6 @@
               </a:spcAft>
               <a:buNone/>
             </a:pPr>
-            <a:r>
-              <a:t/>
-            </a:r>
             <a:endParaRPr/>
           </a:p>
         </p:txBody>
@@ -7668,11 +7854,11 @@
 </file>
 
 <file path=ppt/slides/slide14.xml><?xml version="1.0" encoding="utf-8"?>
-<p:sld xmlns:a="http://schemas.openxmlformats.org/drawingml/2006/main" xmlns:r="http://schemas.openxmlformats.org/officeDocument/2006/relationships" xmlns:mc="http://schemas.openxmlformats.org/markup-compatibility/2006" xmlns:mv="urn:schemas-microsoft-com:mac:vml" xmlns:p="http://schemas.openxmlformats.org/presentationml/2006/main" xmlns:c="http://schemas.openxmlformats.org/drawingml/2006/chart" xmlns:dgm="http://schemas.openxmlformats.org/drawingml/2006/diagram" xmlns:o="urn:schemas-microsoft-com:office:office" xmlns:v="urn:schemas-microsoft-com:vml" xmlns:pvml="urn:schemas-microsoft-com:office:powerpoint" xmlns:com="http://schemas.openxmlformats.org/drawingml/2006/compatibility" xmlns:p14="http://schemas.microsoft.com/office/powerpoint/2010/main" xmlns:p15="http://schemas.microsoft.com/office/powerpoint/2012/main" xmlns:ahyp="http://schemas.microsoft.com/office/drawing/2018/hyperlinkcolor">
+<p:sld xmlns:a="http://schemas.openxmlformats.org/drawingml/2006/main" xmlns:r="http://schemas.openxmlformats.org/officeDocument/2006/relationships" xmlns:p="http://schemas.openxmlformats.org/presentationml/2006/main">
   <p:cSld>
     <p:spTree>
       <p:nvGrpSpPr>
-        <p:cNvPr id="141" name="Shape 141"/>
+        <p:cNvPr id="1" name="Shape 141"/>
         <p:cNvGrpSpPr/>
         <p:nvPr/>
       </p:nvGrpSpPr>
@@ -7687,7 +7873,9 @@
       <p:sp>
         <p:nvSpPr>
           <p:cNvPr id="142" name="Google Shape;142;p26"/>
-          <p:cNvSpPr txBox="1"/>
+          <p:cNvSpPr txBox="1">
+            <a:spLocks noGrp="1"/>
+          </p:cNvSpPr>
           <p:nvPr>
             <p:ph type="title"/>
           </p:nvPr>
@@ -7702,12 +7890,12 @@
           </a:prstGeom>
         </p:spPr>
         <p:txBody>
-          <a:bodyPr anchorCtr="0" anchor="t" bIns="91425" lIns="91425" spcFirstLastPara="1" rIns="91425" wrap="square" tIns="91425">
+          <a:bodyPr spcFirstLastPara="1" wrap="square" lIns="91425" tIns="91425" rIns="91425" bIns="91425" anchor="t" anchorCtr="0">
             <a:normAutofit fontScale="90000"/>
           </a:bodyPr>
           <a:lstStyle/>
           <a:p>
-            <a:pPr indent="0" lvl="0" marL="0" rtl="0" algn="l">
+            <a:pPr marL="0" lvl="0" indent="0" algn="l" rtl="0">
               <a:spcBef>
                 <a:spcPts val="0"/>
               </a:spcBef>
@@ -7735,9 +7923,11 @@
       <p:sp>
         <p:nvSpPr>
           <p:cNvPr id="143" name="Google Shape;143;p26"/>
-          <p:cNvSpPr txBox="1"/>
+          <p:cNvSpPr txBox="1">
+            <a:spLocks noGrp="1"/>
+          </p:cNvSpPr>
           <p:nvPr>
-            <p:ph idx="1" type="body"/>
+            <p:ph type="body" idx="1"/>
           </p:nvPr>
         </p:nvSpPr>
         <p:spPr>
@@ -7750,12 +7940,12 @@
           </a:prstGeom>
         </p:spPr>
         <p:txBody>
-          <a:bodyPr anchorCtr="0" anchor="t" bIns="91425" lIns="91425" spcFirstLastPara="1" rIns="91425" wrap="square" tIns="91425">
+          <a:bodyPr spcFirstLastPara="1" wrap="square" lIns="91425" tIns="91425" rIns="91425" bIns="91425" anchor="t" anchorCtr="0">
             <a:normAutofit/>
           </a:bodyPr>
           <a:lstStyle/>
           <a:p>
-            <a:pPr indent="0" lvl="0" marL="0" rtl="0" algn="l">
+            <a:pPr marL="0" lvl="0" indent="0" algn="l" rtl="0">
               <a:lnSpc>
                 <a:spcPct val="100000"/>
               </a:lnSpc>
@@ -7778,15 +7968,7 @@
                   <a:schemeClr val="lt1"/>
                 </a:solidFill>
               </a:rPr>
-              <a:t>The </a:t>
-            </a:r>
-            <a:r>
-              <a:rPr lang="en" sz="1900">
-                <a:solidFill>
-                  <a:schemeClr val="lt1"/>
-                </a:solidFill>
-              </a:rPr>
-              <a:t>DataFrame</a:t>
+              <a:t>The DataFrame</a:t>
             </a:r>
             <a:endParaRPr sz="1900">
               <a:solidFill>
@@ -7795,7 +7977,7 @@
             </a:endParaRPr>
           </a:p>
           <a:p>
-            <a:pPr indent="0" lvl="0" marL="0" rtl="0" algn="l">
+            <a:pPr marL="0" lvl="0" indent="0" algn="l" rtl="0">
               <a:spcBef>
                 <a:spcPts val="0"/>
               </a:spcBef>
@@ -7804,9 +7986,6 @@
               </a:spcAft>
               <a:buNone/>
             </a:pPr>
-            <a:r>
-              <a:t/>
-            </a:r>
             <a:endParaRPr sz="2800">
               <a:solidFill>
                 <a:schemeClr val="dk1"/>
@@ -7852,11 +8031,11 @@
 </file>
 
 <file path=ppt/slides/slide15.xml><?xml version="1.0" encoding="utf-8"?>
-<p:sld xmlns:a="http://schemas.openxmlformats.org/drawingml/2006/main" xmlns:r="http://schemas.openxmlformats.org/officeDocument/2006/relationships" xmlns:mc="http://schemas.openxmlformats.org/markup-compatibility/2006" xmlns:mv="urn:schemas-microsoft-com:mac:vml" xmlns:p="http://schemas.openxmlformats.org/presentationml/2006/main" xmlns:c="http://schemas.openxmlformats.org/drawingml/2006/chart" xmlns:dgm="http://schemas.openxmlformats.org/drawingml/2006/diagram" xmlns:o="urn:schemas-microsoft-com:office:office" xmlns:v="urn:schemas-microsoft-com:vml" xmlns:pvml="urn:schemas-microsoft-com:office:powerpoint" xmlns:com="http://schemas.openxmlformats.org/drawingml/2006/compatibility" xmlns:p14="http://schemas.microsoft.com/office/powerpoint/2010/main" xmlns:p15="http://schemas.microsoft.com/office/powerpoint/2012/main" xmlns:ahyp="http://schemas.microsoft.com/office/drawing/2018/hyperlinkcolor">
+<p:sld xmlns:a="http://schemas.openxmlformats.org/drawingml/2006/main" xmlns:r="http://schemas.openxmlformats.org/officeDocument/2006/relationships" xmlns:p="http://schemas.openxmlformats.org/presentationml/2006/main">
   <p:cSld>
     <p:spTree>
       <p:nvGrpSpPr>
-        <p:cNvPr id="148" name="Shape 148"/>
+        <p:cNvPr id="1" name="Shape 148"/>
         <p:cNvGrpSpPr/>
         <p:nvPr/>
       </p:nvGrpSpPr>
@@ -7871,9 +8050,11 @@
       <p:sp>
         <p:nvSpPr>
           <p:cNvPr id="149" name="Google Shape;149;p27"/>
-          <p:cNvSpPr txBox="1"/>
+          <p:cNvSpPr txBox="1">
+            <a:spLocks noGrp="1"/>
+          </p:cNvSpPr>
           <p:nvPr>
-            <p:ph idx="1" type="body"/>
+            <p:ph type="body" idx="1"/>
           </p:nvPr>
         </p:nvSpPr>
         <p:spPr>
@@ -7886,12 +8067,12 @@
           </a:prstGeom>
         </p:spPr>
         <p:txBody>
-          <a:bodyPr anchorCtr="0" anchor="t" bIns="91425" lIns="91425" spcFirstLastPara="1" rIns="91425" wrap="square" tIns="91425">
+          <a:bodyPr spcFirstLastPara="1" wrap="square" lIns="91425" tIns="91425" rIns="91425" bIns="91425" anchor="t" anchorCtr="0">
             <a:normAutofit/>
           </a:bodyPr>
           <a:lstStyle/>
           <a:p>
-            <a:pPr indent="0" lvl="0" marL="0" rtl="0" algn="l">
+            <a:pPr marL="0" lvl="0" indent="0" algn="l" rtl="0">
               <a:spcBef>
                 <a:spcPts val="0"/>
               </a:spcBef>
@@ -7900,9 +8081,6 @@
               </a:spcAft>
               <a:buNone/>
             </a:pPr>
-            <a:r>
-              <a:t/>
-            </a:r>
             <a:endParaRPr/>
           </a:p>
         </p:txBody>
@@ -7944,11 +8122,11 @@
 </file>
 
 <file path=ppt/slides/slide2.xml><?xml version="1.0" encoding="utf-8"?>
-<p:sld xmlns:a="http://schemas.openxmlformats.org/drawingml/2006/main" xmlns:r="http://schemas.openxmlformats.org/officeDocument/2006/relationships" xmlns:mc="http://schemas.openxmlformats.org/markup-compatibility/2006" xmlns:mv="urn:schemas-microsoft-com:mac:vml" xmlns:p="http://schemas.openxmlformats.org/presentationml/2006/main" xmlns:c="http://schemas.openxmlformats.org/drawingml/2006/chart" xmlns:dgm="http://schemas.openxmlformats.org/drawingml/2006/diagram" xmlns:o="urn:schemas-microsoft-com:office:office" xmlns:v="urn:schemas-microsoft-com:vml" xmlns:pvml="urn:schemas-microsoft-com:office:powerpoint" xmlns:com="http://schemas.openxmlformats.org/drawingml/2006/compatibility" xmlns:p14="http://schemas.microsoft.com/office/powerpoint/2010/main" xmlns:p15="http://schemas.microsoft.com/office/powerpoint/2012/main" xmlns:ahyp="http://schemas.microsoft.com/office/drawing/2018/hyperlinkcolor">
+<p:sld xmlns:a="http://schemas.openxmlformats.org/drawingml/2006/main" xmlns:r="http://schemas.openxmlformats.org/officeDocument/2006/relationships" xmlns:p="http://schemas.openxmlformats.org/presentationml/2006/main">
   <p:cSld>
     <p:spTree>
       <p:nvGrpSpPr>
-        <p:cNvPr id="61" name="Shape 61"/>
+        <p:cNvPr id="1" name="Shape 61"/>
         <p:cNvGrpSpPr/>
         <p:nvPr/>
       </p:nvGrpSpPr>
@@ -7963,7 +8141,9 @@
       <p:sp>
         <p:nvSpPr>
           <p:cNvPr id="62" name="Google Shape;62;p14"/>
-          <p:cNvSpPr txBox="1"/>
+          <p:cNvSpPr txBox="1">
+            <a:spLocks noGrp="1"/>
+          </p:cNvSpPr>
           <p:nvPr>
             <p:ph type="title"/>
           </p:nvPr>
@@ -7978,12 +8158,12 @@
           </a:prstGeom>
         </p:spPr>
         <p:txBody>
-          <a:bodyPr anchorCtr="0" anchor="t" bIns="91425" lIns="91425" spcFirstLastPara="1" rIns="91425" wrap="square" tIns="91425">
+          <a:bodyPr spcFirstLastPara="1" wrap="square" lIns="91425" tIns="91425" rIns="91425" bIns="91425" anchor="t" anchorCtr="0">
             <a:normAutofit fontScale="90000"/>
           </a:bodyPr>
           <a:lstStyle/>
           <a:p>
-            <a:pPr indent="0" lvl="0" marL="0" rtl="0" algn="l">
+            <a:pPr marL="0" lvl="0" indent="0" algn="l" rtl="0">
               <a:spcBef>
                 <a:spcPts val="0"/>
               </a:spcBef>
@@ -8011,9 +8191,11 @@
       <p:sp>
         <p:nvSpPr>
           <p:cNvPr id="63" name="Google Shape;63;p14"/>
-          <p:cNvSpPr txBox="1"/>
+          <p:cNvSpPr txBox="1">
+            <a:spLocks noGrp="1"/>
+          </p:cNvSpPr>
           <p:nvPr>
-            <p:ph idx="1" type="body"/>
+            <p:ph type="body" idx="1"/>
           </p:nvPr>
         </p:nvSpPr>
         <p:spPr>
@@ -8026,12 +8208,12 @@
           </a:prstGeom>
         </p:spPr>
         <p:txBody>
-          <a:bodyPr anchorCtr="0" anchor="t" bIns="91425" lIns="91425" spcFirstLastPara="1" rIns="91425" wrap="square" tIns="91425">
+          <a:bodyPr spcFirstLastPara="1" wrap="square" lIns="91425" tIns="91425" rIns="91425" bIns="91425" anchor="t" anchorCtr="0">
             <a:normAutofit lnSpcReduction="20000"/>
           </a:bodyPr>
           <a:lstStyle/>
           <a:p>
-            <a:pPr indent="0" lvl="0" marL="0" rtl="0" algn="l">
+            <a:pPr marL="0" lvl="0" indent="0" algn="l" rtl="0">
               <a:spcBef>
                 <a:spcPts val="0"/>
               </a:spcBef>
@@ -8046,47 +8228,7 @@
                   <a:schemeClr val="lt1"/>
                 </a:solidFill>
               </a:rPr>
-              <a:t>I</a:t>
-            </a:r>
-            <a:r>
-              <a:rPr lang="en">
-                <a:solidFill>
-                  <a:schemeClr val="lt1"/>
-                </a:solidFill>
-              </a:rPr>
-              <a:t>n this analysis we are trying to implement a machine learning model to predict trends in segments of stock market based on the effects of social media feeds </a:t>
-            </a:r>
-            <a:r>
-              <a:rPr lang="en">
-                <a:solidFill>
-                  <a:schemeClr val="lt1"/>
-                </a:solidFill>
-              </a:rPr>
-              <a:t>from</a:t>
-            </a:r>
-            <a:r>
-              <a:rPr lang="en">
-                <a:solidFill>
-                  <a:schemeClr val="lt1"/>
-                </a:solidFill>
-              </a:rPr>
-              <a:t> </a:t>
-            </a:r>
-            <a:r>
-              <a:rPr lang="en">
-                <a:solidFill>
-                  <a:schemeClr val="lt1"/>
-                </a:solidFill>
-              </a:rPr>
-              <a:t>their</a:t>
-            </a:r>
-            <a:r>
-              <a:rPr lang="en">
-                <a:solidFill>
-                  <a:schemeClr val="lt1"/>
-                </a:solidFill>
-              </a:rPr>
-              <a:t> direct stakeholders. </a:t>
+              <a:t>In this analysis we are trying to implement a machine learning model to predict trends in segments of stock market based on the effects of social media feeds from their direct stakeholders. </a:t>
             </a:r>
             <a:endParaRPr>
               <a:solidFill>
@@ -8095,7 +8237,7 @@
             </a:endParaRPr>
           </a:p>
           <a:p>
-            <a:pPr indent="0" lvl="0" marL="0" rtl="0" algn="l">
+            <a:pPr marL="0" lvl="0" indent="0" algn="l" rtl="0">
               <a:spcBef>
                 <a:spcPts val="1200"/>
               </a:spcBef>
@@ -8119,7 +8261,7 @@
             </a:endParaRPr>
           </a:p>
           <a:p>
-            <a:pPr indent="-342900" lvl="0" marL="457200" rtl="0" algn="l">
+            <a:pPr marL="457200" lvl="0" indent="-342900" algn="l" rtl="0">
               <a:spcBef>
                 <a:spcPts val="1200"/>
               </a:spcBef>
@@ -8147,7 +8289,7 @@
             </a:endParaRPr>
           </a:p>
           <a:p>
-            <a:pPr indent="-342900" lvl="0" marL="457200" rtl="0" algn="l">
+            <a:pPr marL="457200" lvl="0" indent="-342900" algn="l" rtl="0">
               <a:spcBef>
                 <a:spcPts val="0"/>
               </a:spcBef>
@@ -8175,7 +8317,7 @@
             </a:endParaRPr>
           </a:p>
           <a:p>
-            <a:pPr indent="-342900" lvl="0" marL="457200" rtl="0" algn="l">
+            <a:pPr marL="457200" lvl="0" indent="-342900" algn="l" rtl="0">
               <a:spcBef>
                 <a:spcPts val="0"/>
               </a:spcBef>
@@ -8203,7 +8345,7 @@
             </a:endParaRPr>
           </a:p>
           <a:p>
-            <a:pPr indent="-342900" lvl="0" marL="457200" rtl="0" algn="l">
+            <a:pPr marL="457200" lvl="0" indent="-342900" algn="l" rtl="0">
               <a:spcBef>
                 <a:spcPts val="0"/>
               </a:spcBef>
@@ -8231,7 +8373,7 @@
             </a:endParaRPr>
           </a:p>
           <a:p>
-            <a:pPr indent="0" lvl="0" marL="0" rtl="0" algn="l">
+            <a:pPr marL="0" lvl="0" indent="0" algn="l" rtl="0">
               <a:spcBef>
                 <a:spcPts val="1200"/>
               </a:spcBef>
@@ -8240,9 +8382,6 @@
               </a:spcAft>
               <a:buNone/>
             </a:pPr>
-            <a:r>
-              <a:t/>
-            </a:r>
             <a:endParaRPr>
               <a:solidFill>
                 <a:schemeClr val="lt1"/>
@@ -8260,11 +8399,11 @@
 </file>
 
 <file path=ppt/slides/slide3.xml><?xml version="1.0" encoding="utf-8"?>
-<p:sld xmlns:a="http://schemas.openxmlformats.org/drawingml/2006/main" xmlns:r="http://schemas.openxmlformats.org/officeDocument/2006/relationships" xmlns:mc="http://schemas.openxmlformats.org/markup-compatibility/2006" xmlns:mv="urn:schemas-microsoft-com:mac:vml" xmlns:p="http://schemas.openxmlformats.org/presentationml/2006/main" xmlns:c="http://schemas.openxmlformats.org/drawingml/2006/chart" xmlns:dgm="http://schemas.openxmlformats.org/drawingml/2006/diagram" xmlns:o="urn:schemas-microsoft-com:office:office" xmlns:v="urn:schemas-microsoft-com:vml" xmlns:pvml="urn:schemas-microsoft-com:office:powerpoint" xmlns:com="http://schemas.openxmlformats.org/drawingml/2006/compatibility" xmlns:p14="http://schemas.microsoft.com/office/powerpoint/2010/main" xmlns:p15="http://schemas.microsoft.com/office/powerpoint/2012/main" xmlns:ahyp="http://schemas.microsoft.com/office/drawing/2018/hyperlinkcolor">
+<p:sld xmlns:a="http://schemas.openxmlformats.org/drawingml/2006/main" xmlns:r="http://schemas.openxmlformats.org/officeDocument/2006/relationships" xmlns:p="http://schemas.openxmlformats.org/presentationml/2006/main">
   <p:cSld>
     <p:spTree>
       <p:nvGrpSpPr>
-        <p:cNvPr id="67" name="Shape 67"/>
+        <p:cNvPr id="1" name="Shape 67"/>
         <p:cNvGrpSpPr/>
         <p:nvPr/>
       </p:nvGrpSpPr>
@@ -8279,7 +8418,9 @@
       <p:sp>
         <p:nvSpPr>
           <p:cNvPr id="68" name="Google Shape;68;p15"/>
-          <p:cNvSpPr txBox="1"/>
+          <p:cNvSpPr txBox="1">
+            <a:spLocks noGrp="1"/>
+          </p:cNvSpPr>
           <p:nvPr>
             <p:ph type="title"/>
           </p:nvPr>
@@ -8294,12 +8435,12 @@
           </a:prstGeom>
         </p:spPr>
         <p:txBody>
-          <a:bodyPr anchorCtr="0" anchor="t" bIns="91425" lIns="91425" spcFirstLastPara="1" rIns="91425" wrap="square" tIns="91425">
+          <a:bodyPr spcFirstLastPara="1" wrap="square" lIns="91425" tIns="91425" rIns="91425" bIns="91425" anchor="t" anchorCtr="0">
             <a:normAutofit fontScale="90000"/>
           </a:bodyPr>
           <a:lstStyle/>
           <a:p>
-            <a:pPr indent="0" lvl="0" marL="0" rtl="0" algn="l">
+            <a:pPr marL="0" lvl="0" indent="0" algn="l" rtl="0">
               <a:spcBef>
                 <a:spcPts val="0"/>
               </a:spcBef>
@@ -8327,9 +8468,11 @@
       <p:sp>
         <p:nvSpPr>
           <p:cNvPr id="69" name="Google Shape;69;p15"/>
-          <p:cNvSpPr txBox="1"/>
+          <p:cNvSpPr txBox="1">
+            <a:spLocks noGrp="1"/>
+          </p:cNvSpPr>
           <p:nvPr>
-            <p:ph idx="1" type="body"/>
+            <p:ph type="body" idx="1"/>
           </p:nvPr>
         </p:nvSpPr>
         <p:spPr>
@@ -8342,12 +8485,12 @@
           </a:prstGeom>
         </p:spPr>
         <p:txBody>
-          <a:bodyPr anchorCtr="0" anchor="t" bIns="91425" lIns="91425" spcFirstLastPara="1" rIns="91425" wrap="square" tIns="91425">
+          <a:bodyPr spcFirstLastPara="1" wrap="square" lIns="91425" tIns="91425" rIns="91425" bIns="91425" anchor="t" anchorCtr="0">
             <a:normAutofit/>
           </a:bodyPr>
           <a:lstStyle/>
           <a:p>
-            <a:pPr indent="0" lvl="0" marL="0" rtl="0" algn="l">
+            <a:pPr marL="0" lvl="0" indent="0" algn="l" rtl="0">
               <a:spcBef>
                 <a:spcPts val="0"/>
               </a:spcBef>
@@ -8371,7 +8514,7 @@
             </a:endParaRPr>
           </a:p>
           <a:p>
-            <a:pPr indent="0" lvl="0" marL="0" rtl="0" algn="l">
+            <a:pPr marL="0" lvl="0" indent="0" algn="l" rtl="0">
               <a:spcBef>
                 <a:spcPts val="1200"/>
               </a:spcBef>
@@ -8395,7 +8538,7 @@
             </a:endParaRPr>
           </a:p>
           <a:p>
-            <a:pPr indent="0" lvl="0" marL="0" rtl="0" algn="l">
+            <a:pPr marL="0" lvl="0" indent="0" algn="l" rtl="0">
               <a:spcBef>
                 <a:spcPts val="1200"/>
               </a:spcBef>
@@ -8419,7 +8562,7 @@
             </a:endParaRPr>
           </a:p>
           <a:p>
-            <a:pPr indent="0" lvl="0" marL="0" rtl="0" algn="l">
+            <a:pPr marL="0" lvl="0" indent="0" algn="l" rtl="0">
               <a:spcBef>
                 <a:spcPts val="1200"/>
               </a:spcBef>
@@ -8443,7 +8586,7 @@
             </a:endParaRPr>
           </a:p>
           <a:p>
-            <a:pPr indent="0" lvl="0" marL="0" rtl="0" algn="l">
+            <a:pPr marL="0" lvl="0" indent="0" algn="l" rtl="0">
               <a:spcBef>
                 <a:spcPts val="1200"/>
               </a:spcBef>
@@ -8458,23 +8601,7 @@
                   <a:srgbClr val="FFFFFF"/>
                 </a:solidFill>
               </a:rPr>
-              <a:t> 5- Are an </a:t>
-            </a:r>
-            <a:r>
-              <a:rPr lang="en">
-                <a:solidFill>
-                  <a:srgbClr val="FFFFFF"/>
-                </a:solidFill>
-              </a:rPr>
-              <a:t>individual's</a:t>
-            </a:r>
-            <a:r>
-              <a:rPr lang="en">
-                <a:solidFill>
-                  <a:srgbClr val="FFFFFF"/>
-                </a:solidFill>
-              </a:rPr>
-              <a:t> tweets significant enough to move a specific segment of the market?</a:t>
+              <a:t> 5- Are an individual's tweets significant enough to move a specific segment of the market?</a:t>
             </a:r>
             <a:endParaRPr>
               <a:solidFill>
@@ -8493,11 +8620,11 @@
 </file>
 
 <file path=ppt/slides/slide4.xml><?xml version="1.0" encoding="utf-8"?>
-<p:sld xmlns:a="http://schemas.openxmlformats.org/drawingml/2006/main" xmlns:r="http://schemas.openxmlformats.org/officeDocument/2006/relationships" xmlns:mc="http://schemas.openxmlformats.org/markup-compatibility/2006" xmlns:mv="urn:schemas-microsoft-com:mac:vml" xmlns:p="http://schemas.openxmlformats.org/presentationml/2006/main" xmlns:c="http://schemas.openxmlformats.org/drawingml/2006/chart" xmlns:dgm="http://schemas.openxmlformats.org/drawingml/2006/diagram" xmlns:o="urn:schemas-microsoft-com:office:office" xmlns:v="urn:schemas-microsoft-com:vml" xmlns:pvml="urn:schemas-microsoft-com:office:powerpoint" xmlns:com="http://schemas.openxmlformats.org/drawingml/2006/compatibility" xmlns:p14="http://schemas.microsoft.com/office/powerpoint/2010/main" xmlns:p15="http://schemas.microsoft.com/office/powerpoint/2012/main" xmlns:ahyp="http://schemas.microsoft.com/office/drawing/2018/hyperlinkcolor">
+<p:sld xmlns:a="http://schemas.openxmlformats.org/drawingml/2006/main" xmlns:r="http://schemas.openxmlformats.org/officeDocument/2006/relationships" xmlns:p="http://schemas.openxmlformats.org/presentationml/2006/main">
   <p:cSld>
     <p:spTree>
       <p:nvGrpSpPr>
-        <p:cNvPr id="73" name="Shape 73"/>
+        <p:cNvPr id="1" name="Shape 73"/>
         <p:cNvGrpSpPr/>
         <p:nvPr/>
       </p:nvGrpSpPr>
@@ -8512,7 +8639,9 @@
       <p:sp>
         <p:nvSpPr>
           <p:cNvPr id="74" name="Google Shape;74;p16"/>
-          <p:cNvSpPr txBox="1"/>
+          <p:cNvSpPr txBox="1">
+            <a:spLocks noGrp="1"/>
+          </p:cNvSpPr>
           <p:nvPr>
             <p:ph type="title"/>
           </p:nvPr>
@@ -8527,12 +8656,12 @@
           </a:prstGeom>
         </p:spPr>
         <p:txBody>
-          <a:bodyPr anchorCtr="0" anchor="t" bIns="91425" lIns="91425" spcFirstLastPara="1" rIns="91425" wrap="square" tIns="91425">
+          <a:bodyPr spcFirstLastPara="1" wrap="square" lIns="91425" tIns="91425" rIns="91425" bIns="91425" anchor="t" anchorCtr="0">
             <a:normAutofit fontScale="90000"/>
           </a:bodyPr>
           <a:lstStyle/>
           <a:p>
-            <a:pPr indent="0" lvl="0" marL="0" rtl="0" algn="l">
+            <a:pPr marL="0" lvl="0" indent="0" algn="l" rtl="0">
               <a:spcBef>
                 <a:spcPts val="0"/>
               </a:spcBef>
@@ -8560,9 +8689,11 @@
       <p:sp>
         <p:nvSpPr>
           <p:cNvPr id="75" name="Google Shape;75;p16"/>
-          <p:cNvSpPr txBox="1"/>
+          <p:cNvSpPr txBox="1">
+            <a:spLocks noGrp="1"/>
+          </p:cNvSpPr>
           <p:nvPr>
-            <p:ph idx="1" type="body"/>
+            <p:ph type="body" idx="1"/>
           </p:nvPr>
         </p:nvSpPr>
         <p:spPr>
@@ -8575,12 +8706,12 @@
           </a:prstGeom>
         </p:spPr>
         <p:txBody>
-          <a:bodyPr anchorCtr="0" anchor="t" bIns="91425" lIns="91425" spcFirstLastPara="1" rIns="91425" wrap="square" tIns="91425">
+          <a:bodyPr spcFirstLastPara="1" wrap="square" lIns="91425" tIns="91425" rIns="91425" bIns="91425" anchor="t" anchorCtr="0">
             <a:normAutofit lnSpcReduction="20000"/>
           </a:bodyPr>
           <a:lstStyle/>
           <a:p>
-            <a:pPr indent="0" lvl="0" marL="0" rtl="0" algn="l">
+            <a:pPr marL="0" lvl="0" indent="0" algn="l" rtl="0">
               <a:spcBef>
                 <a:spcPts val="0"/>
               </a:spcBef>
@@ -8590,21 +8721,21 @@
               <a:buNone/>
             </a:pPr>
             <a:r>
-              <a:rPr b="1" lang="en" sz="2280">
+              <a:rPr lang="en" sz="2280" b="1">
                 <a:solidFill>
                   <a:srgbClr val="FFFFFF"/>
                 </a:solidFill>
               </a:rPr>
               <a:t>Data Sources</a:t>
             </a:r>
-            <a:endParaRPr b="1" sz="2280">
+            <a:endParaRPr sz="2280" b="1">
               <a:solidFill>
                 <a:srgbClr val="FFFFFF"/>
               </a:solidFill>
             </a:endParaRPr>
           </a:p>
           <a:p>
-            <a:pPr indent="0" lvl="0" marL="0" rtl="0" algn="l">
+            <a:pPr marL="0" lvl="0" indent="0" algn="l" rtl="0">
               <a:spcBef>
                 <a:spcPts val="1200"/>
               </a:spcBef>
@@ -8614,21 +8745,21 @@
               <a:buNone/>
             </a:pPr>
             <a:r>
-              <a:rPr b="1" lang="en" sz="2120">
+              <a:rPr lang="en" sz="2120" b="1">
                 <a:solidFill>
                   <a:srgbClr val="FFFFFF"/>
                 </a:solidFill>
               </a:rPr>
               <a:t>1- Yahoo_fin</a:t>
             </a:r>
-            <a:endParaRPr b="1" sz="2120">
+            <a:endParaRPr sz="2120" b="1">
               <a:solidFill>
                 <a:srgbClr val="FFFFFF"/>
               </a:solidFill>
             </a:endParaRPr>
           </a:p>
           <a:p>
-            <a:pPr indent="0" lvl="0" marL="457200" rtl="0" algn="l">
+            <a:pPr marL="457200" lvl="0" indent="0" algn="l" rtl="0">
               <a:spcBef>
                 <a:spcPts val="1200"/>
               </a:spcBef>
@@ -8652,7 +8783,7 @@
             </a:endParaRPr>
           </a:p>
           <a:p>
-            <a:pPr indent="0" lvl="0" marL="0" rtl="0" algn="l">
+            <a:pPr marL="0" lvl="0" indent="0" algn="l" rtl="0">
               <a:spcBef>
                 <a:spcPts val="1200"/>
               </a:spcBef>
@@ -8662,21 +8793,21 @@
               <a:buNone/>
             </a:pPr>
             <a:r>
-              <a:rPr b="1" lang="en" sz="2120">
+              <a:rPr lang="en" sz="2120" b="1">
                 <a:solidFill>
                   <a:srgbClr val="FFFFFF"/>
                 </a:solidFill>
               </a:rPr>
               <a:t>2- Twitter API</a:t>
             </a:r>
-            <a:endParaRPr b="1" sz="2120">
+            <a:endParaRPr sz="2120" b="1">
               <a:solidFill>
                 <a:srgbClr val="FFFFFF"/>
               </a:solidFill>
             </a:endParaRPr>
           </a:p>
           <a:p>
-            <a:pPr indent="457200" lvl="0" marL="0" rtl="0" algn="l">
+            <a:pPr marL="0" lvl="0" indent="457200" algn="l" rtl="0">
               <a:spcBef>
                 <a:spcPts val="1200"/>
               </a:spcBef>
@@ -8700,7 +8831,7 @@
             </a:endParaRPr>
           </a:p>
           <a:p>
-            <a:pPr indent="0" lvl="0" marL="0" rtl="0" algn="l">
+            <a:pPr marL="0" lvl="0" indent="0" algn="l" rtl="0">
               <a:spcBef>
                 <a:spcPts val="1200"/>
               </a:spcBef>
@@ -8710,7 +8841,7 @@
               <a:buNone/>
             </a:pPr>
             <a:r>
-              <a:rPr b="1" lang="en">
+              <a:rPr lang="en" b="1">
                 <a:solidFill>
                   <a:srgbClr val="FFFFFF"/>
                 </a:solidFill>
@@ -8724,7 +8855,7 @@
             </a:endParaRPr>
           </a:p>
           <a:p>
-            <a:pPr indent="457200" lvl="0" marL="0" rtl="0" algn="l">
+            <a:pPr marL="0" lvl="0" indent="457200" algn="l" rtl="0">
               <a:spcBef>
                 <a:spcPts val="1200"/>
               </a:spcBef>
@@ -8758,11 +8889,11 @@
 </file>
 
 <file path=ppt/slides/slide5.xml><?xml version="1.0" encoding="utf-8"?>
-<p:sld xmlns:a="http://schemas.openxmlformats.org/drawingml/2006/main" xmlns:r="http://schemas.openxmlformats.org/officeDocument/2006/relationships" xmlns:mc="http://schemas.openxmlformats.org/markup-compatibility/2006" xmlns:mv="urn:schemas-microsoft-com:mac:vml" xmlns:p="http://schemas.openxmlformats.org/presentationml/2006/main" xmlns:c="http://schemas.openxmlformats.org/drawingml/2006/chart" xmlns:dgm="http://schemas.openxmlformats.org/drawingml/2006/diagram" xmlns:o="urn:schemas-microsoft-com:office:office" xmlns:v="urn:schemas-microsoft-com:vml" xmlns:pvml="urn:schemas-microsoft-com:office:powerpoint" xmlns:com="http://schemas.openxmlformats.org/drawingml/2006/compatibility" xmlns:p14="http://schemas.microsoft.com/office/powerpoint/2010/main" xmlns:p15="http://schemas.microsoft.com/office/powerpoint/2012/main" xmlns:ahyp="http://schemas.microsoft.com/office/drawing/2018/hyperlinkcolor">
+<p:sld xmlns:a="http://schemas.openxmlformats.org/drawingml/2006/main" xmlns:r="http://schemas.openxmlformats.org/officeDocument/2006/relationships" xmlns:p="http://schemas.openxmlformats.org/presentationml/2006/main">
   <p:cSld>
     <p:spTree>
       <p:nvGrpSpPr>
-        <p:cNvPr id="79" name="Shape 79"/>
+        <p:cNvPr id="1" name="Shape 79"/>
         <p:cNvGrpSpPr/>
         <p:nvPr/>
       </p:nvGrpSpPr>
@@ -8777,7 +8908,9 @@
       <p:sp>
         <p:nvSpPr>
           <p:cNvPr id="80" name="Google Shape;80;p17"/>
-          <p:cNvSpPr txBox="1"/>
+          <p:cNvSpPr txBox="1">
+            <a:spLocks noGrp="1"/>
+          </p:cNvSpPr>
           <p:nvPr>
             <p:ph type="title"/>
           </p:nvPr>
@@ -8792,12 +8925,12 @@
           </a:prstGeom>
         </p:spPr>
         <p:txBody>
-          <a:bodyPr anchorCtr="0" anchor="t" bIns="91425" lIns="91425" spcFirstLastPara="1" rIns="91425" wrap="square" tIns="91425">
+          <a:bodyPr spcFirstLastPara="1" wrap="square" lIns="91425" tIns="91425" rIns="91425" bIns="91425" anchor="t" anchorCtr="0">
             <a:normAutofit fontScale="90000"/>
           </a:bodyPr>
           <a:lstStyle/>
           <a:p>
-            <a:pPr indent="0" lvl="0" marL="0" rtl="0" algn="l">
+            <a:pPr marL="0" lvl="0" indent="0" algn="l" rtl="0">
               <a:spcBef>
                 <a:spcPts val="0"/>
               </a:spcBef>
@@ -8833,9 +8966,11 @@
       <p:sp>
         <p:nvSpPr>
           <p:cNvPr id="81" name="Google Shape;81;p17"/>
-          <p:cNvSpPr txBox="1"/>
+          <p:cNvSpPr txBox="1">
+            <a:spLocks noGrp="1"/>
+          </p:cNvSpPr>
           <p:nvPr>
-            <p:ph idx="1" type="body"/>
+            <p:ph type="body" idx="1"/>
           </p:nvPr>
         </p:nvSpPr>
         <p:spPr>
@@ -8848,12 +8983,12 @@
           </a:prstGeom>
         </p:spPr>
         <p:txBody>
-          <a:bodyPr anchorCtr="0" anchor="t" bIns="91425" lIns="91425" spcFirstLastPara="1" rIns="91425" wrap="square" tIns="91425">
+          <a:bodyPr spcFirstLastPara="1" wrap="square" lIns="91425" tIns="91425" rIns="91425" bIns="91425" anchor="t" anchorCtr="0">
             <a:normAutofit/>
           </a:bodyPr>
           <a:lstStyle/>
           <a:p>
-            <a:pPr indent="0" lvl="0" marL="0" rtl="0" algn="l">
+            <a:pPr marL="0" lvl="0" indent="0" algn="l" rtl="0">
               <a:spcBef>
                 <a:spcPts val="0"/>
               </a:spcBef>
@@ -8863,7 +8998,7 @@
               <a:buNone/>
             </a:pPr>
             <a:r>
-              <a:rPr b="1" lang="en">
+              <a:rPr lang="en" b="1">
                 <a:solidFill>
                   <a:schemeClr val="lt1"/>
                 </a:solidFill>
@@ -8877,7 +9012,7 @@
             </a:endParaRPr>
           </a:p>
           <a:p>
-            <a:pPr indent="0" lvl="0" marL="0" rtl="0" algn="l">
+            <a:pPr marL="0" lvl="0" indent="0" algn="l" rtl="0">
               <a:spcBef>
                 <a:spcPts val="1200"/>
               </a:spcBef>
@@ -8901,7 +9036,7 @@
             </a:endParaRPr>
           </a:p>
           <a:p>
-            <a:pPr indent="0" lvl="0" marL="0" rtl="0" algn="l">
+            <a:pPr marL="0" lvl="0" indent="0" algn="l" rtl="0">
               <a:spcBef>
                 <a:spcPts val="1200"/>
               </a:spcBef>
@@ -8911,7 +9046,7 @@
               <a:buNone/>
             </a:pPr>
             <a:r>
-              <a:rPr b="1" lang="en">
+              <a:rPr lang="en" b="1">
                 <a:solidFill>
                   <a:schemeClr val="lt1"/>
                 </a:solidFill>
@@ -8925,7 +9060,7 @@
             </a:endParaRPr>
           </a:p>
           <a:p>
-            <a:pPr indent="0" lvl="0" marL="0" rtl="0" algn="l">
+            <a:pPr marL="0" lvl="0" indent="0" algn="l" rtl="0">
               <a:spcBef>
                 <a:spcPts val="1200"/>
               </a:spcBef>
@@ -8935,7 +9070,7 @@
               <a:buNone/>
             </a:pPr>
             <a:r>
-              <a:rPr b="1" lang="en">
+              <a:rPr lang="en" b="1">
                 <a:solidFill>
                   <a:schemeClr val="lt1"/>
                 </a:solidFill>
@@ -8949,7 +9084,7 @@
             </a:endParaRPr>
           </a:p>
           <a:p>
-            <a:pPr indent="0" lvl="0" marL="0" rtl="0" algn="l">
+            <a:pPr marL="0" lvl="0" indent="0" algn="l" rtl="0">
               <a:spcBef>
                 <a:spcPts val="1200"/>
               </a:spcBef>
@@ -8958,9 +9093,6 @@
               </a:spcAft>
               <a:buNone/>
             </a:pPr>
-            <a:r>
-              <a:t/>
-            </a:r>
             <a:endParaRPr>
               <a:solidFill>
                 <a:schemeClr val="lt1"/>
@@ -8978,11 +9110,11 @@
 </file>
 
 <file path=ppt/slides/slide6.xml><?xml version="1.0" encoding="utf-8"?>
-<p:sld xmlns:a="http://schemas.openxmlformats.org/drawingml/2006/main" xmlns:r="http://schemas.openxmlformats.org/officeDocument/2006/relationships" xmlns:mc="http://schemas.openxmlformats.org/markup-compatibility/2006" xmlns:mv="urn:schemas-microsoft-com:mac:vml" xmlns:p="http://schemas.openxmlformats.org/presentationml/2006/main" xmlns:c="http://schemas.openxmlformats.org/drawingml/2006/chart" xmlns:dgm="http://schemas.openxmlformats.org/drawingml/2006/diagram" xmlns:o="urn:schemas-microsoft-com:office:office" xmlns:v="urn:schemas-microsoft-com:vml" xmlns:pvml="urn:schemas-microsoft-com:office:powerpoint" xmlns:com="http://schemas.openxmlformats.org/drawingml/2006/compatibility" xmlns:p14="http://schemas.microsoft.com/office/powerpoint/2010/main" xmlns:p15="http://schemas.microsoft.com/office/powerpoint/2012/main" xmlns:ahyp="http://schemas.microsoft.com/office/drawing/2018/hyperlinkcolor">
+<p:sld xmlns:a="http://schemas.openxmlformats.org/drawingml/2006/main" xmlns:r="http://schemas.openxmlformats.org/officeDocument/2006/relationships" xmlns:p="http://schemas.openxmlformats.org/presentationml/2006/main">
   <p:cSld>
     <p:spTree>
       <p:nvGrpSpPr>
-        <p:cNvPr id="85" name="Shape 85"/>
+        <p:cNvPr id="1" name="Shape 85"/>
         <p:cNvGrpSpPr/>
         <p:nvPr/>
       </p:nvGrpSpPr>
@@ -8997,7 +9129,9 @@
       <p:sp>
         <p:nvSpPr>
           <p:cNvPr id="86" name="Google Shape;86;p18"/>
-          <p:cNvSpPr txBox="1"/>
+          <p:cNvSpPr txBox="1">
+            <a:spLocks noGrp="1"/>
+          </p:cNvSpPr>
           <p:nvPr>
             <p:ph type="title"/>
           </p:nvPr>
@@ -9012,12 +9146,12 @@
           </a:prstGeom>
         </p:spPr>
         <p:txBody>
-          <a:bodyPr anchorCtr="0" anchor="t" bIns="91425" lIns="91425" spcFirstLastPara="1" rIns="91425" wrap="square" tIns="91425">
+          <a:bodyPr spcFirstLastPara="1" wrap="square" lIns="91425" tIns="91425" rIns="91425" bIns="91425" anchor="t" anchorCtr="0">
             <a:normAutofit fontScale="90000"/>
           </a:bodyPr>
           <a:lstStyle/>
           <a:p>
-            <a:pPr indent="0" lvl="0" marL="0" rtl="0" algn="l">
+            <a:pPr marL="0" lvl="0" indent="0" algn="l" rtl="0">
               <a:spcBef>
                 <a:spcPts val="0"/>
               </a:spcBef>
@@ -9045,9 +9179,11 @@
       <p:sp>
         <p:nvSpPr>
           <p:cNvPr id="87" name="Google Shape;87;p18"/>
-          <p:cNvSpPr txBox="1"/>
+          <p:cNvSpPr txBox="1">
+            <a:spLocks noGrp="1"/>
+          </p:cNvSpPr>
           <p:nvPr>
-            <p:ph idx="1" type="body"/>
+            <p:ph type="body" idx="1"/>
           </p:nvPr>
         </p:nvSpPr>
         <p:spPr>
@@ -9060,12 +9196,12 @@
           </a:prstGeom>
         </p:spPr>
         <p:txBody>
-          <a:bodyPr anchorCtr="0" anchor="t" bIns="91425" lIns="91425" spcFirstLastPara="1" rIns="91425" wrap="square" tIns="91425">
+          <a:bodyPr spcFirstLastPara="1" wrap="square" lIns="91425" tIns="91425" rIns="91425" bIns="91425" anchor="t" anchorCtr="0">
             <a:normAutofit/>
           </a:bodyPr>
           <a:lstStyle/>
           <a:p>
-            <a:pPr indent="0" lvl="0" marL="0" rtl="0" algn="l">
+            <a:pPr marL="0" lvl="0" indent="0" algn="l" rtl="0">
               <a:spcBef>
                 <a:spcPts val="0"/>
               </a:spcBef>
@@ -9074,9 +9210,6 @@
               </a:spcAft>
               <a:buNone/>
             </a:pPr>
-            <a:r>
-              <a:t/>
-            </a:r>
             <a:endParaRPr/>
           </a:p>
         </p:txBody>
@@ -9118,11 +9251,11 @@
 </file>
 
 <file path=ppt/slides/slide7.xml><?xml version="1.0" encoding="utf-8"?>
-<p:sld xmlns:a="http://schemas.openxmlformats.org/drawingml/2006/main" xmlns:r="http://schemas.openxmlformats.org/officeDocument/2006/relationships" xmlns:mc="http://schemas.openxmlformats.org/markup-compatibility/2006" xmlns:mv="urn:schemas-microsoft-com:mac:vml" xmlns:p="http://schemas.openxmlformats.org/presentationml/2006/main" xmlns:c="http://schemas.openxmlformats.org/drawingml/2006/chart" xmlns:dgm="http://schemas.openxmlformats.org/drawingml/2006/diagram" xmlns:o="urn:schemas-microsoft-com:office:office" xmlns:v="urn:schemas-microsoft-com:vml" xmlns:pvml="urn:schemas-microsoft-com:office:powerpoint" xmlns:com="http://schemas.openxmlformats.org/drawingml/2006/compatibility" xmlns:p14="http://schemas.microsoft.com/office/powerpoint/2010/main" xmlns:p15="http://schemas.microsoft.com/office/powerpoint/2012/main" xmlns:ahyp="http://schemas.microsoft.com/office/drawing/2018/hyperlinkcolor">
+<p:sld xmlns:a="http://schemas.openxmlformats.org/drawingml/2006/main" xmlns:r="http://schemas.openxmlformats.org/officeDocument/2006/relationships" xmlns:p="http://schemas.openxmlformats.org/presentationml/2006/main">
   <p:cSld>
     <p:spTree>
       <p:nvGrpSpPr>
-        <p:cNvPr id="92" name="Shape 92"/>
+        <p:cNvPr id="1" name="Shape 92"/>
         <p:cNvGrpSpPr/>
         <p:nvPr/>
       </p:nvGrpSpPr>
@@ -9137,7 +9270,9 @@
       <p:sp>
         <p:nvSpPr>
           <p:cNvPr id="93" name="Google Shape;93;p19"/>
-          <p:cNvSpPr txBox="1"/>
+          <p:cNvSpPr txBox="1">
+            <a:spLocks noGrp="1"/>
+          </p:cNvSpPr>
           <p:nvPr>
             <p:ph type="title"/>
           </p:nvPr>
@@ -9152,12 +9287,12 @@
           </a:prstGeom>
         </p:spPr>
         <p:txBody>
-          <a:bodyPr anchorCtr="0" anchor="t" bIns="91425" lIns="91425" spcFirstLastPara="1" rIns="91425" wrap="square" tIns="91425">
+          <a:bodyPr spcFirstLastPara="1" wrap="square" lIns="91425" tIns="91425" rIns="91425" bIns="91425" anchor="t" anchorCtr="0">
             <a:normAutofit fontScale="90000"/>
           </a:bodyPr>
           <a:lstStyle/>
           <a:p>
-            <a:pPr indent="0" lvl="0" marL="0" rtl="0" algn="l">
+            <a:pPr marL="0" lvl="0" indent="0" algn="l" rtl="0">
               <a:spcBef>
                 <a:spcPts val="0"/>
               </a:spcBef>
@@ -9185,9 +9320,11 @@
       <p:sp>
         <p:nvSpPr>
           <p:cNvPr id="94" name="Google Shape;94;p19"/>
-          <p:cNvSpPr txBox="1"/>
+          <p:cNvSpPr txBox="1">
+            <a:spLocks noGrp="1"/>
+          </p:cNvSpPr>
           <p:nvPr>
-            <p:ph idx="1" type="body"/>
+            <p:ph type="body" idx="1"/>
           </p:nvPr>
         </p:nvSpPr>
         <p:spPr>
@@ -9200,12 +9337,12 @@
           </a:prstGeom>
         </p:spPr>
         <p:txBody>
-          <a:bodyPr anchorCtr="0" anchor="t" bIns="91425" lIns="91425" spcFirstLastPara="1" rIns="91425" wrap="square" tIns="91425">
+          <a:bodyPr spcFirstLastPara="1" wrap="square" lIns="91425" tIns="91425" rIns="91425" bIns="91425" anchor="t" anchorCtr="0">
             <a:normAutofit/>
           </a:bodyPr>
           <a:lstStyle/>
           <a:p>
-            <a:pPr indent="0" lvl="0" marL="0" rtl="0" algn="l">
+            <a:pPr marL="0" lvl="0" indent="0" algn="l" rtl="0">
               <a:spcBef>
                 <a:spcPts val="0"/>
               </a:spcBef>
@@ -9214,9 +9351,6 @@
               </a:spcAft>
               <a:buNone/>
             </a:pPr>
-            <a:r>
-              <a:t/>
-            </a:r>
             <a:endParaRPr/>
           </a:p>
         </p:txBody>
@@ -9258,11 +9392,11 @@
 </file>
 
 <file path=ppt/slides/slide8.xml><?xml version="1.0" encoding="utf-8"?>
-<p:sld xmlns:a="http://schemas.openxmlformats.org/drawingml/2006/main" xmlns:r="http://schemas.openxmlformats.org/officeDocument/2006/relationships" xmlns:mc="http://schemas.openxmlformats.org/markup-compatibility/2006" xmlns:mv="urn:schemas-microsoft-com:mac:vml" xmlns:p="http://schemas.openxmlformats.org/presentationml/2006/main" xmlns:c="http://schemas.openxmlformats.org/drawingml/2006/chart" xmlns:dgm="http://schemas.openxmlformats.org/drawingml/2006/diagram" xmlns:o="urn:schemas-microsoft-com:office:office" xmlns:v="urn:schemas-microsoft-com:vml" xmlns:pvml="urn:schemas-microsoft-com:office:powerpoint" xmlns:com="http://schemas.openxmlformats.org/drawingml/2006/compatibility" xmlns:p14="http://schemas.microsoft.com/office/powerpoint/2010/main" xmlns:p15="http://schemas.microsoft.com/office/powerpoint/2012/main" xmlns:ahyp="http://schemas.microsoft.com/office/drawing/2018/hyperlinkcolor">
+<p:sld xmlns:a="http://schemas.openxmlformats.org/drawingml/2006/main" xmlns:r="http://schemas.openxmlformats.org/officeDocument/2006/relationships" xmlns:p="http://schemas.openxmlformats.org/presentationml/2006/main">
   <p:cSld>
     <p:spTree>
       <p:nvGrpSpPr>
-        <p:cNvPr id="99" name="Shape 99"/>
+        <p:cNvPr id="1" name="Shape 99"/>
         <p:cNvGrpSpPr/>
         <p:nvPr/>
       </p:nvGrpSpPr>
@@ -9277,7 +9411,9 @@
       <p:sp>
         <p:nvSpPr>
           <p:cNvPr id="100" name="Google Shape;100;p20"/>
-          <p:cNvSpPr txBox="1"/>
+          <p:cNvSpPr txBox="1">
+            <a:spLocks noGrp="1"/>
+          </p:cNvSpPr>
           <p:nvPr>
             <p:ph type="title"/>
           </p:nvPr>
@@ -9292,12 +9428,12 @@
           </a:prstGeom>
         </p:spPr>
         <p:txBody>
-          <a:bodyPr anchorCtr="0" anchor="t" bIns="91425" lIns="91425" spcFirstLastPara="1" rIns="91425" wrap="square" tIns="91425">
+          <a:bodyPr spcFirstLastPara="1" wrap="square" lIns="91425" tIns="91425" rIns="91425" bIns="91425" anchor="t" anchorCtr="0">
             <a:normAutofit fontScale="90000"/>
           </a:bodyPr>
           <a:lstStyle/>
           <a:p>
-            <a:pPr indent="0" lvl="0" marL="0" rtl="0" algn="l">
+            <a:pPr marL="0" lvl="0" indent="0" algn="l" rtl="0">
               <a:spcBef>
                 <a:spcPts val="0"/>
               </a:spcBef>
@@ -9306,9 +9442,6 @@
               </a:spcAft>
               <a:buNone/>
             </a:pPr>
-            <a:r>
-              <a:t/>
-            </a:r>
             <a:endParaRPr/>
           </a:p>
         </p:txBody>
@@ -9316,9 +9449,11 @@
       <p:sp>
         <p:nvSpPr>
           <p:cNvPr id="101" name="Google Shape;101;p20"/>
-          <p:cNvSpPr txBox="1"/>
+          <p:cNvSpPr txBox="1">
+            <a:spLocks noGrp="1"/>
+          </p:cNvSpPr>
           <p:nvPr>
-            <p:ph idx="1" type="body"/>
+            <p:ph type="body" idx="1"/>
           </p:nvPr>
         </p:nvSpPr>
         <p:spPr>
@@ -9331,12 +9466,12 @@
           </a:prstGeom>
         </p:spPr>
         <p:txBody>
-          <a:bodyPr anchorCtr="0" anchor="t" bIns="91425" lIns="91425" spcFirstLastPara="1" rIns="91425" wrap="square" tIns="91425">
+          <a:bodyPr spcFirstLastPara="1" wrap="square" lIns="91425" tIns="91425" rIns="91425" bIns="91425" anchor="t" anchorCtr="0">
             <a:normAutofit/>
           </a:bodyPr>
           <a:lstStyle/>
           <a:p>
-            <a:pPr indent="0" lvl="0" marL="0" rtl="0" algn="l">
+            <a:pPr marL="0" lvl="0" indent="0" algn="l" rtl="0">
               <a:spcBef>
                 <a:spcPts val="0"/>
               </a:spcBef>
@@ -9345,9 +9480,6 @@
               </a:spcAft>
               <a:buNone/>
             </a:pPr>
-            <a:r>
-              <a:t/>
-            </a:r>
             <a:endParaRPr/>
           </a:p>
         </p:txBody>
@@ -9389,11 +9521,11 @@
 </file>
 
 <file path=ppt/slides/slide9.xml><?xml version="1.0" encoding="utf-8"?>
-<p:sld xmlns:a="http://schemas.openxmlformats.org/drawingml/2006/main" xmlns:r="http://schemas.openxmlformats.org/officeDocument/2006/relationships" xmlns:mc="http://schemas.openxmlformats.org/markup-compatibility/2006" xmlns:mv="urn:schemas-microsoft-com:mac:vml" xmlns:p="http://schemas.openxmlformats.org/presentationml/2006/main" xmlns:c="http://schemas.openxmlformats.org/drawingml/2006/chart" xmlns:dgm="http://schemas.openxmlformats.org/drawingml/2006/diagram" xmlns:o="urn:schemas-microsoft-com:office:office" xmlns:v="urn:schemas-microsoft-com:vml" xmlns:pvml="urn:schemas-microsoft-com:office:powerpoint" xmlns:com="http://schemas.openxmlformats.org/drawingml/2006/compatibility" xmlns:p14="http://schemas.microsoft.com/office/powerpoint/2010/main" xmlns:p15="http://schemas.microsoft.com/office/powerpoint/2012/main" xmlns:ahyp="http://schemas.microsoft.com/office/drawing/2018/hyperlinkcolor">
+<p:sld xmlns:a="http://schemas.openxmlformats.org/drawingml/2006/main" xmlns:r="http://schemas.openxmlformats.org/officeDocument/2006/relationships" xmlns:p="http://schemas.openxmlformats.org/presentationml/2006/main">
   <p:cSld>
     <p:spTree>
       <p:nvGrpSpPr>
-        <p:cNvPr id="106" name="Shape 106"/>
+        <p:cNvPr id="1" name="Shape 106"/>
         <p:cNvGrpSpPr/>
         <p:nvPr/>
       </p:nvGrpSpPr>
@@ -9408,7 +9540,9 @@
       <p:sp>
         <p:nvSpPr>
           <p:cNvPr id="107" name="Google Shape;107;p21"/>
-          <p:cNvSpPr txBox="1"/>
+          <p:cNvSpPr txBox="1">
+            <a:spLocks noGrp="1"/>
+          </p:cNvSpPr>
           <p:nvPr>
             <p:ph type="title"/>
           </p:nvPr>
@@ -9423,12 +9557,12 @@
           </a:prstGeom>
         </p:spPr>
         <p:txBody>
-          <a:bodyPr anchorCtr="0" anchor="t" bIns="91425" lIns="91425" spcFirstLastPara="1" rIns="91425" wrap="square" tIns="91425">
+          <a:bodyPr spcFirstLastPara="1" wrap="square" lIns="91425" tIns="91425" rIns="91425" bIns="91425" anchor="t" anchorCtr="0">
             <a:normAutofit fontScale="90000"/>
           </a:bodyPr>
           <a:lstStyle/>
           <a:p>
-            <a:pPr indent="0" lvl="0" marL="0" rtl="0" algn="l">
+            <a:pPr marL="0" lvl="0" indent="0" algn="l" rtl="0">
               <a:spcBef>
                 <a:spcPts val="0"/>
               </a:spcBef>
@@ -9437,9 +9571,6 @@
               </a:spcAft>
               <a:buNone/>
             </a:pPr>
-            <a:r>
-              <a:t/>
-            </a:r>
             <a:endParaRPr/>
           </a:p>
         </p:txBody>
@@ -9447,9 +9578,11 @@
       <p:sp>
         <p:nvSpPr>
           <p:cNvPr id="108" name="Google Shape;108;p21"/>
-          <p:cNvSpPr txBox="1"/>
+          <p:cNvSpPr txBox="1">
+            <a:spLocks noGrp="1"/>
+          </p:cNvSpPr>
           <p:nvPr>
-            <p:ph idx="1" type="body"/>
+            <p:ph type="body" idx="1"/>
           </p:nvPr>
         </p:nvSpPr>
         <p:spPr>
@@ -9462,12 +9595,12 @@
           </a:prstGeom>
         </p:spPr>
         <p:txBody>
-          <a:bodyPr anchorCtr="0" anchor="t" bIns="91425" lIns="91425" spcFirstLastPara="1" rIns="91425" wrap="square" tIns="91425">
+          <a:bodyPr spcFirstLastPara="1" wrap="square" lIns="91425" tIns="91425" rIns="91425" bIns="91425" anchor="t" anchorCtr="0">
             <a:normAutofit/>
           </a:bodyPr>
           <a:lstStyle/>
           <a:p>
-            <a:pPr indent="0" lvl="0" marL="0" rtl="0" algn="l">
+            <a:pPr marL="0" lvl="0" indent="0" algn="l" rtl="0">
               <a:spcBef>
                 <a:spcPts val="0"/>
               </a:spcBef>
@@ -9476,9 +9609,6 @@
               </a:spcAft>
               <a:buNone/>
             </a:pPr>
-            <a:r>
-              <a:t/>
-            </a:r>
             <a:endParaRPr/>
           </a:p>
         </p:txBody>
@@ -9520,7 +9650,7 @@
 </file>
 
 <file path=ppt/theme/theme1.xml><?xml version="1.0" encoding="utf-8"?>
-<a:theme xmlns:a="http://schemas.openxmlformats.org/drawingml/2006/main" xmlns:r="http://schemas.openxmlformats.org/officeDocument/2006/relationships" name="Simple Light">
+<a:theme xmlns:a="http://schemas.openxmlformats.org/drawingml/2006/main" name="Simple Light">
   <a:themeElements>
     <a:clrScheme name="Simple Light">
       <a:dk1>
@@ -9795,11 +9925,13 @@
       </a:bgFillStyleLst>
     </a:fmtScheme>
   </a:themeElements>
+  <a:objectDefaults/>
+  <a:extraClrSchemeLst/>
 </a:theme>
 </file>
 
 <file path=ppt/theme/theme2.xml><?xml version="1.0" encoding="utf-8"?>
-<a:theme xmlns:a="http://schemas.openxmlformats.org/drawingml/2006/main" xmlns:r="http://schemas.openxmlformats.org/officeDocument/2006/relationships">
+<a:theme xmlns:a="http://schemas.openxmlformats.org/drawingml/2006/main">
   <a:themeElements>
     <a:clrScheme name="Default">
       <a:dk1>
@@ -10074,5 +10206,7 @@
       </a:bgFillStyleLst>
     </a:fmtScheme>
   </a:themeElements>
+  <a:objectDefaults/>
+  <a:extraClrSchemeLst/>
 </a:theme>
 </file>